--- a/doc/designDoc.pptx
+++ b/doc/designDoc.pptx
@@ -6,6 +6,7 @@
   </p:sldMasterIdLst>
   <p:sldIdLst>
     <p:sldId id="256" r:id="rId2"/>
+    <p:sldId id="257" r:id="rId3"/>
   </p:sldIdLst>
   <p:sldSz cx="12192000" cy="6858000"/>
   <p:notesSz cx="6858000" cy="9144000"/>
@@ -104,6 +105,11 @@
       </a:defRPr>
     </a:lvl9pPr>
   </p:defaultTextStyle>
+  <p:extLst>
+    <p:ext uri="{EFAFB233-063F-42B5-8137-9DF3F51BA10A}">
+      <p15:sldGuideLst xmlns:p15="http://schemas.microsoft.com/office/powerpoint/2012/main"/>
+    </p:ext>
+  </p:extLst>
 </p:presentation>
 </file>
 
@@ -256,7 +262,7 @@
           <a:p>
             <a:fld id="{1576270A-00CC-4CDA-8518-C9E1E577C90F}" type="datetimeFigureOut">
               <a:rPr lang="en-SG" smtClean="0"/>
-              <a:t>14/7/2023</a:t>
+              <a:t>3/2/2026</a:t>
             </a:fld>
             <a:endParaRPr lang="en-SG"/>
           </a:p>
@@ -456,7 +462,7 @@
           <a:p>
             <a:fld id="{1576270A-00CC-4CDA-8518-C9E1E577C90F}" type="datetimeFigureOut">
               <a:rPr lang="en-SG" smtClean="0"/>
-              <a:t>14/7/2023</a:t>
+              <a:t>3/2/2026</a:t>
             </a:fld>
             <a:endParaRPr lang="en-SG"/>
           </a:p>
@@ -666,7 +672,7 @@
           <a:p>
             <a:fld id="{1576270A-00CC-4CDA-8518-C9E1E577C90F}" type="datetimeFigureOut">
               <a:rPr lang="en-SG" smtClean="0"/>
-              <a:t>14/7/2023</a:t>
+              <a:t>3/2/2026</a:t>
             </a:fld>
             <a:endParaRPr lang="en-SG"/>
           </a:p>
@@ -866,7 +872,7 @@
           <a:p>
             <a:fld id="{1576270A-00CC-4CDA-8518-C9E1E577C90F}" type="datetimeFigureOut">
               <a:rPr lang="en-SG" smtClean="0"/>
-              <a:t>14/7/2023</a:t>
+              <a:t>3/2/2026</a:t>
             </a:fld>
             <a:endParaRPr lang="en-SG"/>
           </a:p>
@@ -1142,7 +1148,7 @@
           <a:p>
             <a:fld id="{1576270A-00CC-4CDA-8518-C9E1E577C90F}" type="datetimeFigureOut">
               <a:rPr lang="en-SG" smtClean="0"/>
-              <a:t>14/7/2023</a:t>
+              <a:t>3/2/2026</a:t>
             </a:fld>
             <a:endParaRPr lang="en-SG"/>
           </a:p>
@@ -1410,7 +1416,7 @@
           <a:p>
             <a:fld id="{1576270A-00CC-4CDA-8518-C9E1E577C90F}" type="datetimeFigureOut">
               <a:rPr lang="en-SG" smtClean="0"/>
-              <a:t>14/7/2023</a:t>
+              <a:t>3/2/2026</a:t>
             </a:fld>
             <a:endParaRPr lang="en-SG"/>
           </a:p>
@@ -1825,7 +1831,7 @@
           <a:p>
             <a:fld id="{1576270A-00CC-4CDA-8518-C9E1E577C90F}" type="datetimeFigureOut">
               <a:rPr lang="en-SG" smtClean="0"/>
-              <a:t>14/7/2023</a:t>
+              <a:t>3/2/2026</a:t>
             </a:fld>
             <a:endParaRPr lang="en-SG"/>
           </a:p>
@@ -1967,7 +1973,7 @@
           <a:p>
             <a:fld id="{1576270A-00CC-4CDA-8518-C9E1E577C90F}" type="datetimeFigureOut">
               <a:rPr lang="en-SG" smtClean="0"/>
-              <a:t>14/7/2023</a:t>
+              <a:t>3/2/2026</a:t>
             </a:fld>
             <a:endParaRPr lang="en-SG"/>
           </a:p>
@@ -2080,7 +2086,7 @@
           <a:p>
             <a:fld id="{1576270A-00CC-4CDA-8518-C9E1E577C90F}" type="datetimeFigureOut">
               <a:rPr lang="en-SG" smtClean="0"/>
-              <a:t>14/7/2023</a:t>
+              <a:t>3/2/2026</a:t>
             </a:fld>
             <a:endParaRPr lang="en-SG"/>
           </a:p>
@@ -2393,7 +2399,7 @@
           <a:p>
             <a:fld id="{1576270A-00CC-4CDA-8518-C9E1E577C90F}" type="datetimeFigureOut">
               <a:rPr lang="en-SG" smtClean="0"/>
-              <a:t>14/7/2023</a:t>
+              <a:t>3/2/2026</a:t>
             </a:fld>
             <a:endParaRPr lang="en-SG"/>
           </a:p>
@@ -2682,7 +2688,7 @@
           <a:p>
             <a:fld id="{1576270A-00CC-4CDA-8518-C9E1E577C90F}" type="datetimeFigureOut">
               <a:rPr lang="en-SG" smtClean="0"/>
-              <a:t>14/7/2023</a:t>
+              <a:t>3/2/2026</a:t>
             </a:fld>
             <a:endParaRPr lang="en-SG"/>
           </a:p>
@@ -2925,7 +2931,7 @@
           <a:p>
             <a:fld id="{1576270A-00CC-4CDA-8518-C9E1E577C90F}" type="datetimeFigureOut">
               <a:rPr lang="en-SG" smtClean="0"/>
-              <a:t>14/7/2023</a:t>
+              <a:t>3/2/2026</a:t>
             </a:fld>
             <a:endParaRPr lang="en-SG"/>
           </a:p>
@@ -3364,7 +3370,7 @@
         </p:blipFill>
         <p:spPr>
           <a:xfrm>
-            <a:off x="3428752" y="1195819"/>
+            <a:off x="1231476" y="2771548"/>
             <a:ext cx="680540" cy="481514"/>
           </a:xfrm>
           <a:prstGeom prst="rect">
@@ -3391,13 +3397,13 @@
         </p:nvSpPr>
         <p:spPr>
           <a:xfrm>
-            <a:off x="5147516" y="1181804"/>
-            <a:ext cx="2034627" cy="1514330"/>
+            <a:off x="3011564" y="930239"/>
+            <a:ext cx="2034627" cy="1449897"/>
           </a:xfrm>
           <a:prstGeom prst="rect">
             <a:avLst/>
           </a:prstGeom>
-          <a:ln>
+          <a:ln w="19050">
             <a:solidFill>
               <a:srgbClr val="0070C0"/>
             </a:solidFill>
@@ -3427,76 +3433,6 @@
           </a:p>
         </p:txBody>
       </p:sp>
-      <p:pic>
-        <p:nvPicPr>
-          <p:cNvPr id="6" name="Picture 5">
-            <a:extLst>
-              <a:ext uri="{FF2B5EF4-FFF2-40B4-BE49-F238E27FC236}">
-                <a16:creationId xmlns:a16="http://schemas.microsoft.com/office/drawing/2014/main" id="{04E04DC4-E5BF-0256-69AC-B23E3EC57627}"/>
-              </a:ext>
-            </a:extLst>
-          </p:cNvPr>
-          <p:cNvPicPr>
-            <a:picLocks noChangeAspect="1"/>
-          </p:cNvPicPr>
-          <p:nvPr/>
-        </p:nvPicPr>
-        <p:blipFill>
-          <a:blip r:embed="rId3"/>
-          <a:stretch>
-            <a:fillRect/>
-          </a:stretch>
-        </p:blipFill>
-        <p:spPr>
-          <a:xfrm>
-            <a:off x="5147516" y="1077205"/>
-            <a:ext cx="324268" cy="237228"/>
-          </a:xfrm>
-          <a:prstGeom prst="rect">
-            <a:avLst/>
-          </a:prstGeom>
-          <a:ln w="3175">
-            <a:solidFill>
-              <a:schemeClr val="tx1"/>
-            </a:solidFill>
-          </a:ln>
-        </p:spPr>
-      </p:pic>
-      <p:pic>
-        <p:nvPicPr>
-          <p:cNvPr id="7" name="Picture 6">
-            <a:extLst>
-              <a:ext uri="{FF2B5EF4-FFF2-40B4-BE49-F238E27FC236}">
-                <a16:creationId xmlns:a16="http://schemas.microsoft.com/office/drawing/2014/main" id="{8243B094-8DF4-B566-8345-4AB4CFE3BD41}"/>
-              </a:ext>
-            </a:extLst>
-          </p:cNvPr>
-          <p:cNvPicPr>
-            <a:picLocks noChangeAspect="1"/>
-          </p:cNvPicPr>
-          <p:nvPr/>
-        </p:nvPicPr>
-        <p:blipFill>
-          <a:blip r:embed="rId4"/>
-          <a:stretch>
-            <a:fillRect/>
-          </a:stretch>
-        </p:blipFill>
-        <p:spPr>
-          <a:xfrm>
-            <a:off x="6262789" y="2263431"/>
-            <a:ext cx="324268" cy="324268"/>
-          </a:xfrm>
-          <a:prstGeom prst="rect">
-            <a:avLst/>
-          </a:prstGeom>
-          <a:ln w="12700">
-            <a:solidFill>
-              <a:schemeClr val="tx1"/>
-            </a:solidFill>
-          </a:ln>
-        </p:spPr>
-      </p:pic>
       <p:sp>
         <p:nvSpPr>
           <p:cNvPr id="8" name="TextBox 7">
@@ -3511,8 +3447,8 @@
         </p:nvSpPr>
         <p:spPr>
           <a:xfrm>
-            <a:off x="5427389" y="978563"/>
-            <a:ext cx="1135067" cy="261610"/>
+            <a:off x="3398898" y="632227"/>
+            <a:ext cx="1244710" cy="276999"/>
           </a:xfrm>
           <a:prstGeom prst="rect">
             <a:avLst/>
@@ -3526,14 +3462,14 @@
           <a:lstStyle/>
           <a:p>
             <a:r>
-              <a:rPr lang="en-US" sz="1100" dirty="0">
+              <a:rPr lang="en-US" sz="1200" b="1" dirty="0">
                 <a:solidFill>
                   <a:srgbClr val="002060"/>
                 </a:solidFill>
               </a:rPr>
               <a:t>Physical server 1</a:t>
             </a:r>
-            <a:endParaRPr lang="en-SG" sz="1100" dirty="0">
+            <a:endParaRPr lang="en-SG" sz="1200" b="1" dirty="0">
               <a:solidFill>
                 <a:srgbClr val="002060"/>
               </a:solidFill>
@@ -3555,8 +3491,8 @@
         </p:nvSpPr>
         <p:spPr>
           <a:xfrm>
-            <a:off x="5617597" y="1411673"/>
-            <a:ext cx="478404" cy="527296"/>
+            <a:off x="3251042" y="1151541"/>
+            <a:ext cx="557430" cy="527296"/>
           </a:xfrm>
           <a:prstGeom prst="rect">
             <a:avLst/>
@@ -3606,14 +3542,14 @@
           <p:nvPr/>
         </p:nvPicPr>
         <p:blipFill>
-          <a:blip r:embed="rId5"/>
+          <a:blip r:embed="rId3"/>
           <a:stretch>
             <a:fillRect/>
           </a:stretch>
         </p:blipFill>
         <p:spPr>
           <a:xfrm>
-            <a:off x="5617595" y="1300385"/>
+            <a:off x="3238788" y="1148581"/>
             <a:ext cx="320219" cy="219795"/>
           </a:xfrm>
           <a:prstGeom prst="rect">
@@ -3643,7 +3579,7 @@
         </p:blipFill>
         <p:spPr>
           <a:xfrm>
-            <a:off x="5765453" y="1580392"/>
+            <a:off x="3512110" y="1337678"/>
             <a:ext cx="245159" cy="245159"/>
           </a:xfrm>
           <a:prstGeom prst="rect">
@@ -3672,7 +3608,7 @@
         </p:nvCxnSpPr>
         <p:spPr>
           <a:xfrm>
-            <a:off x="3769022" y="1677333"/>
+            <a:off x="1571746" y="3253062"/>
             <a:ext cx="0" cy="468034"/>
           </a:xfrm>
           <a:prstGeom prst="line">
@@ -3709,7 +3645,7 @@
         </p:nvSpPr>
         <p:spPr>
           <a:xfrm>
-            <a:off x="6158468" y="1640885"/>
+            <a:off x="3791913" y="1380753"/>
             <a:ext cx="362198" cy="369332"/>
           </a:xfrm>
           <a:prstGeom prst="rect">
@@ -3745,8 +3681,8 @@
         </p:nvSpPr>
         <p:spPr>
           <a:xfrm>
-            <a:off x="6507231" y="1438409"/>
-            <a:ext cx="478404" cy="527296"/>
+            <a:off x="4181412" y="1140781"/>
+            <a:ext cx="543782" cy="538056"/>
           </a:xfrm>
           <a:prstGeom prst="rect">
             <a:avLst/>
@@ -3796,14 +3732,14 @@
           <p:nvPr/>
         </p:nvPicPr>
         <p:blipFill>
-          <a:blip r:embed="rId5"/>
+          <a:blip r:embed="rId3"/>
           <a:stretch>
             <a:fillRect/>
           </a:stretch>
         </p:blipFill>
         <p:spPr>
           <a:xfrm>
-            <a:off x="6507229" y="1327121"/>
+            <a:off x="4189030" y="1169768"/>
             <a:ext cx="320219" cy="219795"/>
           </a:xfrm>
           <a:prstGeom prst="rect">
@@ -3833,7 +3769,7 @@
         </p:blipFill>
         <p:spPr>
           <a:xfrm>
-            <a:off x="6655087" y="1607128"/>
+            <a:off x="4427331" y="1354646"/>
             <a:ext cx="245159" cy="245159"/>
           </a:xfrm>
           <a:prstGeom prst="rect">
@@ -3860,7 +3796,7 @@
         </p:nvSpPr>
         <p:spPr>
           <a:xfrm>
-            <a:off x="5537574" y="1897222"/>
+            <a:off x="3171019" y="1637090"/>
             <a:ext cx="764042" cy="261610"/>
           </a:xfrm>
           <a:prstGeom prst="rect">
@@ -3904,7 +3840,7 @@
         </p:nvSpPr>
         <p:spPr>
           <a:xfrm>
-            <a:off x="6430788" y="1916248"/>
+            <a:off x="4104969" y="1646744"/>
             <a:ext cx="644725" cy="261610"/>
           </a:xfrm>
           <a:prstGeom prst="rect">
@@ -3934,12 +3870,47 @@
           </a:p>
         </p:txBody>
       </p:sp>
-      <p:sp>
-        <p:nvSpPr>
-          <p:cNvPr id="20" name="Rectangle 19">
-            <a:extLst>
-              <a:ext uri="{FF2B5EF4-FFF2-40B4-BE49-F238E27FC236}">
-                <a16:creationId xmlns:a16="http://schemas.microsoft.com/office/drawing/2014/main" id="{A3105AE5-8A34-0300-0B79-69A5880B139D}"/>
+      <p:pic>
+        <p:nvPicPr>
+          <p:cNvPr id="36" name="Picture 35">
+            <a:extLst>
+              <a:ext uri="{FF2B5EF4-FFF2-40B4-BE49-F238E27FC236}">
+                <a16:creationId xmlns:a16="http://schemas.microsoft.com/office/drawing/2014/main" id="{24473636-F5FE-8138-83C1-075BFCE9285D}"/>
+              </a:ext>
+            </a:extLst>
+          </p:cNvPr>
+          <p:cNvPicPr>
+            <a:picLocks noChangeAspect="1"/>
+          </p:cNvPicPr>
+          <p:nvPr/>
+        </p:nvPicPr>
+        <p:blipFill>
+          <a:blip r:embed="rId5"/>
+          <a:stretch>
+            <a:fillRect/>
+          </a:stretch>
+        </p:blipFill>
+        <p:spPr>
+          <a:xfrm>
+            <a:off x="1236224" y="3692304"/>
+            <a:ext cx="698583" cy="379109"/>
+          </a:xfrm>
+          <a:prstGeom prst="rect">
+            <a:avLst/>
+          </a:prstGeom>
+          <a:ln w="12700">
+            <a:solidFill>
+              <a:schemeClr val="tx1"/>
+            </a:solidFill>
+          </a:ln>
+        </p:spPr>
+      </p:pic>
+      <p:sp>
+        <p:nvSpPr>
+          <p:cNvPr id="83" name="Cloud 82">
+            <a:extLst>
+              <a:ext uri="{FF2B5EF4-FFF2-40B4-BE49-F238E27FC236}">
+                <a16:creationId xmlns:a16="http://schemas.microsoft.com/office/drawing/2014/main" id="{D0AC0E69-6995-B54A-6FCF-66E52C5A991A}"/>
               </a:ext>
             </a:extLst>
           </p:cNvPr>
@@ -3948,13 +3919,768 @@
         </p:nvSpPr>
         <p:spPr>
           <a:xfrm>
-            <a:off x="5147516" y="3736542"/>
-            <a:ext cx="2034627" cy="1514330"/>
+            <a:off x="922062" y="1766291"/>
+            <a:ext cx="1299369" cy="632169"/>
+          </a:xfrm>
+          <a:prstGeom prst="cloud">
+            <a:avLst/>
+          </a:prstGeom>
+        </p:spPr>
+        <p:style>
+          <a:lnRef idx="2">
+            <a:schemeClr val="accent1">
+              <a:shade val="15000"/>
+            </a:schemeClr>
+          </a:lnRef>
+          <a:fillRef idx="1">
+            <a:schemeClr val="accent1"/>
+          </a:fillRef>
+          <a:effectRef idx="0">
+            <a:schemeClr val="accent1"/>
+          </a:effectRef>
+          <a:fontRef idx="minor">
+            <a:schemeClr val="lt1"/>
+          </a:fontRef>
+        </p:style>
+        <p:txBody>
+          <a:bodyPr rtlCol="0" anchor="ctr"/>
+          <a:lstStyle/>
+          <a:p>
+            <a:pPr algn="ctr"/>
+            <a:r>
+              <a:rPr lang="en-US" sz="1400" b="1" dirty="0"/>
+              <a:t>Internet</a:t>
+            </a:r>
+            <a:r>
+              <a:rPr lang="en-US" dirty="0"/>
+              <a:t> </a:t>
+            </a:r>
+            <a:endParaRPr lang="en-SG" dirty="0"/>
+          </a:p>
+        </p:txBody>
+      </p:sp>
+      <p:cxnSp>
+        <p:nvCxnSpPr>
+          <p:cNvPr id="84" name="Straight Connector 83">
+            <a:extLst>
+              <a:ext uri="{FF2B5EF4-FFF2-40B4-BE49-F238E27FC236}">
+                <a16:creationId xmlns:a16="http://schemas.microsoft.com/office/drawing/2014/main" id="{EF63F861-C03C-19BB-D4E3-AE4D04458B0C}"/>
+              </a:ext>
+            </a:extLst>
+          </p:cNvPr>
+          <p:cNvCxnSpPr>
+            <a:cxnSpLocks/>
+          </p:cNvCxnSpPr>
+          <p:nvPr/>
+        </p:nvCxnSpPr>
+        <p:spPr>
+          <a:xfrm>
+            <a:off x="1571746" y="2380136"/>
+            <a:ext cx="0" cy="374772"/>
+          </a:xfrm>
+          <a:prstGeom prst="line">
+            <a:avLst/>
+          </a:prstGeom>
+          <a:ln w="28575"/>
+        </p:spPr>
+        <p:style>
+          <a:lnRef idx="1">
+            <a:schemeClr val="accent1"/>
+          </a:lnRef>
+          <a:fillRef idx="0">
+            <a:schemeClr val="accent1"/>
+          </a:fillRef>
+          <a:effectRef idx="0">
+            <a:schemeClr val="accent1"/>
+          </a:effectRef>
+          <a:fontRef idx="minor">
+            <a:schemeClr val="tx1"/>
+          </a:fontRef>
+        </p:style>
+      </p:cxnSp>
+      <p:pic>
+        <p:nvPicPr>
+          <p:cNvPr id="12" name="Picture 11">
+            <a:extLst>
+              <a:ext uri="{FF2B5EF4-FFF2-40B4-BE49-F238E27FC236}">
+                <a16:creationId xmlns:a16="http://schemas.microsoft.com/office/drawing/2014/main" id="{F449464F-39A6-0932-E200-2BD00C309ABE}"/>
+              </a:ext>
+            </a:extLst>
+          </p:cNvPr>
+          <p:cNvPicPr>
+            <a:picLocks noChangeAspect="1"/>
+          </p:cNvPicPr>
+          <p:nvPr/>
+        </p:nvPicPr>
+        <p:blipFill>
+          <a:blip r:embed="rId6"/>
+          <a:stretch>
+            <a:fillRect/>
+          </a:stretch>
+        </p:blipFill>
+        <p:spPr>
+          <a:xfrm>
+            <a:off x="1387226" y="949818"/>
+            <a:ext cx="396581" cy="439689"/>
           </a:xfrm>
           <a:prstGeom prst="rect">
             <a:avLst/>
           </a:prstGeom>
+          <a:ln w="9525">
+            <a:solidFill>
+              <a:schemeClr val="tx1"/>
+            </a:solidFill>
+          </a:ln>
+        </p:spPr>
+      </p:pic>
+      <p:sp>
+        <p:nvSpPr>
+          <p:cNvPr id="37" name="TextBox 36">
+            <a:extLst>
+              <a:ext uri="{FF2B5EF4-FFF2-40B4-BE49-F238E27FC236}">
+                <a16:creationId xmlns:a16="http://schemas.microsoft.com/office/drawing/2014/main" id="{0031EF6B-5758-8F43-C382-B1064C82CD77}"/>
+              </a:ext>
+            </a:extLst>
+          </p:cNvPr>
+          <p:cNvSpPr txBox="1"/>
+          <p:nvPr/>
+        </p:nvSpPr>
+        <p:spPr>
+          <a:xfrm>
+            <a:off x="1016828" y="625450"/>
+            <a:ext cx="1125481" cy="261610"/>
+          </a:xfrm>
+          <a:prstGeom prst="rect">
+            <a:avLst/>
+          </a:prstGeom>
+          <a:noFill/>
+        </p:spPr>
+        <p:txBody>
+          <a:bodyPr wrap="square">
+            <a:spAutoFit/>
+          </a:bodyPr>
+          <a:lstStyle/>
+          <a:p>
+            <a:r>
+              <a:rPr lang="en-US" sz="1100" b="1" dirty="0">
+                <a:solidFill>
+                  <a:srgbClr val="C00000"/>
+                </a:solidFill>
+              </a:rPr>
+              <a:t>CTF Participants </a:t>
+            </a:r>
+          </a:p>
+        </p:txBody>
+      </p:sp>
+      <p:cxnSp>
+        <p:nvCxnSpPr>
+          <p:cNvPr id="41" name="Straight Connector 40">
+            <a:extLst>
+              <a:ext uri="{FF2B5EF4-FFF2-40B4-BE49-F238E27FC236}">
+                <a16:creationId xmlns:a16="http://schemas.microsoft.com/office/drawing/2014/main" id="{1767E8F8-3BE5-29B7-0E33-54A2DF56C6FF}"/>
+              </a:ext>
+            </a:extLst>
+          </p:cNvPr>
+          <p:cNvCxnSpPr>
+            <a:stCxn id="12" idx="2"/>
+            <a:endCxn id="83" idx="3"/>
+          </p:cNvCxnSpPr>
+          <p:nvPr/>
+        </p:nvCxnSpPr>
+        <p:spPr>
+          <a:xfrm flipH="1">
+            <a:off x="1571747" y="1389507"/>
+            <a:ext cx="0" cy="412929"/>
+          </a:xfrm>
+          <a:prstGeom prst="line">
+            <a:avLst/>
+          </a:prstGeom>
+          <a:ln w="19050"/>
+        </p:spPr>
+        <p:style>
+          <a:lnRef idx="1">
+            <a:schemeClr val="accent1"/>
+          </a:lnRef>
+          <a:fillRef idx="0">
+            <a:schemeClr val="accent1"/>
+          </a:fillRef>
+          <a:effectRef idx="0">
+            <a:schemeClr val="accent1"/>
+          </a:effectRef>
+          <a:fontRef idx="minor">
+            <a:schemeClr val="tx1"/>
+          </a:fontRef>
+        </p:style>
+      </p:cxnSp>
+      <p:sp>
+        <p:nvSpPr>
+          <p:cNvPr id="56" name="TextBox 55">
+            <a:extLst>
+              <a:ext uri="{FF2B5EF4-FFF2-40B4-BE49-F238E27FC236}">
+                <a16:creationId xmlns:a16="http://schemas.microsoft.com/office/drawing/2014/main" id="{C2B67718-3186-AE88-C377-51838D86C060}"/>
+              </a:ext>
+            </a:extLst>
+          </p:cNvPr>
+          <p:cNvSpPr txBox="1"/>
+          <p:nvPr/>
+        </p:nvSpPr>
+        <p:spPr>
+          <a:xfrm>
+            <a:off x="1556931" y="2328692"/>
+            <a:ext cx="946671" cy="430887"/>
+          </a:xfrm>
+          <a:prstGeom prst="rect">
+            <a:avLst/>
+          </a:prstGeom>
+          <a:noFill/>
+        </p:spPr>
+        <p:txBody>
+          <a:bodyPr wrap="square">
+            <a:spAutoFit/>
+          </a:bodyPr>
+          <a:lstStyle/>
+          <a:p>
+            <a:r>
+              <a:rPr lang="en-US" sz="1100" b="1" dirty="0"/>
+              <a:t>Firewall and Gateway</a:t>
+            </a:r>
+          </a:p>
+        </p:txBody>
+      </p:sp>
+      <p:sp>
+        <p:nvSpPr>
+          <p:cNvPr id="61" name="TextBox 60">
+            <a:extLst>
+              <a:ext uri="{FF2B5EF4-FFF2-40B4-BE49-F238E27FC236}">
+                <a16:creationId xmlns:a16="http://schemas.microsoft.com/office/drawing/2014/main" id="{A66358F5-12DB-4FFE-260D-A2F5DFA0D040}"/>
+              </a:ext>
+            </a:extLst>
+          </p:cNvPr>
+          <p:cNvSpPr txBox="1"/>
+          <p:nvPr/>
+        </p:nvSpPr>
+        <p:spPr>
+          <a:xfrm>
+            <a:off x="1585291" y="4105657"/>
+            <a:ext cx="964225" cy="430887"/>
+          </a:xfrm>
+          <a:prstGeom prst="rect">
+            <a:avLst/>
+          </a:prstGeom>
+          <a:noFill/>
+        </p:spPr>
+        <p:txBody>
+          <a:bodyPr wrap="square">
+            <a:spAutoFit/>
+          </a:bodyPr>
+          <a:lstStyle/>
+          <a:p>
+            <a:r>
+              <a:rPr lang="en-US" sz="1100" b="1" dirty="0"/>
+              <a:t>Forward Router</a:t>
+            </a:r>
+          </a:p>
+        </p:txBody>
+      </p:sp>
+      <p:cxnSp>
+        <p:nvCxnSpPr>
+          <p:cNvPr id="64" name="Connector: Elbow 63">
+            <a:extLst>
+              <a:ext uri="{FF2B5EF4-FFF2-40B4-BE49-F238E27FC236}">
+                <a16:creationId xmlns:a16="http://schemas.microsoft.com/office/drawing/2014/main" id="{20558793-E9BE-E35E-F1B0-7D12FE06B84A}"/>
+              </a:ext>
+            </a:extLst>
+          </p:cNvPr>
+          <p:cNvCxnSpPr>
+            <a:cxnSpLocks/>
+            <a:stCxn id="36" idx="3"/>
+            <a:endCxn id="5" idx="1"/>
+          </p:cNvCxnSpPr>
+          <p:nvPr/>
+        </p:nvCxnSpPr>
+        <p:spPr>
+          <a:xfrm flipV="1">
+            <a:off x="1934807" y="1655188"/>
+            <a:ext cx="1076757" cy="2226671"/>
+          </a:xfrm>
+          <a:prstGeom prst="bentConnector3">
+            <a:avLst/>
+          </a:prstGeom>
+          <a:ln w="19050"/>
+        </p:spPr>
+        <p:style>
+          <a:lnRef idx="1">
+            <a:schemeClr val="accent1"/>
+          </a:lnRef>
+          <a:fillRef idx="0">
+            <a:schemeClr val="accent1"/>
+          </a:fillRef>
+          <a:effectRef idx="0">
+            <a:schemeClr val="accent1"/>
+          </a:effectRef>
+          <a:fontRef idx="minor">
+            <a:schemeClr val="tx1"/>
+          </a:fontRef>
+        </p:style>
+      </p:cxnSp>
+      <p:pic>
+        <p:nvPicPr>
+          <p:cNvPr id="66" name="Picture 65">
+            <a:extLst>
+              <a:ext uri="{FF2B5EF4-FFF2-40B4-BE49-F238E27FC236}">
+                <a16:creationId xmlns:a16="http://schemas.microsoft.com/office/drawing/2014/main" id="{C1BA52E5-FEA7-F820-7628-D50C220D774D}"/>
+              </a:ext>
+            </a:extLst>
+          </p:cNvPr>
+          <p:cNvPicPr>
+            <a:picLocks noChangeAspect="1"/>
+          </p:cNvPicPr>
+          <p:nvPr/>
+        </p:nvPicPr>
+        <p:blipFill>
+          <a:blip r:embed="rId7"/>
+          <a:stretch>
+            <a:fillRect/>
+          </a:stretch>
+        </p:blipFill>
+        <p:spPr>
+          <a:xfrm>
+            <a:off x="2912677" y="1579680"/>
+            <a:ext cx="255256" cy="261611"/>
+          </a:xfrm>
+          <a:prstGeom prst="rect">
+            <a:avLst/>
+          </a:prstGeom>
           <a:ln>
+            <a:solidFill>
+              <a:schemeClr val="accent1"/>
+            </a:solidFill>
+          </a:ln>
+        </p:spPr>
+      </p:pic>
+      <p:pic>
+        <p:nvPicPr>
+          <p:cNvPr id="67" name="Picture 66">
+            <a:extLst>
+              <a:ext uri="{FF2B5EF4-FFF2-40B4-BE49-F238E27FC236}">
+                <a16:creationId xmlns:a16="http://schemas.microsoft.com/office/drawing/2014/main" id="{00516618-1051-F93F-81E1-C52A48F9B881}"/>
+              </a:ext>
+            </a:extLst>
+          </p:cNvPr>
+          <p:cNvPicPr>
+            <a:picLocks noChangeAspect="1"/>
+          </p:cNvPicPr>
+          <p:nvPr/>
+        </p:nvPicPr>
+        <p:blipFill>
+          <a:blip r:embed="rId7"/>
+          <a:stretch>
+            <a:fillRect/>
+          </a:stretch>
+        </p:blipFill>
+        <p:spPr>
+          <a:xfrm>
+            <a:off x="4938791" y="1574581"/>
+            <a:ext cx="255256" cy="261611"/>
+          </a:xfrm>
+          <a:prstGeom prst="rect">
+            <a:avLst/>
+          </a:prstGeom>
+          <a:ln>
+            <a:solidFill>
+              <a:schemeClr val="accent2">
+                <a:lumMod val="75000"/>
+              </a:schemeClr>
+            </a:solidFill>
+          </a:ln>
+        </p:spPr>
+      </p:pic>
+      <p:pic>
+        <p:nvPicPr>
+          <p:cNvPr id="72" name="Graphic 71" descr="Web design with solid fill">
+            <a:extLst>
+              <a:ext uri="{FF2B5EF4-FFF2-40B4-BE49-F238E27FC236}">
+                <a16:creationId xmlns:a16="http://schemas.microsoft.com/office/drawing/2014/main" id="{A478BB4F-F49A-31CB-729D-65609749183F}"/>
+              </a:ext>
+            </a:extLst>
+          </p:cNvPr>
+          <p:cNvPicPr>
+            <a:picLocks noChangeAspect="1"/>
+          </p:cNvPicPr>
+          <p:nvPr/>
+        </p:nvPicPr>
+        <p:blipFill>
+          <a:blip r:embed="rId8">
+            <a:extLst>
+              <a:ext uri="{96DAC541-7B7A-43D3-8B79-37D633B846F1}">
+                <asvg:svgBlip xmlns:asvg="http://schemas.microsoft.com/office/drawing/2016/SVG/main" r:embed="rId9"/>
+              </a:ext>
+            </a:extLst>
+          </a:blip>
+          <a:stretch>
+            <a:fillRect/>
+          </a:stretch>
+        </p:blipFill>
+        <p:spPr>
+          <a:xfrm>
+            <a:off x="4157233" y="1896015"/>
+            <a:ext cx="486375" cy="486375"/>
+          </a:xfrm>
+          <a:prstGeom prst="rect">
+            <a:avLst/>
+          </a:prstGeom>
+        </p:spPr>
+      </p:pic>
+      <p:pic>
+        <p:nvPicPr>
+          <p:cNvPr id="6" name="Picture 5">
+            <a:extLst>
+              <a:ext uri="{FF2B5EF4-FFF2-40B4-BE49-F238E27FC236}">
+                <a16:creationId xmlns:a16="http://schemas.microsoft.com/office/drawing/2014/main" id="{04E04DC4-E5BF-0256-69AC-B23E3EC57627}"/>
+              </a:ext>
+            </a:extLst>
+          </p:cNvPr>
+          <p:cNvPicPr>
+            <a:picLocks noChangeAspect="1"/>
+          </p:cNvPicPr>
+          <p:nvPr/>
+        </p:nvPicPr>
+        <p:blipFill>
+          <a:blip r:embed="rId10"/>
+          <a:stretch>
+            <a:fillRect/>
+          </a:stretch>
+        </p:blipFill>
+        <p:spPr>
+          <a:xfrm>
+            <a:off x="3028467" y="698684"/>
+            <a:ext cx="396581" cy="290131"/>
+          </a:xfrm>
+          <a:prstGeom prst="rect">
+            <a:avLst/>
+          </a:prstGeom>
+          <a:ln w="3175">
+            <a:solidFill>
+              <a:schemeClr val="tx1"/>
+            </a:solidFill>
+          </a:ln>
+        </p:spPr>
+      </p:pic>
+      <p:sp>
+        <p:nvSpPr>
+          <p:cNvPr id="75" name="TextBox 74">
+            <a:extLst>
+              <a:ext uri="{FF2B5EF4-FFF2-40B4-BE49-F238E27FC236}">
+                <a16:creationId xmlns:a16="http://schemas.microsoft.com/office/drawing/2014/main" id="{BEAB7115-BEFC-BA79-D618-D2F04AA685E6}"/>
+              </a:ext>
+            </a:extLst>
+          </p:cNvPr>
+          <p:cNvSpPr txBox="1"/>
+          <p:nvPr/>
+        </p:nvSpPr>
+        <p:spPr>
+          <a:xfrm>
+            <a:off x="3167933" y="937011"/>
+            <a:ext cx="1756861" cy="261610"/>
+          </a:xfrm>
+          <a:prstGeom prst="rect">
+            <a:avLst/>
+          </a:prstGeom>
+          <a:noFill/>
+        </p:spPr>
+        <p:txBody>
+          <a:bodyPr wrap="square">
+            <a:spAutoFit/>
+          </a:bodyPr>
+          <a:lstStyle/>
+          <a:p>
+            <a:r>
+              <a:rPr lang="en-US" sz="1100" b="1" dirty="0">
+                <a:solidFill>
+                  <a:schemeClr val="accent5">
+                    <a:lumMod val="50000"/>
+                  </a:schemeClr>
+                </a:solidFill>
+              </a:rPr>
+              <a:t>CTF Challenge Host VMs</a:t>
+            </a:r>
+          </a:p>
+        </p:txBody>
+      </p:sp>
+      <p:cxnSp>
+        <p:nvCxnSpPr>
+          <p:cNvPr id="78" name="Connector: Elbow 77">
+            <a:extLst>
+              <a:ext uri="{FF2B5EF4-FFF2-40B4-BE49-F238E27FC236}">
+                <a16:creationId xmlns:a16="http://schemas.microsoft.com/office/drawing/2014/main" id="{3BFF4E19-DA72-1762-9AFD-96F1E53D13C8}"/>
+              </a:ext>
+            </a:extLst>
+          </p:cNvPr>
+          <p:cNvCxnSpPr>
+            <a:cxnSpLocks/>
+            <a:stCxn id="72" idx="3"/>
+            <a:endCxn id="67" idx="1"/>
+          </p:cNvCxnSpPr>
+          <p:nvPr/>
+        </p:nvCxnSpPr>
+        <p:spPr>
+          <a:xfrm flipV="1">
+            <a:off x="4643608" y="1705387"/>
+            <a:ext cx="295183" cy="433816"/>
+          </a:xfrm>
+          <a:prstGeom prst="bentConnector3">
+            <a:avLst>
+              <a:gd name="adj1" fmla="val 50000"/>
+            </a:avLst>
+          </a:prstGeom>
+          <a:ln w="19050">
+            <a:solidFill>
+              <a:schemeClr val="accent2">
+                <a:lumMod val="75000"/>
+              </a:schemeClr>
+            </a:solidFill>
+          </a:ln>
+        </p:spPr>
+        <p:style>
+          <a:lnRef idx="1">
+            <a:schemeClr val="accent1"/>
+          </a:lnRef>
+          <a:fillRef idx="0">
+            <a:schemeClr val="accent1"/>
+          </a:fillRef>
+          <a:effectRef idx="0">
+            <a:schemeClr val="accent1"/>
+          </a:effectRef>
+          <a:fontRef idx="minor">
+            <a:schemeClr val="tx1"/>
+          </a:fontRef>
+        </p:style>
+      </p:cxnSp>
+      <p:cxnSp>
+        <p:nvCxnSpPr>
+          <p:cNvPr id="87" name="Straight Arrow Connector 86">
+            <a:extLst>
+              <a:ext uri="{FF2B5EF4-FFF2-40B4-BE49-F238E27FC236}">
+                <a16:creationId xmlns:a16="http://schemas.microsoft.com/office/drawing/2014/main" id="{03A4B109-01F6-6BBF-C82C-6BA1A8FF4F5F}"/>
+              </a:ext>
+            </a:extLst>
+          </p:cNvPr>
+          <p:cNvCxnSpPr>
+            <a:cxnSpLocks/>
+          </p:cNvCxnSpPr>
+          <p:nvPr/>
+        </p:nvCxnSpPr>
+        <p:spPr>
+          <a:xfrm flipV="1">
+            <a:off x="4400420" y="1700645"/>
+            <a:ext cx="0" cy="273123"/>
+          </a:xfrm>
+          <a:prstGeom prst="straightConnector1">
+            <a:avLst/>
+          </a:prstGeom>
+          <a:ln w="19050">
+            <a:solidFill>
+              <a:schemeClr val="accent2">
+                <a:lumMod val="75000"/>
+              </a:schemeClr>
+            </a:solidFill>
+            <a:tailEnd type="triangle"/>
+          </a:ln>
+        </p:spPr>
+        <p:style>
+          <a:lnRef idx="1">
+            <a:schemeClr val="accent1"/>
+          </a:lnRef>
+          <a:fillRef idx="0">
+            <a:schemeClr val="accent1"/>
+          </a:fillRef>
+          <a:effectRef idx="0">
+            <a:schemeClr val="accent1"/>
+          </a:effectRef>
+          <a:fontRef idx="minor">
+            <a:schemeClr val="tx1"/>
+          </a:fontRef>
+        </p:style>
+      </p:cxnSp>
+      <p:cxnSp>
+        <p:nvCxnSpPr>
+          <p:cNvPr id="92" name="Connector: Elbow 91">
+            <a:extLst>
+              <a:ext uri="{FF2B5EF4-FFF2-40B4-BE49-F238E27FC236}">
+                <a16:creationId xmlns:a16="http://schemas.microsoft.com/office/drawing/2014/main" id="{4E0DCE68-F765-55D0-97FE-74190C3B8BD4}"/>
+              </a:ext>
+            </a:extLst>
+          </p:cNvPr>
+          <p:cNvCxnSpPr>
+            <a:cxnSpLocks/>
+            <a:stCxn id="72" idx="1"/>
+            <a:endCxn id="10" idx="3"/>
+          </p:cNvCxnSpPr>
+          <p:nvPr/>
+        </p:nvCxnSpPr>
+        <p:spPr>
+          <a:xfrm rot="10800000">
+            <a:off x="3808473" y="1415189"/>
+            <a:ext cx="348761" cy="724014"/>
+          </a:xfrm>
+          <a:prstGeom prst="bentConnector3">
+            <a:avLst>
+              <a:gd name="adj1" fmla="val 50000"/>
+            </a:avLst>
+          </a:prstGeom>
+          <a:ln w="19050">
+            <a:solidFill>
+              <a:schemeClr val="accent2">
+                <a:lumMod val="75000"/>
+              </a:schemeClr>
+            </a:solidFill>
+            <a:tailEnd type="triangle"/>
+          </a:ln>
+        </p:spPr>
+        <p:style>
+          <a:lnRef idx="1">
+            <a:schemeClr val="accent1"/>
+          </a:lnRef>
+          <a:fillRef idx="0">
+            <a:schemeClr val="accent1"/>
+          </a:fillRef>
+          <a:effectRef idx="0">
+            <a:schemeClr val="accent1"/>
+          </a:effectRef>
+          <a:fontRef idx="minor">
+            <a:schemeClr val="tx1"/>
+          </a:fontRef>
+        </p:style>
+      </p:cxnSp>
+      <p:sp>
+        <p:nvSpPr>
+          <p:cNvPr id="98" name="TextBox 97">
+            <a:extLst>
+              <a:ext uri="{FF2B5EF4-FFF2-40B4-BE49-F238E27FC236}">
+                <a16:creationId xmlns:a16="http://schemas.microsoft.com/office/drawing/2014/main" id="{C6494281-2636-5E8D-59CE-83DB59230251}"/>
+              </a:ext>
+            </a:extLst>
+          </p:cNvPr>
+          <p:cNvSpPr txBox="1"/>
+          <p:nvPr/>
+        </p:nvSpPr>
+        <p:spPr>
+          <a:xfrm>
+            <a:off x="2999298" y="1952464"/>
+            <a:ext cx="1129819" cy="430887"/>
+          </a:xfrm>
+          <a:prstGeom prst="rect">
+            <a:avLst/>
+          </a:prstGeom>
+          <a:noFill/>
+        </p:spPr>
+        <p:txBody>
+          <a:bodyPr wrap="square" rtlCol="0">
+            <a:spAutoFit/>
+          </a:bodyPr>
+          <a:lstStyle/>
+          <a:p>
+            <a:r>
+              <a:rPr lang="en-US" sz="1100" b="1" dirty="0" err="1">
+                <a:solidFill>
+                  <a:srgbClr val="002060"/>
+                </a:solidFill>
+              </a:rPr>
+              <a:t>Cpu</a:t>
+            </a:r>
+            <a:r>
+              <a:rPr lang="en-US" sz="1100" b="1" dirty="0">
+                <a:solidFill>
+                  <a:srgbClr val="002060"/>
+                </a:solidFill>
+              </a:rPr>
+              <a:t>%, </a:t>
+            </a:r>
+          </a:p>
+          <a:p>
+            <a:r>
+              <a:rPr lang="en-US" sz="1100" b="1" dirty="0">
+                <a:solidFill>
+                  <a:srgbClr val="002060"/>
+                </a:solidFill>
+              </a:rPr>
+              <a:t>Ram%, Ping</a:t>
+            </a:r>
+            <a:endParaRPr lang="en-SG" sz="1100" b="1" dirty="0">
+              <a:solidFill>
+                <a:srgbClr val="002060"/>
+              </a:solidFill>
+            </a:endParaRPr>
+          </a:p>
+        </p:txBody>
+      </p:sp>
+      <p:cxnSp>
+        <p:nvCxnSpPr>
+          <p:cNvPr id="101" name="Straight Arrow Connector 100">
+            <a:extLst>
+              <a:ext uri="{FF2B5EF4-FFF2-40B4-BE49-F238E27FC236}">
+                <a16:creationId xmlns:a16="http://schemas.microsoft.com/office/drawing/2014/main" id="{D1505576-8578-8C37-11B0-E33DB8F6CF72}"/>
+              </a:ext>
+            </a:extLst>
+          </p:cNvPr>
+          <p:cNvCxnSpPr>
+            <a:cxnSpLocks/>
+          </p:cNvCxnSpPr>
+          <p:nvPr/>
+        </p:nvCxnSpPr>
+        <p:spPr>
+          <a:xfrm>
+            <a:off x="3808901" y="2256010"/>
+            <a:ext cx="345639" cy="0"/>
+          </a:xfrm>
+          <a:prstGeom prst="straightConnector1">
+            <a:avLst/>
+          </a:prstGeom>
+          <a:ln w="19050">
+            <a:solidFill>
+              <a:schemeClr val="accent2">
+                <a:lumMod val="75000"/>
+              </a:schemeClr>
+            </a:solidFill>
+            <a:tailEnd type="triangle"/>
+          </a:ln>
+        </p:spPr>
+        <p:style>
+          <a:lnRef idx="1">
+            <a:schemeClr val="accent1"/>
+          </a:lnRef>
+          <a:fillRef idx="0">
+            <a:schemeClr val="accent1"/>
+          </a:fillRef>
+          <a:effectRef idx="0">
+            <a:schemeClr val="accent1"/>
+          </a:effectRef>
+          <a:fontRef idx="minor">
+            <a:schemeClr val="tx1"/>
+          </a:fontRef>
+        </p:style>
+      </p:cxnSp>
+      <p:sp>
+        <p:nvSpPr>
+          <p:cNvPr id="103" name="Rectangle 102">
+            <a:extLst>
+              <a:ext uri="{FF2B5EF4-FFF2-40B4-BE49-F238E27FC236}">
+                <a16:creationId xmlns:a16="http://schemas.microsoft.com/office/drawing/2014/main" id="{AE0E1915-8FB3-93E7-A5E0-C58A74336BF0}"/>
+              </a:ext>
+            </a:extLst>
+          </p:cNvPr>
+          <p:cNvSpPr/>
+          <p:nvPr/>
+        </p:nvSpPr>
+        <p:spPr>
+          <a:xfrm>
+            <a:off x="2999298" y="2683502"/>
+            <a:ext cx="2034627" cy="340637"/>
+          </a:xfrm>
+          <a:prstGeom prst="rect">
+            <a:avLst/>
+          </a:prstGeom>
+          <a:ln w="19050">
             <a:solidFill>
               <a:srgbClr val="0070C0"/>
             </a:solidFill>
@@ -3984,82 +4710,12 @@
           </a:p>
         </p:txBody>
       </p:sp>
-      <p:pic>
-        <p:nvPicPr>
-          <p:cNvPr id="21" name="Picture 20">
-            <a:extLst>
-              <a:ext uri="{FF2B5EF4-FFF2-40B4-BE49-F238E27FC236}">
-                <a16:creationId xmlns:a16="http://schemas.microsoft.com/office/drawing/2014/main" id="{43C9408D-587B-4BBC-9800-3E11801A4497}"/>
-              </a:ext>
-            </a:extLst>
-          </p:cNvPr>
-          <p:cNvPicPr>
-            <a:picLocks noChangeAspect="1"/>
-          </p:cNvPicPr>
-          <p:nvPr/>
-        </p:nvPicPr>
-        <p:blipFill>
-          <a:blip r:embed="rId3"/>
-          <a:stretch>
-            <a:fillRect/>
-          </a:stretch>
-        </p:blipFill>
-        <p:spPr>
-          <a:xfrm>
-            <a:off x="5147516" y="3631943"/>
-            <a:ext cx="324268" cy="237228"/>
-          </a:xfrm>
-          <a:prstGeom prst="rect">
-            <a:avLst/>
-          </a:prstGeom>
-          <a:ln w="3175">
-            <a:solidFill>
-              <a:schemeClr val="tx1"/>
-            </a:solidFill>
-          </a:ln>
-        </p:spPr>
-      </p:pic>
-      <p:pic>
-        <p:nvPicPr>
-          <p:cNvPr id="22" name="Picture 21">
-            <a:extLst>
-              <a:ext uri="{FF2B5EF4-FFF2-40B4-BE49-F238E27FC236}">
-                <a16:creationId xmlns:a16="http://schemas.microsoft.com/office/drawing/2014/main" id="{A8FEFE5E-D583-69C6-6DB1-9C675F7A58FC}"/>
-              </a:ext>
-            </a:extLst>
-          </p:cNvPr>
-          <p:cNvPicPr>
-            <a:picLocks noChangeAspect="1"/>
-          </p:cNvPicPr>
-          <p:nvPr/>
-        </p:nvPicPr>
-        <p:blipFill>
-          <a:blip r:embed="rId4"/>
-          <a:stretch>
-            <a:fillRect/>
-          </a:stretch>
-        </p:blipFill>
-        <p:spPr>
-          <a:xfrm>
-            <a:off x="6262789" y="4818169"/>
-            <a:ext cx="324268" cy="324268"/>
-          </a:xfrm>
-          <a:prstGeom prst="rect">
-            <a:avLst/>
-          </a:prstGeom>
-          <a:ln w="12700">
-            <a:solidFill>
-              <a:schemeClr val="tx1"/>
-            </a:solidFill>
-          </a:ln>
-        </p:spPr>
-      </p:pic>
-      <p:sp>
-        <p:nvSpPr>
-          <p:cNvPr id="23" name="TextBox 22">
-            <a:extLst>
-              <a:ext uri="{FF2B5EF4-FFF2-40B4-BE49-F238E27FC236}">
-                <a16:creationId xmlns:a16="http://schemas.microsoft.com/office/drawing/2014/main" id="{24456C81-46C4-3803-E6B7-A848AF6239B2}"/>
+      <p:sp>
+        <p:nvSpPr>
+          <p:cNvPr id="34" name="TextBox 33">
+            <a:extLst>
+              <a:ext uri="{FF2B5EF4-FFF2-40B4-BE49-F238E27FC236}">
+                <a16:creationId xmlns:a16="http://schemas.microsoft.com/office/drawing/2014/main" id="{327E9DB2-3EA2-1383-7E45-FA2A157C6DD4}"/>
               </a:ext>
             </a:extLst>
           </p:cNvPr>
@@ -4068,8 +4724,8 @@
         </p:nvSpPr>
         <p:spPr>
           <a:xfrm>
-            <a:off x="5427389" y="3533301"/>
-            <a:ext cx="1227698" cy="261610"/>
+            <a:off x="3791913" y="2646127"/>
+            <a:ext cx="362198" cy="369332"/>
           </a:xfrm>
           <a:prstGeom prst="rect">
             <a:avLst/>
@@ -4083,27 +4739,19 @@
           <a:lstStyle/>
           <a:p>
             <a:r>
-              <a:rPr lang="en-US" sz="1100" dirty="0">
-                <a:solidFill>
-                  <a:srgbClr val="002060"/>
-                </a:solidFill>
-              </a:rPr>
-              <a:t>Physical server 14</a:t>
-            </a:r>
-            <a:endParaRPr lang="en-SG" sz="1100" dirty="0">
-              <a:solidFill>
-                <a:srgbClr val="002060"/>
-              </a:solidFill>
-            </a:endParaRPr>
-          </a:p>
-        </p:txBody>
-      </p:sp>
-      <p:sp>
-        <p:nvSpPr>
-          <p:cNvPr id="24" name="Rectangle 23">
-            <a:extLst>
-              <a:ext uri="{FF2B5EF4-FFF2-40B4-BE49-F238E27FC236}">
-                <a16:creationId xmlns:a16="http://schemas.microsoft.com/office/drawing/2014/main" id="{B98B3FA6-858E-B622-5CEC-E78E9C684D89}"/>
+              <a:rPr lang="en-US" dirty="0"/>
+              <a:t>…</a:t>
+            </a:r>
+            <a:endParaRPr lang="en-SG" dirty="0"/>
+          </a:p>
+        </p:txBody>
+      </p:sp>
+      <p:sp>
+        <p:nvSpPr>
+          <p:cNvPr id="104" name="Rectangle 103">
+            <a:extLst>
+              <a:ext uri="{FF2B5EF4-FFF2-40B4-BE49-F238E27FC236}">
+                <a16:creationId xmlns:a16="http://schemas.microsoft.com/office/drawing/2014/main" id="{A8447ACC-DEAF-3E6C-FC84-4C8E24384646}"/>
               </a:ext>
             </a:extLst>
           </p:cNvPr>
@@ -4112,17 +4760,17 @@
         </p:nvSpPr>
         <p:spPr>
           <a:xfrm>
-            <a:off x="5617597" y="3966411"/>
-            <a:ext cx="478404" cy="527296"/>
+            <a:off x="2991090" y="3566813"/>
+            <a:ext cx="2034627" cy="1449897"/>
           </a:xfrm>
           <a:prstGeom prst="rect">
             <a:avLst/>
           </a:prstGeom>
-          <a:ln>
+          <a:ln w="19050">
             <a:solidFill>
               <a:srgbClr val="0070C0"/>
             </a:solidFill>
-            <a:prstDash val="sysDash"/>
+            <a:prstDash val="solid"/>
           </a:ln>
         </p:spPr>
         <p:style>
@@ -4148,12 +4796,56 @@
           </a:p>
         </p:txBody>
       </p:sp>
+      <p:sp>
+        <p:nvSpPr>
+          <p:cNvPr id="105" name="TextBox 104">
+            <a:extLst>
+              <a:ext uri="{FF2B5EF4-FFF2-40B4-BE49-F238E27FC236}">
+                <a16:creationId xmlns:a16="http://schemas.microsoft.com/office/drawing/2014/main" id="{CE3F3361-03B6-700E-F7AE-B00C08F23AD4}"/>
+              </a:ext>
+            </a:extLst>
+          </p:cNvPr>
+          <p:cNvSpPr txBox="1"/>
+          <p:nvPr/>
+        </p:nvSpPr>
+        <p:spPr>
+          <a:xfrm>
+            <a:off x="3378423" y="3268801"/>
+            <a:ext cx="1323725" cy="276999"/>
+          </a:xfrm>
+          <a:prstGeom prst="rect">
+            <a:avLst/>
+          </a:prstGeom>
+          <a:noFill/>
+        </p:spPr>
+        <p:txBody>
+          <a:bodyPr wrap="square" rtlCol="0">
+            <a:spAutoFit/>
+          </a:bodyPr>
+          <a:lstStyle/>
+          <a:p>
+            <a:r>
+              <a:rPr lang="en-US" sz="1200" b="1" dirty="0">
+                <a:solidFill>
+                  <a:srgbClr val="002060"/>
+                </a:solidFill>
+              </a:rPr>
+              <a:t>Physical server 14</a:t>
+            </a:r>
+            <a:endParaRPr lang="en-SG" sz="1200" b="1" dirty="0">
+              <a:solidFill>
+                <a:srgbClr val="002060"/>
+              </a:solidFill>
+            </a:endParaRPr>
+          </a:p>
+        </p:txBody>
+      </p:sp>
       <p:pic>
         <p:nvPicPr>
-          <p:cNvPr id="25" name="Picture 24">
-            <a:extLst>
-              <a:ext uri="{FF2B5EF4-FFF2-40B4-BE49-F238E27FC236}">
-                <a16:creationId xmlns:a16="http://schemas.microsoft.com/office/drawing/2014/main" id="{D3D43117-2542-425D-B50D-EBE9F2FEB465}"/>
+          <p:cNvPr id="106" name="Picture 105">
+            <a:extLst>
+              <a:ext uri="{FF2B5EF4-FFF2-40B4-BE49-F238E27FC236}">
+                <a16:creationId xmlns:a16="http://schemas.microsoft.com/office/drawing/2014/main" id="{4A169A82-E2A1-4653-641E-BF512AFF5B9C}"/>
               </a:ext>
             </a:extLst>
           </p:cNvPr>
@@ -4163,473 +4855,47 @@
           <p:nvPr/>
         </p:nvPicPr>
         <p:blipFill>
-          <a:blip r:embed="rId5"/>
+          <a:blip r:embed="rId10"/>
           <a:stretch>
             <a:fillRect/>
           </a:stretch>
         </p:blipFill>
         <p:spPr>
           <a:xfrm>
-            <a:off x="5617595" y="3855123"/>
-            <a:ext cx="320219" cy="219795"/>
+            <a:off x="3007993" y="3335258"/>
+            <a:ext cx="396581" cy="290131"/>
           </a:xfrm>
           <a:prstGeom prst="rect">
             <a:avLst/>
           </a:prstGeom>
-        </p:spPr>
-      </p:pic>
-      <p:pic>
-        <p:nvPicPr>
-          <p:cNvPr id="26" name="Picture 25">
-            <a:extLst>
-              <a:ext uri="{FF2B5EF4-FFF2-40B4-BE49-F238E27FC236}">
-                <a16:creationId xmlns:a16="http://schemas.microsoft.com/office/drawing/2014/main" id="{8DF046D8-2E10-347F-A1C0-DE2D6BD9D5B1}"/>
-              </a:ext>
-            </a:extLst>
-          </p:cNvPr>
-          <p:cNvPicPr>
-            <a:picLocks noChangeAspect="1"/>
-          </p:cNvPicPr>
-          <p:nvPr/>
-        </p:nvPicPr>
-        <p:blipFill>
-          <a:blip r:embed="rId4"/>
-          <a:stretch>
-            <a:fillRect/>
-          </a:stretch>
-        </p:blipFill>
-        <p:spPr>
-          <a:xfrm>
-            <a:off x="5765453" y="4135130"/>
-            <a:ext cx="245159" cy="245159"/>
-          </a:xfrm>
-          <a:prstGeom prst="rect">
-            <a:avLst/>
-          </a:prstGeom>
-          <a:ln w="12700">
+          <a:ln w="3175">
             <a:solidFill>
               <a:schemeClr val="tx1"/>
             </a:solidFill>
           </a:ln>
         </p:spPr>
       </p:pic>
-      <p:sp>
-        <p:nvSpPr>
-          <p:cNvPr id="27" name="TextBox 26">
-            <a:extLst>
-              <a:ext uri="{FF2B5EF4-FFF2-40B4-BE49-F238E27FC236}">
-                <a16:creationId xmlns:a16="http://schemas.microsoft.com/office/drawing/2014/main" id="{1C7E212E-52E8-8641-81CB-DBE44D5B42C6}"/>
-              </a:ext>
-            </a:extLst>
-          </p:cNvPr>
-          <p:cNvSpPr txBox="1"/>
-          <p:nvPr/>
-        </p:nvSpPr>
-        <p:spPr>
-          <a:xfrm>
-            <a:off x="6158468" y="4195623"/>
-            <a:ext cx="362198" cy="369332"/>
-          </a:xfrm>
-          <a:prstGeom prst="rect">
-            <a:avLst/>
-          </a:prstGeom>
-          <a:noFill/>
-        </p:spPr>
-        <p:txBody>
-          <a:bodyPr wrap="square" rtlCol="0">
-            <a:spAutoFit/>
-          </a:bodyPr>
-          <a:lstStyle/>
-          <a:p>
-            <a:r>
-              <a:rPr lang="en-US" dirty="0"/>
-              <a:t>…</a:t>
-            </a:r>
-            <a:endParaRPr lang="en-SG" dirty="0"/>
-          </a:p>
-        </p:txBody>
-      </p:sp>
-      <p:sp>
-        <p:nvSpPr>
-          <p:cNvPr id="28" name="Rectangle 27">
-            <a:extLst>
-              <a:ext uri="{FF2B5EF4-FFF2-40B4-BE49-F238E27FC236}">
-                <a16:creationId xmlns:a16="http://schemas.microsoft.com/office/drawing/2014/main" id="{D80DCCF0-67CC-D00E-35C6-9BBC6311FC53}"/>
-              </a:ext>
-            </a:extLst>
-          </p:cNvPr>
-          <p:cNvSpPr/>
-          <p:nvPr/>
-        </p:nvSpPr>
-        <p:spPr>
-          <a:xfrm>
-            <a:off x="6507231" y="3993147"/>
-            <a:ext cx="478404" cy="527296"/>
-          </a:xfrm>
-          <a:prstGeom prst="rect">
-            <a:avLst/>
-          </a:prstGeom>
-          <a:ln>
-            <a:solidFill>
-              <a:srgbClr val="0070C0"/>
-            </a:solidFill>
-            <a:prstDash val="sysDash"/>
-          </a:ln>
-        </p:spPr>
-        <p:style>
-          <a:lnRef idx="2">
-            <a:schemeClr val="accent6"/>
-          </a:lnRef>
-          <a:fillRef idx="1">
-            <a:schemeClr val="lt1"/>
-          </a:fillRef>
-          <a:effectRef idx="0">
-            <a:schemeClr val="accent6"/>
-          </a:effectRef>
-          <a:fontRef idx="minor">
-            <a:schemeClr val="dk1"/>
-          </a:fontRef>
-        </p:style>
-        <p:txBody>
-          <a:bodyPr rtlCol="0" anchor="ctr"/>
-          <a:lstStyle/>
-          <a:p>
-            <a:pPr algn="ctr"/>
-            <a:endParaRPr lang="en-SG" dirty="0"/>
-          </a:p>
-        </p:txBody>
-      </p:sp>
-      <p:pic>
-        <p:nvPicPr>
-          <p:cNvPr id="29" name="Picture 28">
-            <a:extLst>
-              <a:ext uri="{FF2B5EF4-FFF2-40B4-BE49-F238E27FC236}">
-                <a16:creationId xmlns:a16="http://schemas.microsoft.com/office/drawing/2014/main" id="{774A68A1-8540-12B6-FD7B-3B6FACA834F5}"/>
-              </a:ext>
-            </a:extLst>
-          </p:cNvPr>
-          <p:cNvPicPr>
-            <a:picLocks noChangeAspect="1"/>
-          </p:cNvPicPr>
-          <p:nvPr/>
-        </p:nvPicPr>
-        <p:blipFill>
-          <a:blip r:embed="rId5"/>
-          <a:stretch>
-            <a:fillRect/>
-          </a:stretch>
-        </p:blipFill>
-        <p:spPr>
-          <a:xfrm>
-            <a:off x="6507229" y="3881859"/>
-            <a:ext cx="320219" cy="219795"/>
-          </a:xfrm>
-          <a:prstGeom prst="rect">
-            <a:avLst/>
-          </a:prstGeom>
-        </p:spPr>
-      </p:pic>
-      <p:pic>
-        <p:nvPicPr>
-          <p:cNvPr id="30" name="Picture 29">
-            <a:extLst>
-              <a:ext uri="{FF2B5EF4-FFF2-40B4-BE49-F238E27FC236}">
-                <a16:creationId xmlns:a16="http://schemas.microsoft.com/office/drawing/2014/main" id="{E1C47D6E-16B3-1B09-C41E-A7AFFAAC7DF2}"/>
-              </a:ext>
-            </a:extLst>
-          </p:cNvPr>
-          <p:cNvPicPr>
-            <a:picLocks noChangeAspect="1"/>
-          </p:cNvPicPr>
-          <p:nvPr/>
-        </p:nvPicPr>
-        <p:blipFill>
-          <a:blip r:embed="rId4"/>
-          <a:stretch>
-            <a:fillRect/>
-          </a:stretch>
-        </p:blipFill>
-        <p:spPr>
-          <a:xfrm>
-            <a:off x="6655087" y="4161866"/>
-            <a:ext cx="245159" cy="245159"/>
-          </a:xfrm>
-          <a:prstGeom prst="rect">
-            <a:avLst/>
-          </a:prstGeom>
-          <a:ln w="12700">
-            <a:solidFill>
-              <a:schemeClr val="tx1"/>
-            </a:solidFill>
-          </a:ln>
-        </p:spPr>
-      </p:pic>
-      <p:sp>
-        <p:nvSpPr>
-          <p:cNvPr id="31" name="TextBox 30">
-            <a:extLst>
-              <a:ext uri="{FF2B5EF4-FFF2-40B4-BE49-F238E27FC236}">
-                <a16:creationId xmlns:a16="http://schemas.microsoft.com/office/drawing/2014/main" id="{5EABFC81-AD04-17E2-E569-0F6BC6324C03}"/>
-              </a:ext>
-            </a:extLst>
-          </p:cNvPr>
-          <p:cNvSpPr txBox="1"/>
-          <p:nvPr/>
-        </p:nvSpPr>
-        <p:spPr>
-          <a:xfrm>
-            <a:off x="5537574" y="4451960"/>
-            <a:ext cx="764042" cy="261610"/>
-          </a:xfrm>
-          <a:prstGeom prst="rect">
-            <a:avLst/>
-          </a:prstGeom>
-          <a:noFill/>
-        </p:spPr>
-        <p:txBody>
-          <a:bodyPr wrap="square" rtlCol="0">
-            <a:spAutoFit/>
-          </a:bodyPr>
-          <a:lstStyle/>
-          <a:p>
-            <a:r>
-              <a:rPr lang="en-US" sz="1100" dirty="0">
-                <a:solidFill>
-                  <a:srgbClr val="002060"/>
-                </a:solidFill>
-              </a:rPr>
-              <a:t>TX-VM1</a:t>
-            </a:r>
-            <a:endParaRPr lang="en-SG" sz="1100" dirty="0">
-              <a:solidFill>
-                <a:srgbClr val="002060"/>
-              </a:solidFill>
-            </a:endParaRPr>
-          </a:p>
-        </p:txBody>
-      </p:sp>
-      <p:sp>
-        <p:nvSpPr>
-          <p:cNvPr id="32" name="TextBox 31">
-            <a:extLst>
-              <a:ext uri="{FF2B5EF4-FFF2-40B4-BE49-F238E27FC236}">
-                <a16:creationId xmlns:a16="http://schemas.microsoft.com/office/drawing/2014/main" id="{59E6CD5B-C619-220F-0911-B4EA5217A6A9}"/>
-              </a:ext>
-            </a:extLst>
-          </p:cNvPr>
-          <p:cNvSpPr txBox="1"/>
-          <p:nvPr/>
-        </p:nvSpPr>
-        <p:spPr>
-          <a:xfrm>
-            <a:off x="6430788" y="4470986"/>
-            <a:ext cx="644725" cy="261610"/>
-          </a:xfrm>
-          <a:prstGeom prst="rect">
-            <a:avLst/>
-          </a:prstGeom>
-          <a:noFill/>
-        </p:spPr>
-        <p:txBody>
-          <a:bodyPr wrap="square" rtlCol="0">
-            <a:spAutoFit/>
-          </a:bodyPr>
-          <a:lstStyle/>
-          <a:p>
-            <a:r>
-              <a:rPr lang="en-US" sz="1100" dirty="0">
-                <a:solidFill>
-                  <a:srgbClr val="002060"/>
-                </a:solidFill>
-              </a:rPr>
-              <a:t>TX-VM4</a:t>
-            </a:r>
-            <a:endParaRPr lang="en-SG" sz="1100" dirty="0">
-              <a:solidFill>
-                <a:srgbClr val="002060"/>
-              </a:solidFill>
-            </a:endParaRPr>
-          </a:p>
-        </p:txBody>
-      </p:sp>
-      <p:sp>
-        <p:nvSpPr>
-          <p:cNvPr id="33" name="Rectangle 32">
-            <a:extLst>
-              <a:ext uri="{FF2B5EF4-FFF2-40B4-BE49-F238E27FC236}">
-                <a16:creationId xmlns:a16="http://schemas.microsoft.com/office/drawing/2014/main" id="{B5A502D5-BEAE-D125-9C9D-33AB97BDAA0A}"/>
-              </a:ext>
-            </a:extLst>
-          </p:cNvPr>
-          <p:cNvSpPr/>
-          <p:nvPr/>
-        </p:nvSpPr>
-        <p:spPr>
-          <a:xfrm>
-            <a:off x="5141154" y="3131251"/>
-            <a:ext cx="2034627" cy="288539"/>
-          </a:xfrm>
-          <a:prstGeom prst="rect">
-            <a:avLst/>
-          </a:prstGeom>
-          <a:ln>
-            <a:solidFill>
-              <a:srgbClr val="0070C0"/>
-            </a:solidFill>
-            <a:prstDash val="solid"/>
-          </a:ln>
-        </p:spPr>
-        <p:style>
-          <a:lnRef idx="2">
-            <a:schemeClr val="accent6"/>
-          </a:lnRef>
-          <a:fillRef idx="1">
-            <a:schemeClr val="lt1"/>
-          </a:fillRef>
-          <a:effectRef idx="0">
-            <a:schemeClr val="accent6"/>
-          </a:effectRef>
-          <a:fontRef idx="minor">
-            <a:schemeClr val="dk1"/>
-          </a:fontRef>
-        </p:style>
-        <p:txBody>
-          <a:bodyPr rtlCol="0" anchor="ctr"/>
-          <a:lstStyle/>
-          <a:p>
-            <a:pPr algn="ctr"/>
-            <a:endParaRPr lang="en-SG" dirty="0"/>
-          </a:p>
-        </p:txBody>
-      </p:sp>
-      <p:sp>
-        <p:nvSpPr>
-          <p:cNvPr id="34" name="TextBox 33">
-            <a:extLst>
-              <a:ext uri="{FF2B5EF4-FFF2-40B4-BE49-F238E27FC236}">
-                <a16:creationId xmlns:a16="http://schemas.microsoft.com/office/drawing/2014/main" id="{327E9DB2-3EA2-1383-7E45-FA2A157C6DD4}"/>
-              </a:ext>
-            </a:extLst>
-          </p:cNvPr>
-          <p:cNvSpPr txBox="1"/>
-          <p:nvPr/>
-        </p:nvSpPr>
-        <p:spPr>
-          <a:xfrm>
-            <a:off x="5977369" y="3081468"/>
-            <a:ext cx="362198" cy="369332"/>
-          </a:xfrm>
-          <a:prstGeom prst="rect">
-            <a:avLst/>
-          </a:prstGeom>
-          <a:noFill/>
-        </p:spPr>
-        <p:txBody>
-          <a:bodyPr wrap="square" rtlCol="0">
-            <a:spAutoFit/>
-          </a:bodyPr>
-          <a:lstStyle/>
-          <a:p>
-            <a:r>
-              <a:rPr lang="en-US" dirty="0"/>
-              <a:t>…</a:t>
-            </a:r>
-            <a:endParaRPr lang="en-SG" dirty="0"/>
-          </a:p>
-        </p:txBody>
-      </p:sp>
-      <p:sp>
-        <p:nvSpPr>
-          <p:cNvPr id="35" name="TextBox 34">
-            <a:extLst>
-              <a:ext uri="{FF2B5EF4-FFF2-40B4-BE49-F238E27FC236}">
-                <a16:creationId xmlns:a16="http://schemas.microsoft.com/office/drawing/2014/main" id="{071C84EB-9981-30A6-FC8B-C911B4E39A3A}"/>
-              </a:ext>
-            </a:extLst>
-          </p:cNvPr>
-          <p:cNvSpPr txBox="1"/>
-          <p:nvPr/>
-        </p:nvSpPr>
-        <p:spPr>
-          <a:xfrm>
-            <a:off x="5977369" y="2684505"/>
-            <a:ext cx="362198" cy="369332"/>
-          </a:xfrm>
-          <a:prstGeom prst="rect">
-            <a:avLst/>
-          </a:prstGeom>
-          <a:noFill/>
-        </p:spPr>
-        <p:txBody>
-          <a:bodyPr wrap="square" rtlCol="0">
-            <a:spAutoFit/>
-          </a:bodyPr>
-          <a:lstStyle/>
-          <a:p>
-            <a:r>
-              <a:rPr lang="en-US" dirty="0"/>
-              <a:t>…</a:t>
-            </a:r>
-            <a:endParaRPr lang="en-SG" dirty="0"/>
-          </a:p>
-        </p:txBody>
-      </p:sp>
-      <p:pic>
-        <p:nvPicPr>
-          <p:cNvPr id="36" name="Picture 35">
-            <a:extLst>
-              <a:ext uri="{FF2B5EF4-FFF2-40B4-BE49-F238E27FC236}">
-                <a16:creationId xmlns:a16="http://schemas.microsoft.com/office/drawing/2014/main" id="{24473636-F5FE-8138-83C1-075BFCE9285D}"/>
-              </a:ext>
-            </a:extLst>
-          </p:cNvPr>
-          <p:cNvPicPr>
-            <a:picLocks noChangeAspect="1"/>
-          </p:cNvPicPr>
-          <p:nvPr/>
-        </p:nvPicPr>
-        <p:blipFill>
-          <a:blip r:embed="rId6"/>
-          <a:stretch>
-            <a:fillRect/>
-          </a:stretch>
-        </p:blipFill>
-        <p:spPr>
-          <a:xfrm>
-            <a:off x="3419730" y="2073876"/>
-            <a:ext cx="698583" cy="379109"/>
-          </a:xfrm>
-          <a:prstGeom prst="rect">
-            <a:avLst/>
-          </a:prstGeom>
-          <a:ln w="12700">
-            <a:solidFill>
-              <a:schemeClr val="tx1"/>
-            </a:solidFill>
-          </a:ln>
-        </p:spPr>
-      </p:pic>
       <p:cxnSp>
         <p:nvCxnSpPr>
-          <p:cNvPr id="38" name="Connector: Elbow 37">
-            <a:extLst>
-              <a:ext uri="{FF2B5EF4-FFF2-40B4-BE49-F238E27FC236}">
-                <a16:creationId xmlns:a16="http://schemas.microsoft.com/office/drawing/2014/main" id="{41E34754-5F96-59F1-5117-658E79016B09}"/>
+          <p:cNvPr id="108" name="Straight Connector 107">
+            <a:extLst>
+              <a:ext uri="{FF2B5EF4-FFF2-40B4-BE49-F238E27FC236}">
+                <a16:creationId xmlns:a16="http://schemas.microsoft.com/office/drawing/2014/main" id="{F52C3F98-76A3-C115-DC55-A2B1FC5A1D0F}"/>
               </a:ext>
             </a:extLst>
           </p:cNvPr>
           <p:cNvCxnSpPr>
-            <a:stCxn id="36" idx="3"/>
-            <a:endCxn id="5" idx="1"/>
+            <a:cxnSpLocks/>
+            <a:endCxn id="103" idx="1"/>
           </p:cNvCxnSpPr>
           <p:nvPr/>
         </p:nvCxnSpPr>
         <p:spPr>
-          <a:xfrm flipV="1">
-            <a:off x="4118313" y="1938969"/>
-            <a:ext cx="1029203" cy="324462"/>
-          </a:xfrm>
-          <a:prstGeom prst="bentConnector3">
+          <a:xfrm>
+            <a:off x="2482630" y="2853821"/>
+            <a:ext cx="516668" cy="0"/>
+          </a:xfrm>
+          <a:prstGeom prst="line">
             <a:avLst/>
           </a:prstGeom>
           <a:ln w="19050"/>
@@ -4651,28 +4917,258 @@
       </p:cxnSp>
       <p:cxnSp>
         <p:nvCxnSpPr>
-          <p:cNvPr id="40" name="Connector: Elbow 39">
-            <a:extLst>
-              <a:ext uri="{FF2B5EF4-FFF2-40B4-BE49-F238E27FC236}">
-                <a16:creationId xmlns:a16="http://schemas.microsoft.com/office/drawing/2014/main" id="{361E2F42-4BB5-2282-AD29-95DECA869786}"/>
+          <p:cNvPr id="110" name="Connector: Elbow 109">
+            <a:extLst>
+              <a:ext uri="{FF2B5EF4-FFF2-40B4-BE49-F238E27FC236}">
+                <a16:creationId xmlns:a16="http://schemas.microsoft.com/office/drawing/2014/main" id="{39FAD3B5-D4ED-2064-1820-C6F7983834BB}"/>
               </a:ext>
             </a:extLst>
           </p:cNvPr>
           <p:cNvCxnSpPr>
-            <a:stCxn id="36" idx="3"/>
-            <a:endCxn id="33" idx="1"/>
+            <a:cxnSpLocks/>
+            <a:endCxn id="140" idx="1"/>
           </p:cNvCxnSpPr>
           <p:nvPr/>
         </p:nvCxnSpPr>
         <p:spPr>
-          <a:xfrm>
-            <a:off x="4118313" y="2263431"/>
-            <a:ext cx="1022841" cy="1012090"/>
-          </a:xfrm>
-          <a:prstGeom prst="bentConnector3">
+          <a:xfrm rot="16200000" flipH="1">
+            <a:off x="2251861" y="4091730"/>
+            <a:ext cx="816342" cy="371222"/>
+          </a:xfrm>
+          <a:prstGeom prst="bentConnector2">
             <a:avLst/>
           </a:prstGeom>
           <a:ln w="19050"/>
+        </p:spPr>
+        <p:style>
+          <a:lnRef idx="1">
+            <a:schemeClr val="accent1"/>
+          </a:lnRef>
+          <a:fillRef idx="0">
+            <a:schemeClr val="accent1"/>
+          </a:fillRef>
+          <a:effectRef idx="0">
+            <a:schemeClr val="accent1"/>
+          </a:effectRef>
+          <a:fontRef idx="minor">
+            <a:schemeClr val="tx1"/>
+          </a:fontRef>
+        </p:style>
+      </p:cxnSp>
+      <p:pic>
+        <p:nvPicPr>
+          <p:cNvPr id="116" name="Picture 115">
+            <a:extLst>
+              <a:ext uri="{FF2B5EF4-FFF2-40B4-BE49-F238E27FC236}">
+                <a16:creationId xmlns:a16="http://schemas.microsoft.com/office/drawing/2014/main" id="{7FFE2B16-B76F-2F82-15CC-0FFBF910FDB6}"/>
+              </a:ext>
+            </a:extLst>
+          </p:cNvPr>
+          <p:cNvPicPr>
+            <a:picLocks noChangeAspect="1"/>
+          </p:cNvPicPr>
+          <p:nvPr/>
+        </p:nvPicPr>
+        <p:blipFill>
+          <a:blip r:embed="rId11"/>
+          <a:stretch>
+            <a:fillRect/>
+          </a:stretch>
+        </p:blipFill>
+        <p:spPr>
+          <a:xfrm>
+            <a:off x="3100023" y="3904057"/>
+            <a:ext cx="556799" cy="462143"/>
+          </a:xfrm>
+          <a:prstGeom prst="rect">
+            <a:avLst/>
+          </a:prstGeom>
+          <a:ln w="9525">
+            <a:solidFill>
+              <a:schemeClr val="tx1"/>
+            </a:solidFill>
+          </a:ln>
+        </p:spPr>
+      </p:pic>
+      <p:pic>
+        <p:nvPicPr>
+          <p:cNvPr id="117" name="Picture 116">
+            <a:extLst>
+              <a:ext uri="{FF2B5EF4-FFF2-40B4-BE49-F238E27FC236}">
+                <a16:creationId xmlns:a16="http://schemas.microsoft.com/office/drawing/2014/main" id="{EB478429-6EAE-440E-182D-71B197FE5438}"/>
+              </a:ext>
+            </a:extLst>
+          </p:cNvPr>
+          <p:cNvPicPr>
+            <a:picLocks noChangeAspect="1"/>
+          </p:cNvPicPr>
+          <p:nvPr/>
+        </p:nvPicPr>
+        <p:blipFill>
+          <a:blip r:embed="rId11"/>
+          <a:stretch>
+            <a:fillRect/>
+          </a:stretch>
+        </p:blipFill>
+        <p:spPr>
+          <a:xfrm>
+            <a:off x="3757269" y="3904057"/>
+            <a:ext cx="556799" cy="462143"/>
+          </a:xfrm>
+          <a:prstGeom prst="rect">
+            <a:avLst/>
+          </a:prstGeom>
+          <a:ln w="9525">
+            <a:solidFill>
+              <a:schemeClr val="tx1"/>
+            </a:solidFill>
+          </a:ln>
+        </p:spPr>
+      </p:pic>
+      <p:pic>
+        <p:nvPicPr>
+          <p:cNvPr id="118" name="Picture 117">
+            <a:extLst>
+              <a:ext uri="{FF2B5EF4-FFF2-40B4-BE49-F238E27FC236}">
+                <a16:creationId xmlns:a16="http://schemas.microsoft.com/office/drawing/2014/main" id="{E8AF1C0A-90F7-6EA9-1DC2-574298DC08A2}"/>
+              </a:ext>
+            </a:extLst>
+          </p:cNvPr>
+          <p:cNvPicPr>
+            <a:picLocks noChangeAspect="1"/>
+          </p:cNvPicPr>
+          <p:nvPr/>
+        </p:nvPicPr>
+        <p:blipFill>
+          <a:blip r:embed="rId11"/>
+          <a:stretch>
+            <a:fillRect/>
+          </a:stretch>
+        </p:blipFill>
+        <p:spPr>
+          <a:xfrm>
+            <a:off x="4404897" y="3897711"/>
+            <a:ext cx="556799" cy="462143"/>
+          </a:xfrm>
+          <a:prstGeom prst="rect">
+            <a:avLst/>
+          </a:prstGeom>
+          <a:ln w="9525">
+            <a:solidFill>
+              <a:schemeClr val="tx1"/>
+            </a:solidFill>
+          </a:ln>
+        </p:spPr>
+      </p:pic>
+      <p:sp>
+        <p:nvSpPr>
+          <p:cNvPr id="119" name="TextBox 118">
+            <a:extLst>
+              <a:ext uri="{FF2B5EF4-FFF2-40B4-BE49-F238E27FC236}">
+                <a16:creationId xmlns:a16="http://schemas.microsoft.com/office/drawing/2014/main" id="{5826FA51-42AA-1251-05CE-8F731F14AC93}"/>
+              </a:ext>
+            </a:extLst>
+          </p:cNvPr>
+          <p:cNvSpPr txBox="1"/>
+          <p:nvPr/>
+        </p:nvSpPr>
+        <p:spPr>
+          <a:xfrm>
+            <a:off x="2985554" y="3657475"/>
+            <a:ext cx="1861267" cy="261610"/>
+          </a:xfrm>
+          <a:prstGeom prst="rect">
+            <a:avLst/>
+          </a:prstGeom>
+          <a:noFill/>
+        </p:spPr>
+        <p:txBody>
+          <a:bodyPr wrap="square">
+            <a:spAutoFit/>
+          </a:bodyPr>
+          <a:lstStyle/>
+          <a:p>
+            <a:r>
+              <a:rPr lang="en-US" sz="1100" b="1" dirty="0">
+                <a:solidFill>
+                  <a:schemeClr val="accent5">
+                    <a:lumMod val="50000"/>
+                  </a:schemeClr>
+                </a:solidFill>
+              </a:rPr>
+              <a:t>CTF Challenge Host Dockers</a:t>
+            </a:r>
+          </a:p>
+        </p:txBody>
+      </p:sp>
+      <p:pic>
+        <p:nvPicPr>
+          <p:cNvPr id="120" name="Graphic 119" descr="Web design with solid fill">
+            <a:extLst>
+              <a:ext uri="{FF2B5EF4-FFF2-40B4-BE49-F238E27FC236}">
+                <a16:creationId xmlns:a16="http://schemas.microsoft.com/office/drawing/2014/main" id="{8CB73D22-ADDA-AB6D-8E2B-D52BCDB044DF}"/>
+              </a:ext>
+            </a:extLst>
+          </p:cNvPr>
+          <p:cNvPicPr>
+            <a:picLocks noChangeAspect="1"/>
+          </p:cNvPicPr>
+          <p:nvPr/>
+        </p:nvPicPr>
+        <p:blipFill>
+          <a:blip r:embed="rId8">
+            <a:extLst>
+              <a:ext uri="{96DAC541-7B7A-43D3-8B79-37D633B846F1}">
+                <asvg:svgBlip xmlns:asvg="http://schemas.microsoft.com/office/drawing/2016/SVG/main" r:embed="rId12"/>
+              </a:ext>
+            </a:extLst>
+          </a:blip>
+          <a:stretch>
+            <a:fillRect/>
+          </a:stretch>
+        </p:blipFill>
+        <p:spPr>
+          <a:xfrm>
+            <a:off x="3738532" y="4503682"/>
+            <a:ext cx="486375" cy="486375"/>
+          </a:xfrm>
+          <a:prstGeom prst="rect">
+            <a:avLst/>
+          </a:prstGeom>
+        </p:spPr>
+      </p:pic>
+      <p:cxnSp>
+        <p:nvCxnSpPr>
+          <p:cNvPr id="122" name="Connector: Elbow 121">
+            <a:extLst>
+              <a:ext uri="{FF2B5EF4-FFF2-40B4-BE49-F238E27FC236}">
+                <a16:creationId xmlns:a16="http://schemas.microsoft.com/office/drawing/2014/main" id="{4837A284-6C54-FA98-4D1D-51508C510539}"/>
+              </a:ext>
+            </a:extLst>
+          </p:cNvPr>
+          <p:cNvCxnSpPr>
+            <a:cxnSpLocks/>
+            <a:stCxn id="120" idx="1"/>
+            <a:endCxn id="116" idx="2"/>
+          </p:cNvCxnSpPr>
+          <p:nvPr/>
+        </p:nvCxnSpPr>
+        <p:spPr>
+          <a:xfrm rot="10800000">
+            <a:off x="3378424" y="4366200"/>
+            <a:ext cx="360109" cy="380670"/>
+          </a:xfrm>
+          <a:prstGeom prst="bentConnector2">
+            <a:avLst/>
+          </a:prstGeom>
+          <a:ln w="19050">
+            <a:solidFill>
+              <a:schemeClr val="accent2">
+                <a:lumMod val="75000"/>
+              </a:schemeClr>
+            </a:solidFill>
+            <a:tailEnd type="triangle"/>
+          </a:ln>
         </p:spPr>
         <p:style>
           <a:lnRef idx="1">
@@ -4691,28 +5187,34 @@
       </p:cxnSp>
       <p:cxnSp>
         <p:nvCxnSpPr>
-          <p:cNvPr id="42" name="Connector: Elbow 41">
-            <a:extLst>
-              <a:ext uri="{FF2B5EF4-FFF2-40B4-BE49-F238E27FC236}">
-                <a16:creationId xmlns:a16="http://schemas.microsoft.com/office/drawing/2014/main" id="{8F9EB767-4798-CC0C-64D3-C4B22622F09D}"/>
+          <p:cNvPr id="125" name="Straight Arrow Connector 124">
+            <a:extLst>
+              <a:ext uri="{FF2B5EF4-FFF2-40B4-BE49-F238E27FC236}">
+                <a16:creationId xmlns:a16="http://schemas.microsoft.com/office/drawing/2014/main" id="{639AED70-CB75-AF53-1A4E-E253F6A712CD}"/>
               </a:ext>
             </a:extLst>
           </p:cNvPr>
           <p:cNvCxnSpPr>
-            <a:stCxn id="36" idx="3"/>
-            <a:endCxn id="20" idx="1"/>
+            <a:cxnSpLocks/>
           </p:cNvCxnSpPr>
           <p:nvPr/>
         </p:nvCxnSpPr>
         <p:spPr>
-          <a:xfrm>
-            <a:off x="4118313" y="2263431"/>
-            <a:ext cx="1029203" cy="2230276"/>
-          </a:xfrm>
-          <a:prstGeom prst="bentConnector3">
-            <a:avLst/>
-          </a:prstGeom>
-          <a:ln w="19050"/>
+          <a:xfrm flipH="1" flipV="1">
+            <a:off x="3971248" y="4367120"/>
+            <a:ext cx="0" cy="257131"/>
+          </a:xfrm>
+          <a:prstGeom prst="straightConnector1">
+            <a:avLst/>
+          </a:prstGeom>
+          <a:ln w="19050">
+            <a:solidFill>
+              <a:schemeClr val="accent2">
+                <a:lumMod val="75000"/>
+              </a:schemeClr>
+            </a:solidFill>
+            <a:tailEnd type="triangle"/>
+          </a:ln>
         </p:spPr>
         <p:style>
           <a:lnRef idx="1">
@@ -4729,62 +5231,59 @@
           </a:fontRef>
         </p:style>
       </p:cxnSp>
-      <p:sp>
-        <p:nvSpPr>
-          <p:cNvPr id="43" name="Rectangle 42">
-            <a:extLst>
-              <a:ext uri="{FF2B5EF4-FFF2-40B4-BE49-F238E27FC236}">
-                <a16:creationId xmlns:a16="http://schemas.microsoft.com/office/drawing/2014/main" id="{B45F59F0-CD22-C33B-D983-CD03C78C0477}"/>
-              </a:ext>
-            </a:extLst>
-          </p:cNvPr>
-          <p:cNvSpPr/>
-          <p:nvPr/>
-        </p:nvSpPr>
-        <p:spPr>
-          <a:xfrm>
-            <a:off x="8207401" y="1170288"/>
-            <a:ext cx="1871029" cy="1433514"/>
-          </a:xfrm>
-          <a:prstGeom prst="rect">
-            <a:avLst/>
-          </a:prstGeom>
-          <a:ln>
+      <p:cxnSp>
+        <p:nvCxnSpPr>
+          <p:cNvPr id="127" name="Connector: Elbow 126">
+            <a:extLst>
+              <a:ext uri="{FF2B5EF4-FFF2-40B4-BE49-F238E27FC236}">
+                <a16:creationId xmlns:a16="http://schemas.microsoft.com/office/drawing/2014/main" id="{8FCB12EC-96D6-5E89-C7A1-45D3116B5E8D}"/>
+              </a:ext>
+            </a:extLst>
+          </p:cNvPr>
+          <p:cNvCxnSpPr>
+            <a:cxnSpLocks/>
+            <a:endCxn id="118" idx="2"/>
+          </p:cNvCxnSpPr>
+          <p:nvPr/>
+        </p:nvCxnSpPr>
+        <p:spPr>
+          <a:xfrm flipV="1">
+            <a:off x="4167122" y="4359854"/>
+            <a:ext cx="516175" cy="272222"/>
+          </a:xfrm>
+          <a:prstGeom prst="bentConnector2">
+            <a:avLst/>
+          </a:prstGeom>
+          <a:ln w="19050">
             <a:solidFill>
-              <a:srgbClr val="0070C0"/>
+              <a:schemeClr val="accent2">
+                <a:lumMod val="75000"/>
+              </a:schemeClr>
             </a:solidFill>
-            <a:prstDash val="solid"/>
+            <a:tailEnd type="triangle"/>
           </a:ln>
         </p:spPr>
         <p:style>
-          <a:lnRef idx="2">
-            <a:schemeClr val="accent6"/>
+          <a:lnRef idx="1">
+            <a:schemeClr val="accent1"/>
           </a:lnRef>
-          <a:fillRef idx="1">
-            <a:schemeClr val="lt1"/>
+          <a:fillRef idx="0">
+            <a:schemeClr val="accent1"/>
           </a:fillRef>
           <a:effectRef idx="0">
-            <a:schemeClr val="accent6"/>
+            <a:schemeClr val="accent1"/>
           </a:effectRef>
           <a:fontRef idx="minor">
-            <a:schemeClr val="dk1"/>
+            <a:schemeClr val="tx1"/>
           </a:fontRef>
         </p:style>
-        <p:txBody>
-          <a:bodyPr rtlCol="0" anchor="ctr"/>
-          <a:lstStyle/>
-          <a:p>
-            <a:pPr algn="ctr"/>
-            <a:endParaRPr lang="en-SG" dirty="0"/>
-          </a:p>
-        </p:txBody>
-      </p:sp>
+      </p:cxnSp>
       <p:pic>
         <p:nvPicPr>
-          <p:cNvPr id="44" name="Picture 43">
-            <a:extLst>
-              <a:ext uri="{FF2B5EF4-FFF2-40B4-BE49-F238E27FC236}">
-                <a16:creationId xmlns:a16="http://schemas.microsoft.com/office/drawing/2014/main" id="{E7EA0198-1E6D-1240-EB76-D6524482855D}"/>
+          <p:cNvPr id="132" name="Picture 131">
+            <a:extLst>
+              <a:ext uri="{FF2B5EF4-FFF2-40B4-BE49-F238E27FC236}">
+                <a16:creationId xmlns:a16="http://schemas.microsoft.com/office/drawing/2014/main" id="{FB5DF0D2-DB6D-A8C7-DD6B-32EEE0E5B493}"/>
               </a:ext>
             </a:extLst>
           </p:cNvPr>
@@ -4794,76 +5293,198 @@
           <p:nvPr/>
         </p:nvPicPr>
         <p:blipFill>
-          <a:blip r:embed="rId3"/>
+          <a:blip r:embed="rId7"/>
           <a:stretch>
             <a:fillRect/>
           </a:stretch>
         </p:blipFill>
         <p:spPr>
           <a:xfrm>
-            <a:off x="8207401" y="1056337"/>
-            <a:ext cx="324268" cy="237228"/>
+            <a:off x="4883370" y="4591174"/>
+            <a:ext cx="255256" cy="261611"/>
           </a:xfrm>
           <a:prstGeom prst="rect">
             <a:avLst/>
           </a:prstGeom>
-          <a:ln w="3175">
+          <a:ln>
             <a:solidFill>
-              <a:schemeClr val="tx1"/>
+              <a:schemeClr val="accent2">
+                <a:lumMod val="75000"/>
+              </a:schemeClr>
             </a:solidFill>
           </a:ln>
         </p:spPr>
       </p:pic>
-      <p:sp>
-        <p:nvSpPr>
-          <p:cNvPr id="45" name="TextBox 44">
-            <a:extLst>
-              <a:ext uri="{FF2B5EF4-FFF2-40B4-BE49-F238E27FC236}">
-                <a16:creationId xmlns:a16="http://schemas.microsoft.com/office/drawing/2014/main" id="{40696316-A31D-AAAD-EF9A-C887B027427B}"/>
-              </a:ext>
-            </a:extLst>
-          </p:cNvPr>
-          <p:cNvSpPr txBox="1"/>
-          <p:nvPr/>
-        </p:nvSpPr>
-        <p:spPr>
-          <a:xfrm>
-            <a:off x="8523817" y="946400"/>
-            <a:ext cx="1135067" cy="261610"/>
+      <p:cxnSp>
+        <p:nvCxnSpPr>
+          <p:cNvPr id="134" name="Straight Connector 133">
+            <a:extLst>
+              <a:ext uri="{FF2B5EF4-FFF2-40B4-BE49-F238E27FC236}">
+                <a16:creationId xmlns:a16="http://schemas.microsoft.com/office/drawing/2014/main" id="{1017CE58-CA13-7845-63EE-49D71A418607}"/>
+              </a:ext>
+            </a:extLst>
+          </p:cNvPr>
+          <p:cNvCxnSpPr>
+            <a:cxnSpLocks/>
+          </p:cNvCxnSpPr>
+          <p:nvPr/>
+        </p:nvCxnSpPr>
+        <p:spPr>
+          <a:xfrm flipV="1">
+            <a:off x="4189030" y="4776953"/>
+            <a:ext cx="693656" cy="1"/>
+          </a:xfrm>
+          <a:prstGeom prst="line">
+            <a:avLst/>
+          </a:prstGeom>
+          <a:ln w="19050">
+            <a:solidFill>
+              <a:schemeClr val="accent2">
+                <a:lumMod val="75000"/>
+              </a:schemeClr>
+            </a:solidFill>
+          </a:ln>
+        </p:spPr>
+        <p:style>
+          <a:lnRef idx="1">
+            <a:schemeClr val="accent1"/>
+          </a:lnRef>
+          <a:fillRef idx="0">
+            <a:schemeClr val="accent1"/>
+          </a:fillRef>
+          <a:effectRef idx="0">
+            <a:schemeClr val="accent1"/>
+          </a:effectRef>
+          <a:fontRef idx="minor">
+            <a:schemeClr val="tx1"/>
+          </a:fontRef>
+        </p:style>
+      </p:cxnSp>
+      <p:pic>
+        <p:nvPicPr>
+          <p:cNvPr id="135" name="Graphic 134" descr="Web design with solid fill">
+            <a:extLst>
+              <a:ext uri="{FF2B5EF4-FFF2-40B4-BE49-F238E27FC236}">
+                <a16:creationId xmlns:a16="http://schemas.microsoft.com/office/drawing/2014/main" id="{6783C58B-7FB5-2402-3A51-0B2D869D40A7}"/>
+              </a:ext>
+            </a:extLst>
+          </p:cNvPr>
+          <p:cNvPicPr>
+            <a:picLocks noChangeAspect="1"/>
+          </p:cNvPicPr>
+          <p:nvPr/>
+        </p:nvPicPr>
+        <p:blipFill>
+          <a:blip r:embed="rId8">
+            <a:extLst>
+              <a:ext uri="{96DAC541-7B7A-43D3-8B79-37D633B846F1}">
+                <asvg:svgBlip xmlns:asvg="http://schemas.microsoft.com/office/drawing/2016/SVG/main" r:embed="rId12"/>
+              </a:ext>
+            </a:extLst>
+          </a:blip>
+          <a:stretch>
+            <a:fillRect/>
+          </a:stretch>
+        </p:blipFill>
+        <p:spPr>
+          <a:xfrm>
+            <a:off x="4569779" y="5101950"/>
+            <a:ext cx="486375" cy="486375"/>
           </a:xfrm>
           <a:prstGeom prst="rect">
             <a:avLst/>
           </a:prstGeom>
-          <a:noFill/>
-        </p:spPr>
-        <p:txBody>
-          <a:bodyPr wrap="square" rtlCol="0">
-            <a:spAutoFit/>
-          </a:bodyPr>
-          <a:lstStyle/>
-          <a:p>
-            <a:r>
-              <a:rPr lang="en-US" sz="1100" dirty="0">
-                <a:solidFill>
-                  <a:srgbClr val="002060"/>
-                </a:solidFill>
-              </a:rPr>
-              <a:t>Physical server 0</a:t>
-            </a:r>
-            <a:endParaRPr lang="en-SG" sz="1100" dirty="0">
-              <a:solidFill>
-                <a:srgbClr val="002060"/>
-              </a:solidFill>
-            </a:endParaRPr>
-          </a:p>
-        </p:txBody>
-      </p:sp>
-      <p:sp>
-        <p:nvSpPr>
-          <p:cNvPr id="46" name="Rectangle 45">
-            <a:extLst>
-              <a:ext uri="{FF2B5EF4-FFF2-40B4-BE49-F238E27FC236}">
-                <a16:creationId xmlns:a16="http://schemas.microsoft.com/office/drawing/2014/main" id="{37B06244-CDAA-AF94-D724-AC17AABCBF4D}"/>
+        </p:spPr>
+      </p:pic>
+      <p:cxnSp>
+        <p:nvCxnSpPr>
+          <p:cNvPr id="136" name="Connector: Elbow 135">
+            <a:extLst>
+              <a:ext uri="{FF2B5EF4-FFF2-40B4-BE49-F238E27FC236}">
+                <a16:creationId xmlns:a16="http://schemas.microsoft.com/office/drawing/2014/main" id="{526B59A2-5DD6-BD0D-5B78-65146924CBC2}"/>
+              </a:ext>
+            </a:extLst>
+          </p:cNvPr>
+          <p:cNvCxnSpPr>
+            <a:cxnSpLocks/>
+            <a:stCxn id="135" idx="1"/>
+            <a:endCxn id="36" idx="2"/>
+          </p:cNvCxnSpPr>
+          <p:nvPr/>
+        </p:nvCxnSpPr>
+        <p:spPr>
+          <a:xfrm rot="10800000">
+            <a:off x="1585517" y="4071414"/>
+            <a:ext cx="2984263" cy="1273725"/>
+          </a:xfrm>
+          <a:prstGeom prst="bentConnector2">
+            <a:avLst/>
+          </a:prstGeom>
+          <a:ln w="19050">
+            <a:solidFill>
+              <a:schemeClr val="accent2">
+                <a:lumMod val="75000"/>
+              </a:schemeClr>
+            </a:solidFill>
+            <a:tailEnd type="triangle"/>
+          </a:ln>
+        </p:spPr>
+        <p:style>
+          <a:lnRef idx="1">
+            <a:schemeClr val="accent1"/>
+          </a:lnRef>
+          <a:fillRef idx="0">
+            <a:schemeClr val="accent1"/>
+          </a:fillRef>
+          <a:effectRef idx="0">
+            <a:schemeClr val="accent1"/>
+          </a:effectRef>
+          <a:fontRef idx="minor">
+            <a:schemeClr val="tx1"/>
+          </a:fontRef>
+        </p:style>
+      </p:cxnSp>
+      <p:pic>
+        <p:nvPicPr>
+          <p:cNvPr id="140" name="Picture 139">
+            <a:extLst>
+              <a:ext uri="{FF2B5EF4-FFF2-40B4-BE49-F238E27FC236}">
+                <a16:creationId xmlns:a16="http://schemas.microsoft.com/office/drawing/2014/main" id="{BB037CAD-7BAD-5808-D6F4-6D804BA2127F}"/>
+              </a:ext>
+            </a:extLst>
+          </p:cNvPr>
+          <p:cNvPicPr>
+            <a:picLocks noChangeAspect="1"/>
+          </p:cNvPicPr>
+          <p:nvPr/>
+        </p:nvPicPr>
+        <p:blipFill>
+          <a:blip r:embed="rId7"/>
+          <a:stretch>
+            <a:fillRect/>
+          </a:stretch>
+        </p:blipFill>
+        <p:spPr>
+          <a:xfrm>
+            <a:off x="2845643" y="4554706"/>
+            <a:ext cx="255256" cy="261611"/>
+          </a:xfrm>
+          <a:prstGeom prst="rect">
+            <a:avLst/>
+          </a:prstGeom>
+          <a:ln>
+            <a:solidFill>
+              <a:schemeClr val="accent1"/>
+            </a:solidFill>
+          </a:ln>
+        </p:spPr>
+      </p:pic>
+      <p:sp>
+        <p:nvSpPr>
+          <p:cNvPr id="142" name="Rectangle 141">
+            <a:extLst>
+              <a:ext uri="{FF2B5EF4-FFF2-40B4-BE49-F238E27FC236}">
+                <a16:creationId xmlns:a16="http://schemas.microsoft.com/office/drawing/2014/main" id="{4B36FBFB-4CE5-BD94-CB02-9EAECD7611D4}"/>
               </a:ext>
             </a:extLst>
           </p:cNvPr>
@@ -4872,12 +5493,17 @@
         </p:nvSpPr>
         <p:spPr>
           <a:xfrm>
-            <a:off x="8343918" y="2135165"/>
-            <a:ext cx="1260705" cy="353867"/>
+            <a:off x="6256335" y="1504816"/>
+            <a:ext cx="1115090" cy="403538"/>
           </a:xfrm>
           <a:prstGeom prst="rect">
             <a:avLst/>
           </a:prstGeom>
+          <a:solidFill>
+            <a:schemeClr val="accent2">
+              <a:lumMod val="75000"/>
+            </a:schemeClr>
+          </a:solidFill>
         </p:spPr>
         <p:style>
           <a:lnRef idx="2">
@@ -4899,25 +5525,254 @@
           <a:bodyPr rtlCol="0" anchor="ctr"/>
           <a:lstStyle/>
           <a:p>
-            <a:pPr algn="ctr"/>
-            <a:r>
-              <a:rPr lang="en-US" sz="1400" b="1" dirty="0"/>
-              <a:t>Monitor Hub</a:t>
-            </a:r>
-            <a:r>
-              <a:rPr lang="en-US" sz="1400" dirty="0"/>
-              <a:t> </a:t>
-            </a:r>
-            <a:endParaRPr lang="en-SG" sz="1400" dirty="0"/>
+            <a:r>
+              <a:rPr lang="en-US" sz="1100" b="1" dirty="0"/>
+              <a:t>Communication  Module</a:t>
+            </a:r>
+            <a:endParaRPr lang="en-SG" sz="1100" b="1" dirty="0"/>
+          </a:p>
+        </p:txBody>
+      </p:sp>
+      <p:cxnSp>
+        <p:nvCxnSpPr>
+          <p:cNvPr id="144" name="Straight Arrow Connector 143">
+            <a:extLst>
+              <a:ext uri="{FF2B5EF4-FFF2-40B4-BE49-F238E27FC236}">
+                <a16:creationId xmlns:a16="http://schemas.microsoft.com/office/drawing/2014/main" id="{4B5290B4-E6C6-3751-3BDD-C2542B9712FC}"/>
+              </a:ext>
+            </a:extLst>
+          </p:cNvPr>
+          <p:cNvCxnSpPr>
+            <a:stCxn id="67" idx="3"/>
+            <a:endCxn id="142" idx="1"/>
+          </p:cNvCxnSpPr>
+          <p:nvPr/>
+        </p:nvCxnSpPr>
+        <p:spPr>
+          <a:xfrm>
+            <a:off x="5194047" y="1705387"/>
+            <a:ext cx="1062288" cy="1198"/>
+          </a:xfrm>
+          <a:prstGeom prst="straightConnector1">
+            <a:avLst/>
+          </a:prstGeom>
+          <a:ln w="19050">
+            <a:solidFill>
+              <a:schemeClr val="accent2">
+                <a:lumMod val="75000"/>
+              </a:schemeClr>
+            </a:solidFill>
+            <a:tailEnd type="triangle"/>
+          </a:ln>
+        </p:spPr>
+        <p:style>
+          <a:lnRef idx="1">
+            <a:schemeClr val="accent1"/>
+          </a:lnRef>
+          <a:fillRef idx="0">
+            <a:schemeClr val="accent1"/>
+          </a:fillRef>
+          <a:effectRef idx="0">
+            <a:schemeClr val="accent1"/>
+          </a:effectRef>
+          <a:fontRef idx="minor">
+            <a:schemeClr val="tx1"/>
+          </a:fontRef>
+        </p:style>
+      </p:cxnSp>
+      <p:cxnSp>
+        <p:nvCxnSpPr>
+          <p:cNvPr id="146" name="Connector: Elbow 145">
+            <a:extLst>
+              <a:ext uri="{FF2B5EF4-FFF2-40B4-BE49-F238E27FC236}">
+                <a16:creationId xmlns:a16="http://schemas.microsoft.com/office/drawing/2014/main" id="{50581020-EE1C-EDD3-999A-2ABB11B04279}"/>
+              </a:ext>
+            </a:extLst>
+          </p:cNvPr>
+          <p:cNvCxnSpPr>
+            <a:cxnSpLocks/>
+            <a:stCxn id="103" idx="3"/>
+          </p:cNvCxnSpPr>
+          <p:nvPr/>
+        </p:nvCxnSpPr>
+        <p:spPr>
+          <a:xfrm flipV="1">
+            <a:off x="5033925" y="1710485"/>
+            <a:ext cx="691266" cy="1143336"/>
+          </a:xfrm>
+          <a:prstGeom prst="bentConnector2">
+            <a:avLst/>
+          </a:prstGeom>
+          <a:ln w="19050">
+            <a:solidFill>
+              <a:schemeClr val="accent2">
+                <a:lumMod val="75000"/>
+              </a:schemeClr>
+            </a:solidFill>
+          </a:ln>
+        </p:spPr>
+        <p:style>
+          <a:lnRef idx="1">
+            <a:schemeClr val="accent1"/>
+          </a:lnRef>
+          <a:fillRef idx="0">
+            <a:schemeClr val="accent1"/>
+          </a:fillRef>
+          <a:effectRef idx="0">
+            <a:schemeClr val="accent1"/>
+          </a:effectRef>
+          <a:fontRef idx="minor">
+            <a:schemeClr val="tx1"/>
+          </a:fontRef>
+        </p:style>
+      </p:cxnSp>
+      <p:cxnSp>
+        <p:nvCxnSpPr>
+          <p:cNvPr id="150" name="Connector: Elbow 149">
+            <a:extLst>
+              <a:ext uri="{FF2B5EF4-FFF2-40B4-BE49-F238E27FC236}">
+                <a16:creationId xmlns:a16="http://schemas.microsoft.com/office/drawing/2014/main" id="{B15B07B0-C4A3-C23B-303D-D79FD1436ACA}"/>
+              </a:ext>
+            </a:extLst>
+          </p:cNvPr>
+          <p:cNvCxnSpPr>
+            <a:cxnSpLocks/>
+            <a:stCxn id="132" idx="3"/>
+          </p:cNvCxnSpPr>
+          <p:nvPr/>
+        </p:nvCxnSpPr>
+        <p:spPr>
+          <a:xfrm flipV="1">
+            <a:off x="5138626" y="2853820"/>
+            <a:ext cx="586565" cy="1868160"/>
+          </a:xfrm>
+          <a:prstGeom prst="bentConnector2">
+            <a:avLst/>
+          </a:prstGeom>
+          <a:ln w="19050">
+            <a:solidFill>
+              <a:schemeClr val="accent2">
+                <a:lumMod val="75000"/>
+              </a:schemeClr>
+            </a:solidFill>
+          </a:ln>
+        </p:spPr>
+        <p:style>
+          <a:lnRef idx="1">
+            <a:schemeClr val="accent1"/>
+          </a:lnRef>
+          <a:fillRef idx="0">
+            <a:schemeClr val="accent1"/>
+          </a:fillRef>
+          <a:effectRef idx="0">
+            <a:schemeClr val="accent1"/>
+          </a:effectRef>
+          <a:fontRef idx="minor">
+            <a:schemeClr val="tx1"/>
+          </a:fontRef>
+        </p:style>
+      </p:cxnSp>
+      <p:cxnSp>
+        <p:nvCxnSpPr>
+          <p:cNvPr id="153" name="Connector: Elbow 152">
+            <a:extLst>
+              <a:ext uri="{FF2B5EF4-FFF2-40B4-BE49-F238E27FC236}">
+                <a16:creationId xmlns:a16="http://schemas.microsoft.com/office/drawing/2014/main" id="{96E82FF6-C28F-30D9-E613-40ABB1027E7D}"/>
+              </a:ext>
+            </a:extLst>
+          </p:cNvPr>
+          <p:cNvCxnSpPr>
+            <a:cxnSpLocks/>
+          </p:cNvCxnSpPr>
+          <p:nvPr/>
+        </p:nvCxnSpPr>
+        <p:spPr>
+          <a:xfrm flipV="1">
+            <a:off x="5010834" y="4746869"/>
+            <a:ext cx="694467" cy="608370"/>
+          </a:xfrm>
+          <a:prstGeom prst="bentConnector3">
+            <a:avLst>
+              <a:gd name="adj1" fmla="val 102668"/>
+            </a:avLst>
+          </a:prstGeom>
+          <a:ln w="19050">
+            <a:solidFill>
+              <a:schemeClr val="accent2">
+                <a:lumMod val="75000"/>
+              </a:schemeClr>
+            </a:solidFill>
+          </a:ln>
+        </p:spPr>
+        <p:style>
+          <a:lnRef idx="1">
+            <a:schemeClr val="accent1"/>
+          </a:lnRef>
+          <a:fillRef idx="0">
+            <a:schemeClr val="accent1"/>
+          </a:fillRef>
+          <a:effectRef idx="0">
+            <a:schemeClr val="accent1"/>
+          </a:effectRef>
+          <a:fontRef idx="minor">
+            <a:schemeClr val="tx1"/>
+          </a:fontRef>
+        </p:style>
+      </p:cxnSp>
+      <p:sp>
+        <p:nvSpPr>
+          <p:cNvPr id="156" name="TextBox 155">
+            <a:extLst>
+              <a:ext uri="{FF2B5EF4-FFF2-40B4-BE49-F238E27FC236}">
+                <a16:creationId xmlns:a16="http://schemas.microsoft.com/office/drawing/2014/main" id="{05C09586-893F-7431-3A85-923391D8477F}"/>
+              </a:ext>
+            </a:extLst>
+          </p:cNvPr>
+          <p:cNvSpPr txBox="1"/>
+          <p:nvPr/>
+        </p:nvSpPr>
+        <p:spPr>
+          <a:xfrm>
+            <a:off x="4551820" y="2135203"/>
+            <a:ext cx="1136598" cy="276999"/>
+          </a:xfrm>
+          <a:prstGeom prst="rect">
+            <a:avLst/>
+          </a:prstGeom>
+          <a:noFill/>
+        </p:spPr>
+        <p:txBody>
+          <a:bodyPr wrap="square" rtlCol="0">
+            <a:spAutoFit/>
+          </a:bodyPr>
+          <a:lstStyle/>
+          <a:p>
+            <a:r>
+              <a:rPr lang="en-US" sz="1200" b="1" dirty="0">
+                <a:solidFill>
+                  <a:schemeClr val="accent2">
+                    <a:lumMod val="75000"/>
+                  </a:schemeClr>
+                </a:solidFill>
+              </a:rPr>
+              <a:t>Monitor Agent</a:t>
+            </a:r>
+            <a:endParaRPr lang="en-SG" sz="1200" b="1" dirty="0">
+              <a:solidFill>
+                <a:schemeClr val="accent2">
+                  <a:lumMod val="75000"/>
+                </a:schemeClr>
+              </a:solidFill>
+            </a:endParaRPr>
           </a:p>
         </p:txBody>
       </p:sp>
       <p:pic>
         <p:nvPicPr>
-          <p:cNvPr id="47" name="Picture 46">
-            <a:extLst>
-              <a:ext uri="{FF2B5EF4-FFF2-40B4-BE49-F238E27FC236}">
-                <a16:creationId xmlns:a16="http://schemas.microsoft.com/office/drawing/2014/main" id="{69AF409A-43C8-58E0-BA50-C7C5662D01D6}"/>
+          <p:cNvPr id="157" name="Graphic 156" descr="Web design with solid fill">
+            <a:extLst>
+              <a:ext uri="{FF2B5EF4-FFF2-40B4-BE49-F238E27FC236}">
+                <a16:creationId xmlns:a16="http://schemas.microsoft.com/office/drawing/2014/main" id="{649E67CF-AEBD-5751-F1BC-33FDAF34E111}"/>
               </a:ext>
             </a:extLst>
           </p:cNvPr>
@@ -4927,27 +5782,673 @@
           <p:nvPr/>
         </p:nvPicPr>
         <p:blipFill>
-          <a:blip r:embed="rId7"/>
+          <a:blip r:embed="rId8">
+            <a:extLst>
+              <a:ext uri="{96DAC541-7B7A-43D3-8B79-37D633B846F1}">
+                <asvg:svgBlip xmlns:asvg="http://schemas.microsoft.com/office/drawing/2016/SVG/main" r:embed="rId12"/>
+              </a:ext>
+            </a:extLst>
+          </a:blip>
           <a:stretch>
             <a:fillRect/>
           </a:stretch>
         </p:blipFill>
         <p:spPr>
           <a:xfrm>
-            <a:off x="8314284" y="1433006"/>
-            <a:ext cx="492703" cy="486861"/>
+            <a:off x="4453303" y="2597314"/>
+            <a:ext cx="486375" cy="486375"/>
           </a:xfrm>
           <a:prstGeom prst="rect">
             <a:avLst/>
           </a:prstGeom>
         </p:spPr>
       </p:pic>
+      <p:sp>
+        <p:nvSpPr>
+          <p:cNvPr id="158" name="TextBox 157">
+            <a:extLst>
+              <a:ext uri="{FF2B5EF4-FFF2-40B4-BE49-F238E27FC236}">
+                <a16:creationId xmlns:a16="http://schemas.microsoft.com/office/drawing/2014/main" id="{CC615D95-9A77-8E7A-4873-807EE718C117}"/>
+              </a:ext>
+            </a:extLst>
+          </p:cNvPr>
+          <p:cNvSpPr txBox="1"/>
+          <p:nvPr/>
+        </p:nvSpPr>
+        <p:spPr>
+          <a:xfrm>
+            <a:off x="2881478" y="2441990"/>
+            <a:ext cx="1332369" cy="276999"/>
+          </a:xfrm>
+          <a:prstGeom prst="rect">
+            <a:avLst/>
+          </a:prstGeom>
+          <a:noFill/>
+        </p:spPr>
+        <p:txBody>
+          <a:bodyPr wrap="square" rtlCol="0">
+            <a:spAutoFit/>
+          </a:bodyPr>
+          <a:lstStyle/>
+          <a:p>
+            <a:r>
+              <a:rPr lang="en-US" sz="1200" b="1" dirty="0">
+                <a:solidFill>
+                  <a:srgbClr val="002060"/>
+                </a:solidFill>
+              </a:rPr>
+              <a:t>Physical server N</a:t>
+            </a:r>
+            <a:endParaRPr lang="en-SG" sz="1200" b="1" dirty="0">
+              <a:solidFill>
+                <a:srgbClr val="002060"/>
+              </a:solidFill>
+            </a:endParaRPr>
+          </a:p>
+        </p:txBody>
+      </p:sp>
+      <p:sp>
+        <p:nvSpPr>
+          <p:cNvPr id="159" name="TextBox 158">
+            <a:extLst>
+              <a:ext uri="{FF2B5EF4-FFF2-40B4-BE49-F238E27FC236}">
+                <a16:creationId xmlns:a16="http://schemas.microsoft.com/office/drawing/2014/main" id="{D5591B19-6DA8-E314-884B-BC82DED6DE7E}"/>
+              </a:ext>
+            </a:extLst>
+          </p:cNvPr>
+          <p:cNvSpPr txBox="1"/>
+          <p:nvPr/>
+        </p:nvSpPr>
+        <p:spPr>
+          <a:xfrm>
+            <a:off x="4393023" y="3019636"/>
+            <a:ext cx="1136598" cy="276999"/>
+          </a:xfrm>
+          <a:prstGeom prst="rect">
+            <a:avLst/>
+          </a:prstGeom>
+          <a:noFill/>
+        </p:spPr>
+        <p:txBody>
+          <a:bodyPr wrap="square" rtlCol="0">
+            <a:spAutoFit/>
+          </a:bodyPr>
+          <a:lstStyle/>
+          <a:p>
+            <a:r>
+              <a:rPr lang="en-US" sz="1200" b="1" dirty="0">
+                <a:solidFill>
+                  <a:schemeClr val="accent2">
+                    <a:lumMod val="75000"/>
+                  </a:schemeClr>
+                </a:solidFill>
+              </a:rPr>
+              <a:t>Monitor Agent</a:t>
+            </a:r>
+            <a:endParaRPr lang="en-SG" sz="1200" b="1" dirty="0">
+              <a:solidFill>
+                <a:schemeClr val="accent2">
+                  <a:lumMod val="75000"/>
+                </a:schemeClr>
+              </a:solidFill>
+            </a:endParaRPr>
+          </a:p>
+        </p:txBody>
+      </p:sp>
+      <p:sp>
+        <p:nvSpPr>
+          <p:cNvPr id="160" name="TextBox 159">
+            <a:extLst>
+              <a:ext uri="{FF2B5EF4-FFF2-40B4-BE49-F238E27FC236}">
+                <a16:creationId xmlns:a16="http://schemas.microsoft.com/office/drawing/2014/main" id="{0D7854B1-F4BA-1257-4899-7AB9B512CF2F}"/>
+              </a:ext>
+            </a:extLst>
+          </p:cNvPr>
+          <p:cNvSpPr txBox="1"/>
+          <p:nvPr/>
+        </p:nvSpPr>
+        <p:spPr>
+          <a:xfrm>
+            <a:off x="4089953" y="4787345"/>
+            <a:ext cx="1136598" cy="276999"/>
+          </a:xfrm>
+          <a:prstGeom prst="rect">
+            <a:avLst/>
+          </a:prstGeom>
+          <a:noFill/>
+        </p:spPr>
+        <p:txBody>
+          <a:bodyPr wrap="square" rtlCol="0">
+            <a:spAutoFit/>
+          </a:bodyPr>
+          <a:lstStyle/>
+          <a:p>
+            <a:r>
+              <a:rPr lang="en-US" sz="1200" b="1" dirty="0">
+                <a:solidFill>
+                  <a:schemeClr val="accent2">
+                    <a:lumMod val="75000"/>
+                  </a:schemeClr>
+                </a:solidFill>
+              </a:rPr>
+              <a:t>Monitor Agent</a:t>
+            </a:r>
+            <a:endParaRPr lang="en-SG" sz="1200" b="1" dirty="0">
+              <a:solidFill>
+                <a:schemeClr val="accent2">
+                  <a:lumMod val="75000"/>
+                </a:schemeClr>
+              </a:solidFill>
+            </a:endParaRPr>
+          </a:p>
+        </p:txBody>
+      </p:sp>
+      <p:sp>
+        <p:nvSpPr>
+          <p:cNvPr id="161" name="TextBox 160">
+            <a:extLst>
+              <a:ext uri="{FF2B5EF4-FFF2-40B4-BE49-F238E27FC236}">
+                <a16:creationId xmlns:a16="http://schemas.microsoft.com/office/drawing/2014/main" id="{67C5FE35-19B6-EA0B-C393-23787DC06E8E}"/>
+              </a:ext>
+            </a:extLst>
+          </p:cNvPr>
+          <p:cNvSpPr txBox="1"/>
+          <p:nvPr/>
+        </p:nvSpPr>
+        <p:spPr>
+          <a:xfrm>
+            <a:off x="4535858" y="5469342"/>
+            <a:ext cx="1136598" cy="276999"/>
+          </a:xfrm>
+          <a:prstGeom prst="rect">
+            <a:avLst/>
+          </a:prstGeom>
+          <a:noFill/>
+        </p:spPr>
+        <p:txBody>
+          <a:bodyPr wrap="square" rtlCol="0">
+            <a:spAutoFit/>
+          </a:bodyPr>
+          <a:lstStyle/>
+          <a:p>
+            <a:r>
+              <a:rPr lang="en-US" sz="1200" b="1" dirty="0">
+                <a:solidFill>
+                  <a:schemeClr val="accent2">
+                    <a:lumMod val="75000"/>
+                  </a:schemeClr>
+                </a:solidFill>
+              </a:rPr>
+              <a:t>Monitor Agent</a:t>
+            </a:r>
+            <a:endParaRPr lang="en-SG" sz="1200" b="1" dirty="0">
+              <a:solidFill>
+                <a:schemeClr val="accent2">
+                  <a:lumMod val="75000"/>
+                </a:schemeClr>
+              </a:solidFill>
+            </a:endParaRPr>
+          </a:p>
+        </p:txBody>
+      </p:sp>
+      <p:sp>
+        <p:nvSpPr>
+          <p:cNvPr id="162" name="Rectangle 161">
+            <a:extLst>
+              <a:ext uri="{FF2B5EF4-FFF2-40B4-BE49-F238E27FC236}">
+                <a16:creationId xmlns:a16="http://schemas.microsoft.com/office/drawing/2014/main" id="{8BB2C6AD-AD59-F1C4-677E-2BDB9A13F7D4}"/>
+              </a:ext>
+            </a:extLst>
+          </p:cNvPr>
+          <p:cNvSpPr/>
+          <p:nvPr/>
+        </p:nvSpPr>
+        <p:spPr>
+          <a:xfrm>
+            <a:off x="7747552" y="1492476"/>
+            <a:ext cx="946628" cy="403539"/>
+          </a:xfrm>
+          <a:prstGeom prst="rect">
+            <a:avLst/>
+          </a:prstGeom>
+          <a:solidFill>
+            <a:schemeClr val="accent2">
+              <a:lumMod val="75000"/>
+            </a:schemeClr>
+          </a:solidFill>
+        </p:spPr>
+        <p:style>
+          <a:lnRef idx="2">
+            <a:schemeClr val="accent1">
+              <a:shade val="50000"/>
+            </a:schemeClr>
+          </a:lnRef>
+          <a:fillRef idx="1">
+            <a:schemeClr val="accent1"/>
+          </a:fillRef>
+          <a:effectRef idx="0">
+            <a:schemeClr val="accent1"/>
+          </a:effectRef>
+          <a:fontRef idx="minor">
+            <a:schemeClr val="lt1"/>
+          </a:fontRef>
+        </p:style>
+        <p:txBody>
+          <a:bodyPr rtlCol="0" anchor="ctr"/>
+          <a:lstStyle/>
+          <a:p>
+            <a:r>
+              <a:rPr lang="en-US" sz="1100" b="1" dirty="0"/>
+              <a:t>Monitor Hub</a:t>
+            </a:r>
+            <a:endParaRPr lang="en-SG" sz="1100" b="1" dirty="0"/>
+          </a:p>
+        </p:txBody>
+      </p:sp>
+      <p:cxnSp>
+        <p:nvCxnSpPr>
+          <p:cNvPr id="163" name="Straight Arrow Connector 162">
+            <a:extLst>
+              <a:ext uri="{FF2B5EF4-FFF2-40B4-BE49-F238E27FC236}">
+                <a16:creationId xmlns:a16="http://schemas.microsoft.com/office/drawing/2014/main" id="{7CB79442-D0A0-1457-A954-9E3E5A3D3000}"/>
+              </a:ext>
+            </a:extLst>
+          </p:cNvPr>
+          <p:cNvCxnSpPr>
+            <a:cxnSpLocks/>
+            <a:stCxn id="142" idx="3"/>
+            <a:endCxn id="162" idx="1"/>
+          </p:cNvCxnSpPr>
+          <p:nvPr/>
+        </p:nvCxnSpPr>
+        <p:spPr>
+          <a:xfrm flipV="1">
+            <a:off x="7371425" y="1694246"/>
+            <a:ext cx="376127" cy="0"/>
+          </a:xfrm>
+          <a:prstGeom prst="straightConnector1">
+            <a:avLst/>
+          </a:prstGeom>
+          <a:ln w="19050">
+            <a:solidFill>
+              <a:schemeClr val="accent2">
+                <a:lumMod val="75000"/>
+              </a:schemeClr>
+            </a:solidFill>
+            <a:tailEnd type="triangle"/>
+          </a:ln>
+        </p:spPr>
+        <p:style>
+          <a:lnRef idx="1">
+            <a:schemeClr val="dk1"/>
+          </a:lnRef>
+          <a:fillRef idx="0">
+            <a:schemeClr val="dk1"/>
+          </a:fillRef>
+          <a:effectRef idx="0">
+            <a:schemeClr val="dk1"/>
+          </a:effectRef>
+          <a:fontRef idx="minor">
+            <a:schemeClr val="tx1"/>
+          </a:fontRef>
+        </p:style>
+      </p:cxnSp>
       <p:pic>
         <p:nvPicPr>
-          <p:cNvPr id="48" name="Picture 4">
-            <a:extLst>
-              <a:ext uri="{FF2B5EF4-FFF2-40B4-BE49-F238E27FC236}">
-                <a16:creationId xmlns:a16="http://schemas.microsoft.com/office/drawing/2014/main" id="{49901BE6-869F-122C-C014-201B980A8671}"/>
+          <p:cNvPr id="168" name="Picture 167">
+            <a:extLst>
+              <a:ext uri="{FF2B5EF4-FFF2-40B4-BE49-F238E27FC236}">
+                <a16:creationId xmlns:a16="http://schemas.microsoft.com/office/drawing/2014/main" id="{2E85E133-A1CB-75CE-680E-9DC6CC750D1F}"/>
+              </a:ext>
+            </a:extLst>
+          </p:cNvPr>
+          <p:cNvPicPr>
+            <a:picLocks noChangeAspect="1"/>
+          </p:cNvPicPr>
+          <p:nvPr/>
+        </p:nvPicPr>
+        <p:blipFill>
+          <a:blip r:embed="rId13"/>
+          <a:stretch>
+            <a:fillRect/>
+          </a:stretch>
+        </p:blipFill>
+        <p:spPr>
+          <a:xfrm>
+            <a:off x="8986040" y="1302656"/>
+            <a:ext cx="586565" cy="688175"/>
+          </a:xfrm>
+          <a:prstGeom prst="rect">
+            <a:avLst/>
+          </a:prstGeom>
+          <a:ln w="9525">
+            <a:solidFill>
+              <a:schemeClr val="tx1"/>
+            </a:solidFill>
+          </a:ln>
+        </p:spPr>
+      </p:pic>
+      <p:cxnSp>
+        <p:nvCxnSpPr>
+          <p:cNvPr id="169" name="Straight Arrow Connector 168">
+            <a:extLst>
+              <a:ext uri="{FF2B5EF4-FFF2-40B4-BE49-F238E27FC236}">
+                <a16:creationId xmlns:a16="http://schemas.microsoft.com/office/drawing/2014/main" id="{FB3FFFA5-196F-636B-B356-DF1E67517DFD}"/>
+              </a:ext>
+            </a:extLst>
+          </p:cNvPr>
+          <p:cNvCxnSpPr>
+            <a:cxnSpLocks/>
+            <a:endCxn id="168" idx="1"/>
+          </p:cNvCxnSpPr>
+          <p:nvPr/>
+        </p:nvCxnSpPr>
+        <p:spPr>
+          <a:xfrm flipV="1">
+            <a:off x="8694180" y="1646744"/>
+            <a:ext cx="291860" cy="0"/>
+          </a:xfrm>
+          <a:prstGeom prst="straightConnector1">
+            <a:avLst/>
+          </a:prstGeom>
+          <a:ln w="19050">
+            <a:solidFill>
+              <a:schemeClr val="accent2">
+                <a:lumMod val="75000"/>
+              </a:schemeClr>
+            </a:solidFill>
+            <a:tailEnd type="triangle"/>
+          </a:ln>
+        </p:spPr>
+        <p:style>
+          <a:lnRef idx="1">
+            <a:schemeClr val="dk1"/>
+          </a:lnRef>
+          <a:fillRef idx="0">
+            <a:schemeClr val="dk1"/>
+          </a:fillRef>
+          <a:effectRef idx="0">
+            <a:schemeClr val="dk1"/>
+          </a:effectRef>
+          <a:fontRef idx="minor">
+            <a:schemeClr val="tx1"/>
+          </a:fontRef>
+        </p:style>
+      </p:cxnSp>
+      <p:sp>
+        <p:nvSpPr>
+          <p:cNvPr id="171" name="TextBox 170">
+            <a:extLst>
+              <a:ext uri="{FF2B5EF4-FFF2-40B4-BE49-F238E27FC236}">
+                <a16:creationId xmlns:a16="http://schemas.microsoft.com/office/drawing/2014/main" id="{33030D17-F92A-BBBA-9951-E975638F8D7F}"/>
+              </a:ext>
+            </a:extLst>
+          </p:cNvPr>
+          <p:cNvSpPr txBox="1"/>
+          <p:nvPr/>
+        </p:nvSpPr>
+        <p:spPr>
+          <a:xfrm>
+            <a:off x="8694180" y="1048176"/>
+            <a:ext cx="1069977" cy="261610"/>
+          </a:xfrm>
+          <a:prstGeom prst="rect">
+            <a:avLst/>
+          </a:prstGeom>
+          <a:noFill/>
+        </p:spPr>
+        <p:txBody>
+          <a:bodyPr wrap="square" rtlCol="0">
+            <a:spAutoFit/>
+          </a:bodyPr>
+          <a:lstStyle/>
+          <a:p>
+            <a:r>
+              <a:rPr lang="en-US" sz="1100" b="1" dirty="0">
+                <a:solidFill>
+                  <a:srgbClr val="002060"/>
+                </a:solidFill>
+              </a:rPr>
+              <a:t>Raw Database </a:t>
+            </a:r>
+            <a:endParaRPr lang="en-SG" sz="1100" b="1" dirty="0">
+              <a:solidFill>
+                <a:srgbClr val="002060"/>
+              </a:solidFill>
+            </a:endParaRPr>
+          </a:p>
+        </p:txBody>
+      </p:sp>
+      <p:sp>
+        <p:nvSpPr>
+          <p:cNvPr id="172" name="Rectangle 171">
+            <a:extLst>
+              <a:ext uri="{FF2B5EF4-FFF2-40B4-BE49-F238E27FC236}">
+                <a16:creationId xmlns:a16="http://schemas.microsoft.com/office/drawing/2014/main" id="{81F473ED-212D-8DA9-B569-082ACE849165}"/>
+              </a:ext>
+            </a:extLst>
+          </p:cNvPr>
+          <p:cNvSpPr/>
+          <p:nvPr/>
+        </p:nvSpPr>
+        <p:spPr>
+          <a:xfrm>
+            <a:off x="7559488" y="2227982"/>
+            <a:ext cx="1115090" cy="369332"/>
+          </a:xfrm>
+          <a:prstGeom prst="rect">
+            <a:avLst/>
+          </a:prstGeom>
+          <a:solidFill>
+            <a:schemeClr val="accent2">
+              <a:lumMod val="75000"/>
+            </a:schemeClr>
+          </a:solidFill>
+        </p:spPr>
+        <p:style>
+          <a:lnRef idx="2">
+            <a:schemeClr val="accent1">
+              <a:shade val="50000"/>
+            </a:schemeClr>
+          </a:lnRef>
+          <a:fillRef idx="1">
+            <a:schemeClr val="accent1"/>
+          </a:fillRef>
+          <a:effectRef idx="0">
+            <a:schemeClr val="accent1"/>
+          </a:effectRef>
+          <a:fontRef idx="minor">
+            <a:schemeClr val="lt1"/>
+          </a:fontRef>
+        </p:style>
+        <p:txBody>
+          <a:bodyPr rtlCol="0" anchor="ctr"/>
+          <a:lstStyle/>
+          <a:p>
+            <a:r>
+              <a:rPr lang="en-US" sz="1100" b="1" dirty="0"/>
+              <a:t>Data Manager </a:t>
+            </a:r>
+            <a:endParaRPr lang="en-SG" sz="1100" b="1" dirty="0"/>
+          </a:p>
+        </p:txBody>
+      </p:sp>
+      <p:cxnSp>
+        <p:nvCxnSpPr>
+          <p:cNvPr id="173" name="Connector: Elbow 172">
+            <a:extLst>
+              <a:ext uri="{FF2B5EF4-FFF2-40B4-BE49-F238E27FC236}">
+                <a16:creationId xmlns:a16="http://schemas.microsoft.com/office/drawing/2014/main" id="{C5E5403C-A959-36AE-7328-E4E7FF28DFCE}"/>
+              </a:ext>
+            </a:extLst>
+          </p:cNvPr>
+          <p:cNvCxnSpPr>
+            <a:cxnSpLocks/>
+            <a:stCxn id="168" idx="2"/>
+            <a:endCxn id="172" idx="3"/>
+          </p:cNvCxnSpPr>
+          <p:nvPr/>
+        </p:nvCxnSpPr>
+        <p:spPr>
+          <a:xfrm rot="5400000">
+            <a:off x="8766043" y="1899367"/>
+            <a:ext cx="421817" cy="604745"/>
+          </a:xfrm>
+          <a:prstGeom prst="bentConnector2">
+            <a:avLst/>
+          </a:prstGeom>
+          <a:ln w="19050">
+            <a:solidFill>
+              <a:schemeClr val="accent2">
+                <a:lumMod val="75000"/>
+              </a:schemeClr>
+            </a:solidFill>
+            <a:tailEnd type="triangle"/>
+          </a:ln>
+        </p:spPr>
+        <p:style>
+          <a:lnRef idx="1">
+            <a:schemeClr val="accent1"/>
+          </a:lnRef>
+          <a:fillRef idx="0">
+            <a:schemeClr val="accent1"/>
+          </a:fillRef>
+          <a:effectRef idx="0">
+            <a:schemeClr val="accent1"/>
+          </a:effectRef>
+          <a:fontRef idx="minor">
+            <a:schemeClr val="tx1"/>
+          </a:fontRef>
+        </p:style>
+      </p:cxnSp>
+      <p:pic>
+        <p:nvPicPr>
+          <p:cNvPr id="176" name="Picture 175">
+            <a:extLst>
+              <a:ext uri="{FF2B5EF4-FFF2-40B4-BE49-F238E27FC236}">
+                <a16:creationId xmlns:a16="http://schemas.microsoft.com/office/drawing/2014/main" id="{4DA05359-7979-F2AC-56CF-BF781D0C17E6}"/>
+              </a:ext>
+            </a:extLst>
+          </p:cNvPr>
+          <p:cNvPicPr>
+            <a:picLocks noChangeAspect="1"/>
+          </p:cNvPicPr>
+          <p:nvPr/>
+        </p:nvPicPr>
+        <p:blipFill>
+          <a:blip r:embed="rId14"/>
+          <a:stretch>
+            <a:fillRect/>
+          </a:stretch>
+        </p:blipFill>
+        <p:spPr>
+          <a:xfrm>
+            <a:off x="6228490" y="2697843"/>
+            <a:ext cx="691266" cy="683069"/>
+          </a:xfrm>
+          <a:prstGeom prst="rect">
+            <a:avLst/>
+          </a:prstGeom>
+        </p:spPr>
+      </p:pic>
+      <p:sp>
+        <p:nvSpPr>
+          <p:cNvPr id="177" name="TextBox 176">
+            <a:extLst>
+              <a:ext uri="{FF2B5EF4-FFF2-40B4-BE49-F238E27FC236}">
+                <a16:creationId xmlns:a16="http://schemas.microsoft.com/office/drawing/2014/main" id="{E0662AD1-AF02-7EEA-0A43-3B96C5725BA3}"/>
+              </a:ext>
+            </a:extLst>
+          </p:cNvPr>
+          <p:cNvSpPr txBox="1"/>
+          <p:nvPr/>
+        </p:nvSpPr>
+        <p:spPr>
+          <a:xfrm>
+            <a:off x="6122281" y="3436008"/>
+            <a:ext cx="1062288" cy="261610"/>
+          </a:xfrm>
+          <a:prstGeom prst="rect">
+            <a:avLst/>
+          </a:prstGeom>
+          <a:noFill/>
+        </p:spPr>
+        <p:txBody>
+          <a:bodyPr wrap="square" rtlCol="0">
+            <a:spAutoFit/>
+          </a:bodyPr>
+          <a:lstStyle/>
+          <a:p>
+            <a:r>
+              <a:rPr lang="en-US" sz="1100" b="1" dirty="0">
+                <a:solidFill>
+                  <a:srgbClr val="002060"/>
+                </a:solidFill>
+              </a:rPr>
+              <a:t>Info Database </a:t>
+            </a:r>
+            <a:endParaRPr lang="en-SG" sz="1100" b="1" dirty="0">
+              <a:solidFill>
+                <a:srgbClr val="002060"/>
+              </a:solidFill>
+            </a:endParaRPr>
+          </a:p>
+        </p:txBody>
+      </p:sp>
+      <p:cxnSp>
+        <p:nvCxnSpPr>
+          <p:cNvPr id="178" name="Connector: Elbow 177">
+            <a:extLst>
+              <a:ext uri="{FF2B5EF4-FFF2-40B4-BE49-F238E27FC236}">
+                <a16:creationId xmlns:a16="http://schemas.microsoft.com/office/drawing/2014/main" id="{CA5F31A5-9F8F-4029-C9FB-E2BD7F0C84F1}"/>
+              </a:ext>
+            </a:extLst>
+          </p:cNvPr>
+          <p:cNvCxnSpPr>
+            <a:cxnSpLocks/>
+            <a:stCxn id="172" idx="1"/>
+            <a:endCxn id="176" idx="0"/>
+          </p:cNvCxnSpPr>
+          <p:nvPr/>
+        </p:nvCxnSpPr>
+        <p:spPr>
+          <a:xfrm rot="10800000" flipV="1">
+            <a:off x="6574124" y="2412647"/>
+            <a:ext cx="985365" cy="285195"/>
+          </a:xfrm>
+          <a:prstGeom prst="bentConnector2">
+            <a:avLst/>
+          </a:prstGeom>
+          <a:ln w="19050">
+            <a:solidFill>
+              <a:schemeClr val="accent2">
+                <a:lumMod val="75000"/>
+              </a:schemeClr>
+            </a:solidFill>
+            <a:tailEnd type="triangle"/>
+          </a:ln>
+        </p:spPr>
+        <p:style>
+          <a:lnRef idx="1">
+            <a:schemeClr val="accent1"/>
+          </a:lnRef>
+          <a:fillRef idx="0">
+            <a:schemeClr val="accent1"/>
+          </a:fillRef>
+          <a:effectRef idx="0">
+            <a:schemeClr val="accent1"/>
+          </a:effectRef>
+          <a:fontRef idx="minor">
+            <a:schemeClr val="tx1"/>
+          </a:fontRef>
+        </p:style>
+      </p:cxnSp>
+      <p:pic>
+        <p:nvPicPr>
+          <p:cNvPr id="183" name="Picture 4">
+            <a:extLst>
+              <a:ext uri="{FF2B5EF4-FFF2-40B4-BE49-F238E27FC236}">
+                <a16:creationId xmlns:a16="http://schemas.microsoft.com/office/drawing/2014/main" id="{F75B40F0-0B4E-8E65-5766-655FE95DE91E}"/>
               </a:ext>
             </a:extLst>
           </p:cNvPr>
@@ -4957,7 +6458,7 @@
           <p:nvPr/>
         </p:nvPicPr>
         <p:blipFill>
-          <a:blip r:embed="rId8">
+          <a:blip r:embed="rId15">
             <a:extLst>
               <a:ext uri="{28A0092B-C50C-407E-A947-70E740481C1C}">
                 <a14:useLocalDpi xmlns:a14="http://schemas.microsoft.com/office/drawing/2010/main" val="0"/>
@@ -4971,16 +6472,18 @@
         </p:blipFill>
         <p:spPr bwMode="auto">
           <a:xfrm>
-            <a:off x="8992968" y="1432378"/>
-            <a:ext cx="924096" cy="410709"/>
+            <a:off x="7371425" y="2854522"/>
+            <a:ext cx="994754" cy="442113"/>
           </a:xfrm>
           <a:prstGeom prst="rect">
             <a:avLst/>
           </a:prstGeom>
           <a:noFill/>
-          <a:ln w="9525">
+          <a:ln w="19050">
             <a:solidFill>
-              <a:schemeClr val="tx1"/>
+              <a:schemeClr val="accent2">
+                <a:lumMod val="75000"/>
+              </a:schemeClr>
             </a:solidFill>
           </a:ln>
           <a:extLst>
@@ -4994,415 +6497,139 @@
           </a:extLst>
         </p:spPr>
       </p:pic>
+      <p:sp>
+        <p:nvSpPr>
+          <p:cNvPr id="184" name="Arrow: Right 183">
+            <a:extLst>
+              <a:ext uri="{FF2B5EF4-FFF2-40B4-BE49-F238E27FC236}">
+                <a16:creationId xmlns:a16="http://schemas.microsoft.com/office/drawing/2014/main" id="{1F5775D4-C5E9-AC77-2413-8AA7F25F103C}"/>
+              </a:ext>
+            </a:extLst>
+          </p:cNvPr>
+          <p:cNvSpPr/>
+          <p:nvPr/>
+        </p:nvSpPr>
+        <p:spPr>
+          <a:xfrm>
+            <a:off x="6971360" y="2958744"/>
+            <a:ext cx="309535" cy="161266"/>
+          </a:xfrm>
+          <a:prstGeom prst="rightArrow">
+            <a:avLst/>
+          </a:prstGeom>
+          <a:solidFill>
+            <a:schemeClr val="accent2">
+              <a:lumMod val="75000"/>
+            </a:schemeClr>
+          </a:solidFill>
+        </p:spPr>
+        <p:style>
+          <a:lnRef idx="2">
+            <a:schemeClr val="accent1">
+              <a:shade val="50000"/>
+            </a:schemeClr>
+          </a:lnRef>
+          <a:fillRef idx="1">
+            <a:schemeClr val="accent1"/>
+          </a:fillRef>
+          <a:effectRef idx="0">
+            <a:schemeClr val="accent1"/>
+          </a:effectRef>
+          <a:fontRef idx="minor">
+            <a:schemeClr val="lt1"/>
+          </a:fontRef>
+        </p:style>
+        <p:txBody>
+          <a:bodyPr rtlCol="0" anchor="ctr"/>
+          <a:lstStyle/>
+          <a:p>
+            <a:pPr algn="ctr"/>
+            <a:endParaRPr lang="en-SG" dirty="0"/>
+          </a:p>
+        </p:txBody>
+      </p:sp>
+      <p:sp>
+        <p:nvSpPr>
+          <p:cNvPr id="185" name="Rectangle 184">
+            <a:extLst>
+              <a:ext uri="{FF2B5EF4-FFF2-40B4-BE49-F238E27FC236}">
+                <a16:creationId xmlns:a16="http://schemas.microsoft.com/office/drawing/2014/main" id="{A686E79A-D97A-870F-6CF8-2671458F3E3E}"/>
+              </a:ext>
+            </a:extLst>
+          </p:cNvPr>
+          <p:cNvSpPr/>
+          <p:nvPr/>
+        </p:nvSpPr>
+        <p:spPr>
+          <a:xfrm>
+            <a:off x="8694180" y="2882784"/>
+            <a:ext cx="780067" cy="421817"/>
+          </a:xfrm>
+          <a:prstGeom prst="rect">
+            <a:avLst/>
+          </a:prstGeom>
+          <a:solidFill>
+            <a:schemeClr val="accent2">
+              <a:lumMod val="75000"/>
+            </a:schemeClr>
+          </a:solidFill>
+        </p:spPr>
+        <p:style>
+          <a:lnRef idx="2">
+            <a:schemeClr val="accent1">
+              <a:shade val="50000"/>
+            </a:schemeClr>
+          </a:lnRef>
+          <a:fillRef idx="1">
+            <a:schemeClr val="accent1"/>
+          </a:fillRef>
+          <a:effectRef idx="0">
+            <a:schemeClr val="accent1"/>
+          </a:effectRef>
+          <a:fontRef idx="minor">
+            <a:schemeClr val="lt1"/>
+          </a:fontRef>
+        </p:style>
+        <p:txBody>
+          <a:bodyPr rtlCol="0" anchor="ctr"/>
+          <a:lstStyle/>
+          <a:p>
+            <a:r>
+              <a:rPr lang="en-US" sz="1100" b="1" dirty="0"/>
+              <a:t>Message Sender</a:t>
+            </a:r>
+            <a:endParaRPr lang="en-SG" sz="1100" b="1" dirty="0"/>
+          </a:p>
+        </p:txBody>
+      </p:sp>
       <p:cxnSp>
         <p:nvCxnSpPr>
-          <p:cNvPr id="50" name="Straight Arrow Connector 49">
-            <a:extLst>
-              <a:ext uri="{FF2B5EF4-FFF2-40B4-BE49-F238E27FC236}">
-                <a16:creationId xmlns:a16="http://schemas.microsoft.com/office/drawing/2014/main" id="{5658D81B-B885-B8F2-B090-3DB1F0274607}"/>
+          <p:cNvPr id="186" name="Straight Arrow Connector 185">
+            <a:extLst>
+              <a:ext uri="{FF2B5EF4-FFF2-40B4-BE49-F238E27FC236}">
+                <a16:creationId xmlns:a16="http://schemas.microsoft.com/office/drawing/2014/main" id="{F85D49E0-D0D8-C14B-6D29-87AD56DFFC6B}"/>
               </a:ext>
             </a:extLst>
           </p:cNvPr>
           <p:cNvCxnSpPr>
             <a:cxnSpLocks/>
-            <a:stCxn id="46" idx="1"/>
-            <a:endCxn id="7" idx="3"/>
           </p:cNvCxnSpPr>
           <p:nvPr/>
         </p:nvCxnSpPr>
         <p:spPr>
-          <a:xfrm flipH="1">
-            <a:off x="6587057" y="2312099"/>
-            <a:ext cx="1756861" cy="113466"/>
+          <a:xfrm>
+            <a:off x="7659415" y="2580489"/>
+            <a:ext cx="0" cy="283513"/>
           </a:xfrm>
           <a:prstGeom prst="straightConnector1">
             <a:avLst/>
           </a:prstGeom>
-          <a:ln>
-            <a:tailEnd type="triangle"/>
-          </a:ln>
-        </p:spPr>
-        <p:style>
-          <a:lnRef idx="1">
-            <a:schemeClr val="accent1"/>
-          </a:lnRef>
-          <a:fillRef idx="0">
-            <a:schemeClr val="accent1"/>
-          </a:fillRef>
-          <a:effectRef idx="0">
-            <a:schemeClr val="accent1"/>
-          </a:effectRef>
-          <a:fontRef idx="minor">
-            <a:schemeClr val="tx1"/>
-          </a:fontRef>
-        </p:style>
-      </p:cxnSp>
-      <p:pic>
-        <p:nvPicPr>
-          <p:cNvPr id="51" name="Picture 4">
-            <a:extLst>
-              <a:ext uri="{FF2B5EF4-FFF2-40B4-BE49-F238E27FC236}">
-                <a16:creationId xmlns:a16="http://schemas.microsoft.com/office/drawing/2014/main" id="{14A6E48C-757C-1519-91E0-50450E2BAD5A}"/>
-              </a:ext>
-            </a:extLst>
-          </p:cNvPr>
-          <p:cNvPicPr>
-            <a:picLocks noChangeAspect="1" noChangeArrowheads="1"/>
-          </p:cNvPicPr>
-          <p:nvPr/>
-        </p:nvPicPr>
-        <p:blipFill>
-          <a:blip r:embed="rId9">
-            <a:extLst>
-              <a:ext uri="{28A0092B-C50C-407E-A947-70E740481C1C}">
-                <a14:useLocalDpi xmlns:a14="http://schemas.microsoft.com/office/drawing/2010/main" val="0"/>
-              </a:ext>
-            </a:extLst>
-          </a:blip>
-          <a:srcRect/>
-          <a:stretch>
-            <a:fillRect/>
-          </a:stretch>
-        </p:blipFill>
-        <p:spPr bwMode="auto">
-          <a:xfrm>
-            <a:off x="10185312" y="1509175"/>
-            <a:ext cx="257116" cy="257116"/>
-          </a:xfrm>
-          <a:prstGeom prst="rect">
-            <a:avLst/>
-          </a:prstGeom>
-          <a:noFill/>
-          <a:extLst>
-            <a:ext uri="{909E8E84-426E-40DD-AFC4-6F175D3DCCD1}">
-              <a14:hiddenFill xmlns:a14="http://schemas.microsoft.com/office/drawing/2010/main">
-                <a:solidFill>
-                  <a:srgbClr val="FFFFFF"/>
-                </a:solidFill>
-              </a14:hiddenFill>
-            </a:ext>
-          </a:extLst>
-        </p:spPr>
-      </p:pic>
-      <p:sp>
-        <p:nvSpPr>
-          <p:cNvPr id="52" name="TextBox 51">
-            <a:extLst>
-              <a:ext uri="{FF2B5EF4-FFF2-40B4-BE49-F238E27FC236}">
-                <a16:creationId xmlns:a16="http://schemas.microsoft.com/office/drawing/2014/main" id="{344C44A3-EF6F-2AA9-1014-BE3422FD0E42}"/>
-              </a:ext>
-            </a:extLst>
-          </p:cNvPr>
-          <p:cNvSpPr txBox="1"/>
-          <p:nvPr/>
-        </p:nvSpPr>
-        <p:spPr>
-          <a:xfrm>
-            <a:off x="10386509" y="1515979"/>
-            <a:ext cx="802249" cy="369332"/>
-          </a:xfrm>
-          <a:prstGeom prst="rect">
-            <a:avLst/>
-          </a:prstGeom>
-          <a:noFill/>
-        </p:spPr>
-        <p:txBody>
-          <a:bodyPr wrap="square" rtlCol="0">
-            <a:spAutoFit/>
-          </a:bodyPr>
-          <a:lstStyle/>
-          <a:p>
-            <a:r>
-              <a:rPr lang="en-US" sz="900" dirty="0">
-                <a:solidFill>
-                  <a:srgbClr val="002060"/>
-                </a:solidFill>
-              </a:rPr>
-              <a:t>Support team </a:t>
-            </a:r>
-            <a:endParaRPr lang="en-SG" sz="900" dirty="0">
-              <a:solidFill>
-                <a:srgbClr val="002060"/>
-              </a:solidFill>
-            </a:endParaRPr>
-          </a:p>
-        </p:txBody>
-      </p:sp>
-      <p:cxnSp>
-        <p:nvCxnSpPr>
-          <p:cNvPr id="54" name="Straight Arrow Connector 53">
-            <a:extLst>
-              <a:ext uri="{FF2B5EF4-FFF2-40B4-BE49-F238E27FC236}">
-                <a16:creationId xmlns:a16="http://schemas.microsoft.com/office/drawing/2014/main" id="{4DBCC5A5-2BF7-293F-3F65-DA1187384654}"/>
-              </a:ext>
-            </a:extLst>
-          </p:cNvPr>
-          <p:cNvCxnSpPr>
-            <a:cxnSpLocks/>
-            <a:stCxn id="51" idx="1"/>
-            <a:endCxn id="48" idx="3"/>
-          </p:cNvCxnSpPr>
-          <p:nvPr/>
-        </p:nvCxnSpPr>
-        <p:spPr>
-          <a:xfrm flipH="1">
-            <a:off x="9917064" y="1637733"/>
-            <a:ext cx="268248" cy="0"/>
-          </a:xfrm>
-          <a:prstGeom prst="straightConnector1">
-            <a:avLst/>
-          </a:prstGeom>
-          <a:ln>
-            <a:tailEnd type="triangle"/>
-          </a:ln>
-        </p:spPr>
-        <p:style>
-          <a:lnRef idx="1">
-            <a:schemeClr val="accent1"/>
-          </a:lnRef>
-          <a:fillRef idx="0">
-            <a:schemeClr val="accent1"/>
-          </a:fillRef>
-          <a:effectRef idx="0">
-            <a:schemeClr val="accent1"/>
-          </a:effectRef>
-          <a:fontRef idx="minor">
-            <a:schemeClr val="tx1"/>
-          </a:fontRef>
-        </p:style>
-      </p:cxnSp>
-      <p:cxnSp>
-        <p:nvCxnSpPr>
-          <p:cNvPr id="59" name="Straight Arrow Connector 58">
-            <a:extLst>
-              <a:ext uri="{FF2B5EF4-FFF2-40B4-BE49-F238E27FC236}">
-                <a16:creationId xmlns:a16="http://schemas.microsoft.com/office/drawing/2014/main" id="{F45913DD-8974-BD8E-BB8C-3FCDA7BBF93C}"/>
-              </a:ext>
-            </a:extLst>
-          </p:cNvPr>
-          <p:cNvCxnSpPr>
-            <a:cxnSpLocks/>
-            <a:stCxn id="46" idx="1"/>
-            <a:endCxn id="22" idx="3"/>
-          </p:cNvCxnSpPr>
-          <p:nvPr/>
-        </p:nvCxnSpPr>
-        <p:spPr>
-          <a:xfrm flipH="1">
-            <a:off x="6587057" y="2312099"/>
-            <a:ext cx="1756861" cy="2668204"/>
-          </a:xfrm>
-          <a:prstGeom prst="straightConnector1">
-            <a:avLst/>
-          </a:prstGeom>
-          <a:ln>
-            <a:tailEnd type="triangle"/>
-          </a:ln>
-        </p:spPr>
-        <p:style>
-          <a:lnRef idx="1">
-            <a:schemeClr val="accent1"/>
-          </a:lnRef>
-          <a:fillRef idx="0">
-            <a:schemeClr val="accent1"/>
-          </a:fillRef>
-          <a:effectRef idx="0">
-            <a:schemeClr val="accent1"/>
-          </a:effectRef>
-          <a:fontRef idx="minor">
-            <a:schemeClr val="tx1"/>
-          </a:fontRef>
-        </p:style>
-      </p:cxnSp>
-      <p:cxnSp>
-        <p:nvCxnSpPr>
-          <p:cNvPr id="62" name="Straight Arrow Connector 61">
-            <a:extLst>
-              <a:ext uri="{FF2B5EF4-FFF2-40B4-BE49-F238E27FC236}">
-                <a16:creationId xmlns:a16="http://schemas.microsoft.com/office/drawing/2014/main" id="{9681BBA1-8B00-7FEA-C77E-7CE87E5A44E8}"/>
-              </a:ext>
-            </a:extLst>
-          </p:cNvPr>
-          <p:cNvCxnSpPr>
-            <a:cxnSpLocks/>
-            <a:stCxn id="46" idx="1"/>
-            <a:endCxn id="17" idx="3"/>
-          </p:cNvCxnSpPr>
-          <p:nvPr/>
-        </p:nvCxnSpPr>
-        <p:spPr>
-          <a:xfrm flipH="1" flipV="1">
-            <a:off x="6900246" y="1729708"/>
-            <a:ext cx="1443672" cy="582391"/>
-          </a:xfrm>
-          <a:prstGeom prst="straightConnector1">
-            <a:avLst/>
-          </a:prstGeom>
-          <a:ln>
-            <a:tailEnd type="triangle"/>
-          </a:ln>
-        </p:spPr>
-        <p:style>
-          <a:lnRef idx="1">
-            <a:schemeClr val="accent1"/>
-          </a:lnRef>
-          <a:fillRef idx="0">
-            <a:schemeClr val="accent1"/>
-          </a:fillRef>
-          <a:effectRef idx="0">
-            <a:schemeClr val="accent1"/>
-          </a:effectRef>
-          <a:fontRef idx="minor">
-            <a:schemeClr val="tx1"/>
-          </a:fontRef>
-        </p:style>
-      </p:cxnSp>
-      <p:cxnSp>
-        <p:nvCxnSpPr>
-          <p:cNvPr id="65" name="Straight Arrow Connector 64">
-            <a:extLst>
-              <a:ext uri="{FF2B5EF4-FFF2-40B4-BE49-F238E27FC236}">
-                <a16:creationId xmlns:a16="http://schemas.microsoft.com/office/drawing/2014/main" id="{5E6699DF-5E0D-7CC9-FDFC-28CF4EF2BA69}"/>
-              </a:ext>
-            </a:extLst>
-          </p:cNvPr>
-          <p:cNvCxnSpPr>
-            <a:cxnSpLocks/>
-            <a:stCxn id="46" idx="1"/>
-            <a:endCxn id="30" idx="0"/>
-          </p:cNvCxnSpPr>
-          <p:nvPr/>
-        </p:nvCxnSpPr>
-        <p:spPr>
-          <a:xfrm flipH="1">
-            <a:off x="6777667" y="2312099"/>
-            <a:ext cx="1566251" cy="1849767"/>
-          </a:xfrm>
-          <a:prstGeom prst="straightConnector1">
-            <a:avLst/>
-          </a:prstGeom>
-          <a:ln>
-            <a:tailEnd type="triangle"/>
-          </a:ln>
-        </p:spPr>
-        <p:style>
-          <a:lnRef idx="1">
-            <a:schemeClr val="accent1"/>
-          </a:lnRef>
-          <a:fillRef idx="0">
-            <a:schemeClr val="accent1"/>
-          </a:fillRef>
-          <a:effectRef idx="0">
-            <a:schemeClr val="accent1"/>
-          </a:effectRef>
-          <a:fontRef idx="minor">
-            <a:schemeClr val="tx1"/>
-          </a:fontRef>
-        </p:style>
-      </p:cxnSp>
-      <p:pic>
-        <p:nvPicPr>
-          <p:cNvPr id="68" name="Picture 67">
-            <a:extLst>
-              <a:ext uri="{FF2B5EF4-FFF2-40B4-BE49-F238E27FC236}">
-                <a16:creationId xmlns:a16="http://schemas.microsoft.com/office/drawing/2014/main" id="{29FF720B-4ABE-1788-A77C-16B97133039D}"/>
-              </a:ext>
-            </a:extLst>
-          </p:cNvPr>
-          <p:cNvPicPr>
-            <a:picLocks noChangeAspect="1"/>
-          </p:cNvPicPr>
-          <p:nvPr/>
-        </p:nvPicPr>
-        <p:blipFill>
-          <a:blip r:embed="rId4"/>
-          <a:stretch>
-            <a:fillRect/>
-          </a:stretch>
-        </p:blipFill>
-        <p:spPr>
-          <a:xfrm>
-            <a:off x="8363105" y="4735373"/>
-            <a:ext cx="324268" cy="324268"/>
-          </a:xfrm>
-          <a:prstGeom prst="rect">
-            <a:avLst/>
-          </a:prstGeom>
-          <a:ln w="12700">
+          <a:ln w="19050">
             <a:solidFill>
-              <a:schemeClr val="tx1"/>
+              <a:schemeClr val="accent2">
+                <a:lumMod val="75000"/>
+              </a:schemeClr>
             </a:solidFill>
-          </a:ln>
-        </p:spPr>
-      </p:pic>
-      <p:sp>
-        <p:nvSpPr>
-          <p:cNvPr id="69" name="TextBox 68">
-            <a:extLst>
-              <a:ext uri="{FF2B5EF4-FFF2-40B4-BE49-F238E27FC236}">
-                <a16:creationId xmlns:a16="http://schemas.microsoft.com/office/drawing/2014/main" id="{B7F0E30B-8DB8-D30B-9782-093ECBA42164}"/>
-              </a:ext>
-            </a:extLst>
-          </p:cNvPr>
-          <p:cNvSpPr txBox="1"/>
-          <p:nvPr/>
-        </p:nvSpPr>
-        <p:spPr>
-          <a:xfrm>
-            <a:off x="8687373" y="4798031"/>
-            <a:ext cx="1135067" cy="261610"/>
-          </a:xfrm>
-          <a:prstGeom prst="rect">
-            <a:avLst/>
-          </a:prstGeom>
-          <a:noFill/>
-        </p:spPr>
-        <p:txBody>
-          <a:bodyPr wrap="square" rtlCol="0">
-            <a:spAutoFit/>
-          </a:bodyPr>
-          <a:lstStyle/>
-          <a:p>
-            <a:r>
-              <a:rPr lang="en-US" sz="1100" dirty="0">
-                <a:solidFill>
-                  <a:srgbClr val="002060"/>
-                </a:solidFill>
-              </a:rPr>
-              <a:t>Probe-Agent</a:t>
-            </a:r>
-            <a:endParaRPr lang="en-SG" sz="1100" dirty="0">
-              <a:solidFill>
-                <a:srgbClr val="002060"/>
-              </a:solidFill>
-            </a:endParaRPr>
-          </a:p>
-        </p:txBody>
-      </p:sp>
-      <p:cxnSp>
-        <p:nvCxnSpPr>
-          <p:cNvPr id="71" name="Straight Arrow Connector 70">
-            <a:extLst>
-              <a:ext uri="{FF2B5EF4-FFF2-40B4-BE49-F238E27FC236}">
-                <a16:creationId xmlns:a16="http://schemas.microsoft.com/office/drawing/2014/main" id="{6E7E8772-6E8B-65A0-04E0-C28B95AC1848}"/>
-              </a:ext>
-            </a:extLst>
-          </p:cNvPr>
-          <p:cNvCxnSpPr>
-            <a:cxnSpLocks/>
-            <a:endCxn id="47" idx="2"/>
-          </p:cNvCxnSpPr>
-          <p:nvPr/>
-        </p:nvCxnSpPr>
-        <p:spPr>
-          <a:xfrm flipV="1">
-            <a:off x="8560635" y="1919867"/>
-            <a:ext cx="1" cy="215298"/>
-          </a:xfrm>
-          <a:prstGeom prst="straightConnector1">
-            <a:avLst/>
-          </a:prstGeom>
-          <a:ln w="28575">
             <a:tailEnd type="triangle"/>
           </a:ln>
         </p:spPr>
@@ -5423,28 +6650,165 @@
       </p:cxnSp>
       <p:cxnSp>
         <p:nvCxnSpPr>
-          <p:cNvPr id="77" name="Straight Arrow Connector 76">
-            <a:extLst>
-              <a:ext uri="{FF2B5EF4-FFF2-40B4-BE49-F238E27FC236}">
-                <a16:creationId xmlns:a16="http://schemas.microsoft.com/office/drawing/2014/main" id="{2A52A9AB-2B01-E4CB-7B47-98561E427B1B}"/>
+          <p:cNvPr id="188" name="Connector: Elbow 187">
+            <a:extLst>
+              <a:ext uri="{FF2B5EF4-FFF2-40B4-BE49-F238E27FC236}">
+                <a16:creationId xmlns:a16="http://schemas.microsoft.com/office/drawing/2014/main" id="{F75880FD-403F-A3E1-317B-FA66D716F2C9}"/>
               </a:ext>
             </a:extLst>
           </p:cNvPr>
           <p:cNvCxnSpPr>
             <a:cxnSpLocks/>
-            <a:endCxn id="48" idx="1"/>
+            <a:stCxn id="172" idx="2"/>
+            <a:endCxn id="185" idx="0"/>
           </p:cNvCxnSpPr>
           <p:nvPr/>
         </p:nvCxnSpPr>
         <p:spPr>
-          <a:xfrm>
-            <a:off x="8799379" y="1631395"/>
-            <a:ext cx="193589" cy="6338"/>
+          <a:xfrm rot="16200000" flipH="1">
+            <a:off x="8457888" y="2256458"/>
+            <a:ext cx="285470" cy="967181"/>
+          </a:xfrm>
+          <a:prstGeom prst="bentConnector3">
+            <a:avLst>
+              <a:gd name="adj1" fmla="val 50000"/>
+            </a:avLst>
+          </a:prstGeom>
+          <a:ln w="19050">
+            <a:solidFill>
+              <a:schemeClr val="accent2">
+                <a:lumMod val="75000"/>
+              </a:schemeClr>
+            </a:solidFill>
+            <a:tailEnd type="triangle"/>
+          </a:ln>
+        </p:spPr>
+        <p:style>
+          <a:lnRef idx="1">
+            <a:schemeClr val="accent1"/>
+          </a:lnRef>
+          <a:fillRef idx="0">
+            <a:schemeClr val="accent1"/>
+          </a:fillRef>
+          <a:effectRef idx="0">
+            <a:schemeClr val="accent1"/>
+          </a:effectRef>
+          <a:fontRef idx="minor">
+            <a:schemeClr val="tx1"/>
+          </a:fontRef>
+        </p:style>
+      </p:cxnSp>
+      <p:pic>
+        <p:nvPicPr>
+          <p:cNvPr id="193" name="Picture 192">
+            <a:extLst>
+              <a:ext uri="{FF2B5EF4-FFF2-40B4-BE49-F238E27FC236}">
+                <a16:creationId xmlns:a16="http://schemas.microsoft.com/office/drawing/2014/main" id="{7A8B5211-A1E4-D71F-3924-791A5EF80B1B}"/>
+              </a:ext>
+            </a:extLst>
+          </p:cNvPr>
+          <p:cNvPicPr>
+            <a:picLocks noChangeAspect="1"/>
+          </p:cNvPicPr>
+          <p:nvPr/>
+        </p:nvPicPr>
+        <p:blipFill>
+          <a:blip r:embed="rId16">
+            <a:extLst>
+              <a:ext uri="{28A0092B-C50C-407E-A947-70E740481C1C}">
+                <a14:useLocalDpi xmlns:a14="http://schemas.microsoft.com/office/drawing/2010/main" val="0"/>
+              </a:ext>
+            </a:extLst>
+          </a:blip>
+          <a:stretch>
+            <a:fillRect/>
+          </a:stretch>
+        </p:blipFill>
+        <p:spPr>
+          <a:xfrm>
+            <a:off x="5945684" y="3886368"/>
+            <a:ext cx="2446921" cy="1315220"/>
+          </a:xfrm>
+          <a:prstGeom prst="rect">
+            <a:avLst/>
+          </a:prstGeom>
+        </p:spPr>
+      </p:pic>
+      <p:pic>
+        <p:nvPicPr>
+          <p:cNvPr id="194" name="Picture 4">
+            <a:extLst>
+              <a:ext uri="{FF2B5EF4-FFF2-40B4-BE49-F238E27FC236}">
+                <a16:creationId xmlns:a16="http://schemas.microsoft.com/office/drawing/2014/main" id="{F68E5A1E-F7B5-91BA-9055-5BB0833BCC92}"/>
+              </a:ext>
+            </a:extLst>
+          </p:cNvPr>
+          <p:cNvPicPr>
+            <a:picLocks noChangeAspect="1" noChangeArrowheads="1"/>
+          </p:cNvPicPr>
+          <p:nvPr/>
+        </p:nvPicPr>
+        <p:blipFill>
+          <a:blip r:embed="rId17">
+            <a:extLst>
+              <a:ext uri="{28A0092B-C50C-407E-A947-70E740481C1C}">
+                <a14:useLocalDpi xmlns:a14="http://schemas.microsoft.com/office/drawing/2010/main" val="0"/>
+              </a:ext>
+            </a:extLst>
+          </a:blip>
+          <a:srcRect/>
+          <a:stretch>
+            <a:fillRect/>
+          </a:stretch>
+        </p:blipFill>
+        <p:spPr bwMode="auto">
+          <a:xfrm>
+            <a:off x="9162266" y="5182642"/>
+            <a:ext cx="410339" cy="410339"/>
+          </a:xfrm>
+          <a:prstGeom prst="rect">
+            <a:avLst/>
+          </a:prstGeom>
+          <a:noFill/>
+          <a:extLst>
+            <a:ext uri="{909E8E84-426E-40DD-AFC4-6F175D3DCCD1}">
+              <a14:hiddenFill xmlns:a14="http://schemas.microsoft.com/office/drawing/2010/main">
+                <a:solidFill>
+                  <a:srgbClr val="FFFFFF"/>
+                </a:solidFill>
+              </a14:hiddenFill>
+            </a:ext>
+          </a:extLst>
+        </p:spPr>
+      </p:pic>
+      <p:cxnSp>
+        <p:nvCxnSpPr>
+          <p:cNvPr id="195" name="Straight Arrow Connector 194">
+            <a:extLst>
+              <a:ext uri="{FF2B5EF4-FFF2-40B4-BE49-F238E27FC236}">
+                <a16:creationId xmlns:a16="http://schemas.microsoft.com/office/drawing/2014/main" id="{3D0B8ACB-3546-8DCF-E74B-1E83F7EAC103}"/>
+              </a:ext>
+            </a:extLst>
+          </p:cNvPr>
+          <p:cNvCxnSpPr>
+            <a:cxnSpLocks/>
+          </p:cNvCxnSpPr>
+          <p:nvPr/>
+        </p:nvCxnSpPr>
+        <p:spPr>
+          <a:xfrm>
+            <a:off x="7659641" y="3296635"/>
+            <a:ext cx="0" cy="572535"/>
           </a:xfrm>
           <a:prstGeom prst="straightConnector1">
             <a:avLst/>
           </a:prstGeom>
-          <a:ln w="28575">
+          <a:ln w="19050">
+            <a:solidFill>
+              <a:schemeClr val="accent2">
+                <a:lumMod val="75000"/>
+              </a:schemeClr>
+            </a:solidFill>
             <a:tailEnd type="triangle"/>
           </a:ln>
         </p:spPr>
@@ -5465,10 +6829,10 @@
       </p:cxnSp>
       <p:sp>
         <p:nvSpPr>
-          <p:cNvPr id="80" name="TextBox 79">
-            <a:extLst>
-              <a:ext uri="{FF2B5EF4-FFF2-40B4-BE49-F238E27FC236}">
-                <a16:creationId xmlns:a16="http://schemas.microsoft.com/office/drawing/2014/main" id="{B1E9EB72-DB76-40FF-8AEC-88DF8AEA5601}"/>
+          <p:cNvPr id="197" name="TextBox 196">
+            <a:extLst>
+              <a:ext uri="{FF2B5EF4-FFF2-40B4-BE49-F238E27FC236}">
+                <a16:creationId xmlns:a16="http://schemas.microsoft.com/office/drawing/2014/main" id="{6971FB3C-573E-380B-CF69-6FAA78C892EE}"/>
               </a:ext>
             </a:extLst>
           </p:cNvPr>
@@ -5477,8 +6841,8 @@
         </p:nvSpPr>
         <p:spPr>
           <a:xfrm>
-            <a:off x="5350339" y="4768232"/>
-            <a:ext cx="1022841" cy="430887"/>
+            <a:off x="6122281" y="5484731"/>
+            <a:ext cx="1537134" cy="261610"/>
           </a:xfrm>
           <a:prstGeom prst="rect">
             <a:avLst/>
@@ -5492,45 +6856,113 @@
           <a:lstStyle/>
           <a:p>
             <a:r>
-              <a:rPr lang="en-US" sz="1100" dirty="0" err="1">
+              <a:rPr lang="en-US" sz="1100" b="1" dirty="0">
                 <a:solidFill>
-                  <a:srgbClr val="002060"/>
+                  <a:schemeClr val="accent2">
+                    <a:lumMod val="75000"/>
+                  </a:schemeClr>
                 </a:solidFill>
               </a:rPr>
-              <a:t>Cpu</a:t>
-            </a:r>
-            <a:r>
-              <a:rPr lang="en-US" sz="1100" dirty="0">
-                <a:solidFill>
-                  <a:srgbClr val="002060"/>
-                </a:solidFill>
-              </a:rPr>
-              <a:t>%, Ram%</a:t>
-            </a:r>
-          </a:p>
-          <a:p>
-            <a:r>
-              <a:rPr lang="en-US" sz="1100" dirty="0">
-                <a:solidFill>
-                  <a:srgbClr val="002060"/>
-                </a:solidFill>
-              </a:rPr>
-              <a:t>Ping Google</a:t>
-            </a:r>
-            <a:endParaRPr lang="en-SG" sz="1100" dirty="0">
+              <a:t>Monitor Dashboards </a:t>
+            </a:r>
+            <a:endParaRPr lang="en-SG" sz="1100" b="1" dirty="0">
               <a:solidFill>
-                <a:srgbClr val="002060"/>
+                <a:schemeClr val="accent2">
+                  <a:lumMod val="75000"/>
+                </a:schemeClr>
               </a:solidFill>
             </a:endParaRPr>
           </a:p>
         </p:txBody>
       </p:sp>
-      <p:sp>
-        <p:nvSpPr>
-          <p:cNvPr id="81" name="TextBox 80">
-            <a:extLst>
-              <a:ext uri="{FF2B5EF4-FFF2-40B4-BE49-F238E27FC236}">
-                <a16:creationId xmlns:a16="http://schemas.microsoft.com/office/drawing/2014/main" id="{FA5B34D0-EEB6-2D6D-1983-D651312B1A62}"/>
+      <p:pic>
+        <p:nvPicPr>
+          <p:cNvPr id="198" name="Picture 197" descr="A screenshot of a text message&#10;&#10;Description automatically generated with medium confidence">
+            <a:extLst>
+              <a:ext uri="{FF2B5EF4-FFF2-40B4-BE49-F238E27FC236}">
+                <a16:creationId xmlns:a16="http://schemas.microsoft.com/office/drawing/2014/main" id="{B929EB22-B24D-7422-C828-1BB3C07C4469}"/>
+              </a:ext>
+            </a:extLst>
+          </p:cNvPr>
+          <p:cNvPicPr>
+            <a:picLocks noChangeAspect="1"/>
+          </p:cNvPicPr>
+          <p:nvPr/>
+        </p:nvPicPr>
+        <p:blipFill>
+          <a:blip r:embed="rId18">
+            <a:extLst>
+              <a:ext uri="{28A0092B-C50C-407E-A947-70E740481C1C}">
+                <a14:useLocalDpi xmlns:a14="http://schemas.microsoft.com/office/drawing/2010/main" val="0"/>
+              </a:ext>
+            </a:extLst>
+          </a:blip>
+          <a:stretch>
+            <a:fillRect/>
+          </a:stretch>
+        </p:blipFill>
+        <p:spPr>
+          <a:xfrm>
+            <a:off x="9131014" y="3634097"/>
+            <a:ext cx="586565" cy="1269062"/>
+          </a:xfrm>
+          <a:prstGeom prst="rect">
+            <a:avLst/>
+          </a:prstGeom>
+          <a:ln w="12700">
+            <a:solidFill>
+              <a:schemeClr val="tx1"/>
+            </a:solidFill>
+          </a:ln>
+        </p:spPr>
+      </p:pic>
+      <p:pic>
+        <p:nvPicPr>
+          <p:cNvPr id="199" name="Picture 198" descr="A screenshot of a computer&#10;&#10;Description automatically generated with medium confidence">
+            <a:extLst>
+              <a:ext uri="{FF2B5EF4-FFF2-40B4-BE49-F238E27FC236}">
+                <a16:creationId xmlns:a16="http://schemas.microsoft.com/office/drawing/2014/main" id="{EE9CD757-D26C-AB3C-7DE1-07DBB0F8DAB3}"/>
+              </a:ext>
+            </a:extLst>
+          </p:cNvPr>
+          <p:cNvPicPr>
+            <a:picLocks noChangeAspect="1"/>
+          </p:cNvPicPr>
+          <p:nvPr/>
+        </p:nvPicPr>
+        <p:blipFill>
+          <a:blip r:embed="rId19">
+            <a:extLst>
+              <a:ext uri="{28A0092B-C50C-407E-A947-70E740481C1C}">
+                <a14:useLocalDpi xmlns:a14="http://schemas.microsoft.com/office/drawing/2010/main" val="0"/>
+              </a:ext>
+            </a:extLst>
+          </a:blip>
+          <a:stretch>
+            <a:fillRect/>
+          </a:stretch>
+        </p:blipFill>
+        <p:spPr>
+          <a:xfrm>
+            <a:off x="6303832" y="4187997"/>
+            <a:ext cx="2319952" cy="1256640"/>
+          </a:xfrm>
+          <a:prstGeom prst="rect">
+            <a:avLst/>
+          </a:prstGeom>
+          <a:ln w="3175">
+            <a:solidFill>
+              <a:schemeClr val="tx1"/>
+            </a:solidFill>
+          </a:ln>
+        </p:spPr>
+      </p:pic>
+      <p:sp>
+        <p:nvSpPr>
+          <p:cNvPr id="200" name="TextBox 199">
+            <a:extLst>
+              <a:ext uri="{FF2B5EF4-FFF2-40B4-BE49-F238E27FC236}">
+                <a16:creationId xmlns:a16="http://schemas.microsoft.com/office/drawing/2014/main" id="{1C63026E-058A-5168-C4EF-92E7AEBF046A}"/>
               </a:ext>
             </a:extLst>
           </p:cNvPr>
@@ -5539,8 +6971,8 @@
         </p:nvSpPr>
         <p:spPr>
           <a:xfrm>
-            <a:off x="5355866" y="2178819"/>
-            <a:ext cx="1022841" cy="430887"/>
+            <a:off x="9083120" y="3356274"/>
+            <a:ext cx="1174073" cy="261610"/>
           </a:xfrm>
           <a:prstGeom prst="rect">
             <a:avLst/>
@@ -5554,171 +6986,56 @@
           <a:lstStyle/>
           <a:p>
             <a:r>
-              <a:rPr lang="en-US" sz="1100" dirty="0" err="1">
+              <a:rPr lang="en-US" sz="1100" b="1" dirty="0">
                 <a:solidFill>
-                  <a:srgbClr val="002060"/>
+                  <a:schemeClr val="accent2">
+                    <a:lumMod val="75000"/>
+                  </a:schemeClr>
                 </a:solidFill>
               </a:rPr>
-              <a:t>Cpu</a:t>
-            </a:r>
-            <a:r>
-              <a:rPr lang="en-US" sz="1100" dirty="0">
-                <a:solidFill>
-                  <a:srgbClr val="002060"/>
-                </a:solidFill>
-              </a:rPr>
-              <a:t>%, Ram%</a:t>
-            </a:r>
-          </a:p>
-          <a:p>
-            <a:r>
-              <a:rPr lang="en-US" sz="1100" dirty="0">
-                <a:solidFill>
-                  <a:srgbClr val="002060"/>
-                </a:solidFill>
-              </a:rPr>
-              <a:t>Ping Google</a:t>
-            </a:r>
-            <a:endParaRPr lang="en-SG" sz="1100" dirty="0">
+              <a:t>Telegram Group</a:t>
+            </a:r>
+            <a:endParaRPr lang="en-SG" sz="1100" b="1" dirty="0">
               <a:solidFill>
-                <a:srgbClr val="002060"/>
+                <a:schemeClr val="accent2">
+                  <a:lumMod val="75000"/>
+                </a:schemeClr>
               </a:solidFill>
             </a:endParaRPr>
           </a:p>
         </p:txBody>
       </p:sp>
-      <p:sp>
-        <p:nvSpPr>
-          <p:cNvPr id="82" name="TextBox 81">
-            <a:extLst>
-              <a:ext uri="{FF2B5EF4-FFF2-40B4-BE49-F238E27FC236}">
-                <a16:creationId xmlns:a16="http://schemas.microsoft.com/office/drawing/2014/main" id="{1FAF9C59-FEDE-6A3C-C736-091CDDB35654}"/>
-              </a:ext>
-            </a:extLst>
-          </p:cNvPr>
-          <p:cNvSpPr txBox="1"/>
-          <p:nvPr/>
-        </p:nvSpPr>
-        <p:spPr>
-          <a:xfrm>
-            <a:off x="7348281" y="2368832"/>
-            <a:ext cx="1022841" cy="523220"/>
-          </a:xfrm>
-          <a:prstGeom prst="rect">
-            <a:avLst/>
-          </a:prstGeom>
-          <a:noFill/>
-        </p:spPr>
-        <p:txBody>
-          <a:bodyPr wrap="square" rtlCol="0">
-            <a:spAutoFit/>
-          </a:bodyPr>
-          <a:lstStyle/>
-          <a:p>
-            <a:r>
-              <a:rPr lang="en-US" sz="1400" b="1" dirty="0">
-                <a:ln w="0"/>
-                <a:effectLst>
-                  <a:outerShdw blurRad="38100" dist="19050" dir="2700000" algn="tl" rotWithShape="0">
-                    <a:schemeClr val="dk1">
-                      <a:alpha val="40000"/>
-                    </a:schemeClr>
-                  </a:outerShdw>
-                </a:effectLst>
-              </a:rPr>
-              <a:t>Data fetch requests</a:t>
-            </a:r>
-            <a:endParaRPr lang="en-SG" sz="1400" b="1" dirty="0">
-              <a:ln w="0"/>
-              <a:effectLst>
-                <a:outerShdw blurRad="38100" dist="19050" dir="2700000" algn="tl" rotWithShape="0">
-                  <a:schemeClr val="dk1">
-                    <a:alpha val="40000"/>
-                  </a:schemeClr>
-                </a:outerShdw>
-              </a:effectLst>
-            </a:endParaRPr>
-          </a:p>
-        </p:txBody>
-      </p:sp>
-      <p:sp>
-        <p:nvSpPr>
-          <p:cNvPr id="83" name="Cloud 82">
-            <a:extLst>
-              <a:ext uri="{FF2B5EF4-FFF2-40B4-BE49-F238E27FC236}">
-                <a16:creationId xmlns:a16="http://schemas.microsoft.com/office/drawing/2014/main" id="{D0AC0E69-6995-B54A-6FCF-66E52C5A991A}"/>
-              </a:ext>
-            </a:extLst>
-          </p:cNvPr>
-          <p:cNvSpPr/>
-          <p:nvPr/>
-        </p:nvSpPr>
-        <p:spPr>
-          <a:xfrm>
-            <a:off x="3219431" y="547746"/>
-            <a:ext cx="1275450" cy="370408"/>
-          </a:xfrm>
-          <a:prstGeom prst="cloud">
-            <a:avLst/>
-          </a:prstGeom>
-        </p:spPr>
-        <p:style>
-          <a:lnRef idx="2">
-            <a:schemeClr val="accent1">
-              <a:shade val="15000"/>
-            </a:schemeClr>
-          </a:lnRef>
-          <a:fillRef idx="1">
-            <a:schemeClr val="accent1"/>
-          </a:fillRef>
-          <a:effectRef idx="0">
-            <a:schemeClr val="accent1"/>
-          </a:effectRef>
-          <a:fontRef idx="minor">
-            <a:schemeClr val="lt1"/>
-          </a:fontRef>
-        </p:style>
-        <p:txBody>
-          <a:bodyPr rtlCol="0" anchor="ctr"/>
-          <a:lstStyle/>
-          <a:p>
-            <a:pPr algn="ctr"/>
-            <a:r>
-              <a:rPr lang="en-US" sz="1400" dirty="0"/>
-              <a:t>Internet</a:t>
-            </a:r>
-            <a:r>
-              <a:rPr lang="en-US" dirty="0"/>
-              <a:t> </a:t>
-            </a:r>
-            <a:endParaRPr lang="en-SG" dirty="0"/>
-          </a:p>
-        </p:txBody>
-      </p:sp>
       <p:cxnSp>
         <p:nvCxnSpPr>
-          <p:cNvPr id="84" name="Straight Connector 83">
-            <a:extLst>
-              <a:ext uri="{FF2B5EF4-FFF2-40B4-BE49-F238E27FC236}">
-                <a16:creationId xmlns:a16="http://schemas.microsoft.com/office/drawing/2014/main" id="{EF63F861-C03C-19BB-D4E3-AE4D04458B0C}"/>
+          <p:cNvPr id="201" name="Connector: Elbow 200">
+            <a:extLst>
+              <a:ext uri="{FF2B5EF4-FFF2-40B4-BE49-F238E27FC236}">
+                <a16:creationId xmlns:a16="http://schemas.microsoft.com/office/drawing/2014/main" id="{94A93BB9-7E1D-8F76-41E5-3A9980500CF5}"/>
               </a:ext>
             </a:extLst>
           </p:cNvPr>
           <p:cNvCxnSpPr>
             <a:cxnSpLocks/>
-            <a:endCxn id="4" idx="0"/>
+            <a:endCxn id="198" idx="1"/>
           </p:cNvCxnSpPr>
           <p:nvPr/>
         </p:nvCxnSpPr>
         <p:spPr>
-          <a:xfrm>
-            <a:off x="3769021" y="914051"/>
-            <a:ext cx="1" cy="281768"/>
-          </a:xfrm>
-          <a:prstGeom prst="line">
-            <a:avLst/>
-          </a:prstGeom>
-          <a:ln w="28575"/>
+          <a:xfrm rot="16200000" flipH="1">
+            <a:off x="8503549" y="3641162"/>
+            <a:ext cx="964027" cy="290904"/>
+          </a:xfrm>
+          <a:prstGeom prst="bentConnector2">
+            <a:avLst/>
+          </a:prstGeom>
+          <a:ln w="19050">
+            <a:solidFill>
+              <a:schemeClr val="accent2">
+                <a:lumMod val="75000"/>
+              </a:schemeClr>
+            </a:solidFill>
+            <a:tailEnd type="triangle"/>
+          </a:ln>
         </p:spPr>
         <p:style>
           <a:lnRef idx="1">
@@ -5737,40 +7054,45 @@
       </p:cxnSp>
       <p:cxnSp>
         <p:nvCxnSpPr>
-          <p:cNvPr id="86" name="Straight Arrow Connector 85">
-            <a:extLst>
-              <a:ext uri="{FF2B5EF4-FFF2-40B4-BE49-F238E27FC236}">
-                <a16:creationId xmlns:a16="http://schemas.microsoft.com/office/drawing/2014/main" id="{CD3C6FE9-63FA-4A84-6A57-BCBB9A53EE72}"/>
+          <p:cNvPr id="204" name="Straight Arrow Connector 203">
+            <a:extLst>
+              <a:ext uri="{FF2B5EF4-FFF2-40B4-BE49-F238E27FC236}">
+                <a16:creationId xmlns:a16="http://schemas.microsoft.com/office/drawing/2014/main" id="{8950ECD7-2C2F-5D94-A0E2-A8F7958AFE00}"/>
               </a:ext>
             </a:extLst>
           </p:cNvPr>
           <p:cNvCxnSpPr>
             <a:cxnSpLocks/>
-            <a:stCxn id="46" idx="1"/>
+            <a:endCxn id="194" idx="0"/>
           </p:cNvCxnSpPr>
           <p:nvPr/>
         </p:nvCxnSpPr>
         <p:spPr>
           <a:xfrm flipH="1">
-            <a:off x="6534976" y="2312099"/>
-            <a:ext cx="1808942" cy="1024560"/>
+            <a:off x="9367436" y="4925844"/>
+            <a:ext cx="0" cy="256798"/>
           </a:xfrm>
           <a:prstGeom prst="straightConnector1">
             <a:avLst/>
           </a:prstGeom>
-          <a:ln>
+          <a:ln w="19050">
+            <a:solidFill>
+              <a:schemeClr val="accent2">
+                <a:lumMod val="75000"/>
+              </a:schemeClr>
+            </a:solidFill>
             <a:tailEnd type="triangle"/>
           </a:ln>
         </p:spPr>
         <p:style>
           <a:lnRef idx="1">
-            <a:schemeClr val="accent1"/>
+            <a:schemeClr val="dk1"/>
           </a:lnRef>
           <a:fillRef idx="0">
-            <a:schemeClr val="accent1"/>
+            <a:schemeClr val="dk1"/>
           </a:fillRef>
           <a:effectRef idx="0">
-            <a:schemeClr val="accent1"/>
+            <a:schemeClr val="dk1"/>
           </a:effectRef>
           <a:fontRef idx="minor">
             <a:schemeClr val="tx1"/>
@@ -5779,51 +7101,132 @@
       </p:cxnSp>
       <p:cxnSp>
         <p:nvCxnSpPr>
-          <p:cNvPr id="89" name="Straight Arrow Connector 88">
-            <a:extLst>
-              <a:ext uri="{FF2B5EF4-FFF2-40B4-BE49-F238E27FC236}">
-                <a16:creationId xmlns:a16="http://schemas.microsoft.com/office/drawing/2014/main" id="{39977D63-A1CC-1CFC-A6D6-A523FBD2C2DA}"/>
+          <p:cNvPr id="206" name="Straight Arrow Connector 205">
+            <a:extLst>
+              <a:ext uri="{FF2B5EF4-FFF2-40B4-BE49-F238E27FC236}">
+                <a16:creationId xmlns:a16="http://schemas.microsoft.com/office/drawing/2014/main" id="{7EA4F1CE-9D3A-B9DF-CDE8-0CD70AE1DF84}"/>
               </a:ext>
             </a:extLst>
           </p:cNvPr>
           <p:cNvCxnSpPr>
             <a:cxnSpLocks/>
-            <a:stCxn id="46" idx="1"/>
-            <a:endCxn id="35" idx="3"/>
           </p:cNvCxnSpPr>
           <p:nvPr/>
         </p:nvCxnSpPr>
         <p:spPr>
-          <a:xfrm flipH="1">
-            <a:off x="6339567" y="2312099"/>
-            <a:ext cx="2004351" cy="557072"/>
+          <a:xfrm>
+            <a:off x="8674578" y="5356152"/>
+            <a:ext cx="485472" cy="0"/>
           </a:xfrm>
           <a:prstGeom prst="straightConnector1">
             <a:avLst/>
           </a:prstGeom>
-          <a:ln>
+          <a:ln w="19050">
+            <a:solidFill>
+              <a:schemeClr val="accent2">
+                <a:lumMod val="75000"/>
+              </a:schemeClr>
+            </a:solidFill>
             <a:tailEnd type="triangle"/>
           </a:ln>
         </p:spPr>
         <p:style>
           <a:lnRef idx="1">
-            <a:schemeClr val="accent1"/>
+            <a:schemeClr val="dk1"/>
           </a:lnRef>
           <a:fillRef idx="0">
-            <a:schemeClr val="accent1"/>
+            <a:schemeClr val="dk1"/>
           </a:fillRef>
           <a:effectRef idx="0">
-            <a:schemeClr val="accent1"/>
+            <a:schemeClr val="dk1"/>
           </a:effectRef>
           <a:fontRef idx="minor">
             <a:schemeClr val="tx1"/>
           </a:fontRef>
         </p:style>
       </p:cxnSp>
+      <p:sp>
+        <p:nvSpPr>
+          <p:cNvPr id="208" name="TextBox 207">
+            <a:extLst>
+              <a:ext uri="{FF2B5EF4-FFF2-40B4-BE49-F238E27FC236}">
+                <a16:creationId xmlns:a16="http://schemas.microsoft.com/office/drawing/2014/main" id="{3357393C-9087-2291-5018-0B832FB0AF20}"/>
+              </a:ext>
+            </a:extLst>
+          </p:cNvPr>
+          <p:cNvSpPr txBox="1"/>
+          <p:nvPr/>
+        </p:nvSpPr>
+        <p:spPr>
+          <a:xfrm>
+            <a:off x="8410181" y="5477036"/>
+            <a:ext cx="1738282" cy="261610"/>
+          </a:xfrm>
+          <a:prstGeom prst="rect">
+            <a:avLst/>
+          </a:prstGeom>
+          <a:noFill/>
+        </p:spPr>
+        <p:txBody>
+          <a:bodyPr wrap="square" rtlCol="0">
+            <a:spAutoFit/>
+          </a:bodyPr>
+          <a:lstStyle/>
+          <a:p>
+            <a:r>
+              <a:rPr lang="en-US" sz="1100" b="1" dirty="0">
+                <a:solidFill>
+                  <a:schemeClr val="accent2">
+                    <a:lumMod val="75000"/>
+                  </a:schemeClr>
+                </a:solidFill>
+              </a:rPr>
+              <a:t>Admin and Support Team</a:t>
+            </a:r>
+            <a:endParaRPr lang="en-SG" sz="1100" b="1" dirty="0">
+              <a:solidFill>
+                <a:schemeClr val="accent2">
+                  <a:lumMod val="75000"/>
+                </a:schemeClr>
+              </a:solidFill>
+            </a:endParaRPr>
+          </a:p>
+        </p:txBody>
+      </p:sp>
     </p:spTree>
     <p:extLst>
       <p:ext uri="{BB962C8B-B14F-4D97-AF65-F5344CB8AC3E}">
         <p14:creationId xmlns:p14="http://schemas.microsoft.com/office/powerpoint/2010/main" val="1575446315"/>
+      </p:ext>
+    </p:extLst>
+  </p:cSld>
+  <p:clrMapOvr>
+    <a:masterClrMapping/>
+  </p:clrMapOvr>
+</p:sld>
+</file>
+
+<file path=ppt/slides/slide2.xml><?xml version="1.0" encoding="utf-8"?>
+<p:sld xmlns:a="http://schemas.openxmlformats.org/drawingml/2006/main" xmlns:r="http://schemas.openxmlformats.org/officeDocument/2006/relationships" xmlns:p="http://schemas.openxmlformats.org/presentationml/2006/main">
+  <p:cSld>
+    <p:spTree>
+      <p:nvGrpSpPr>
+        <p:cNvPr id="1" name=""/>
+        <p:cNvGrpSpPr/>
+        <p:nvPr/>
+      </p:nvGrpSpPr>
+      <p:grpSpPr>
+        <a:xfrm>
+          <a:off x="0" y="0"/>
+          <a:ext cx="0" cy="0"/>
+          <a:chOff x="0" y="0"/>
+          <a:chExt cx="0" cy="0"/>
+        </a:xfrm>
+      </p:grpSpPr>
+    </p:spTree>
+    <p:extLst>
+      <p:ext uri="{BB962C8B-B14F-4D97-AF65-F5344CB8AC3E}">
+        <p14:creationId xmlns:p14="http://schemas.microsoft.com/office/powerpoint/2010/main" val="4219724404"/>
       </p:ext>
     </p:extLst>
   </p:cSld>

--- a/doc/designDoc.pptx
+++ b/doc/designDoc.pptx
@@ -4,9 +4,13 @@
   <p:sldMasterIdLst>
     <p:sldMasterId id="2147483648" r:id="rId1"/>
   </p:sldMasterIdLst>
+  <p:notesMasterIdLst>
+    <p:notesMasterId r:id="rId5"/>
+  </p:notesMasterIdLst>
   <p:sldIdLst>
     <p:sldId id="256" r:id="rId2"/>
-    <p:sldId id="257" r:id="rId3"/>
+    <p:sldId id="260" r:id="rId3"/>
+    <p:sldId id="257" r:id="rId4"/>
   </p:sldIdLst>
   <p:sldSz cx="12192000" cy="6858000"/>
   <p:notesSz cx="6858000" cy="9144000"/>
@@ -111,6 +115,440 @@
     </p:ext>
   </p:extLst>
 </p:presentation>
+</file>
+
+<file path=ppt/notesMasters/notesMaster1.xml><?xml version="1.0" encoding="utf-8"?>
+<p:notesMaster xmlns:a="http://schemas.openxmlformats.org/drawingml/2006/main" xmlns:r="http://schemas.openxmlformats.org/officeDocument/2006/relationships" xmlns:p="http://schemas.openxmlformats.org/presentationml/2006/main">
+  <p:cSld>
+    <p:bg>
+      <p:bgRef idx="1001">
+        <a:schemeClr val="bg1"/>
+      </p:bgRef>
+    </p:bg>
+    <p:spTree>
+      <p:nvGrpSpPr>
+        <p:cNvPr id="1" name=""/>
+        <p:cNvGrpSpPr/>
+        <p:nvPr/>
+      </p:nvGrpSpPr>
+      <p:grpSpPr>
+        <a:xfrm>
+          <a:off x="0" y="0"/>
+          <a:ext cx="0" cy="0"/>
+          <a:chOff x="0" y="0"/>
+          <a:chExt cx="0" cy="0"/>
+        </a:xfrm>
+      </p:grpSpPr>
+      <p:sp>
+        <p:nvSpPr>
+          <p:cNvPr id="2" name="Header Placeholder 1"/>
+          <p:cNvSpPr>
+            <a:spLocks noGrp="1"/>
+          </p:cNvSpPr>
+          <p:nvPr>
+            <p:ph type="hdr" sz="quarter"/>
+          </p:nvPr>
+        </p:nvSpPr>
+        <p:spPr>
+          <a:xfrm>
+            <a:off x="0" y="0"/>
+            <a:ext cx="2971800" cy="458788"/>
+          </a:xfrm>
+          <a:prstGeom prst="rect">
+            <a:avLst/>
+          </a:prstGeom>
+        </p:spPr>
+        <p:txBody>
+          <a:bodyPr vert="horz" lIns="91440" tIns="45720" rIns="91440" bIns="45720" rtlCol="0"/>
+          <a:lstStyle>
+            <a:lvl1pPr algn="l">
+              <a:defRPr sz="1200"/>
+            </a:lvl1pPr>
+          </a:lstStyle>
+          <a:p>
+            <a:endParaRPr lang="en-SG"/>
+          </a:p>
+        </p:txBody>
+      </p:sp>
+      <p:sp>
+        <p:nvSpPr>
+          <p:cNvPr id="3" name="Date Placeholder 2"/>
+          <p:cNvSpPr>
+            <a:spLocks noGrp="1"/>
+          </p:cNvSpPr>
+          <p:nvPr>
+            <p:ph type="dt" idx="1"/>
+          </p:nvPr>
+        </p:nvSpPr>
+        <p:spPr>
+          <a:xfrm>
+            <a:off x="3884613" y="0"/>
+            <a:ext cx="2971800" cy="458788"/>
+          </a:xfrm>
+          <a:prstGeom prst="rect">
+            <a:avLst/>
+          </a:prstGeom>
+        </p:spPr>
+        <p:txBody>
+          <a:bodyPr vert="horz" lIns="91440" tIns="45720" rIns="91440" bIns="45720" rtlCol="0"/>
+          <a:lstStyle>
+            <a:lvl1pPr algn="r">
+              <a:defRPr sz="1200"/>
+            </a:lvl1pPr>
+          </a:lstStyle>
+          <a:p>
+            <a:fld id="{72F4136D-337C-4C0B-8508-D89D13D83872}" type="datetimeFigureOut">
+              <a:rPr lang="en-SG" smtClean="0"/>
+              <a:t>3/2/2026</a:t>
+            </a:fld>
+            <a:endParaRPr lang="en-SG"/>
+          </a:p>
+        </p:txBody>
+      </p:sp>
+      <p:sp>
+        <p:nvSpPr>
+          <p:cNvPr id="4" name="Slide Image Placeholder 3"/>
+          <p:cNvSpPr>
+            <a:spLocks noGrp="1" noRot="1" noChangeAspect="1"/>
+          </p:cNvSpPr>
+          <p:nvPr>
+            <p:ph type="sldImg" idx="2"/>
+          </p:nvPr>
+        </p:nvSpPr>
+        <p:spPr>
+          <a:xfrm>
+            <a:off x="685800" y="1143000"/>
+            <a:ext cx="5486400" cy="3086100"/>
+          </a:xfrm>
+          <a:prstGeom prst="rect">
+            <a:avLst/>
+          </a:prstGeom>
+          <a:noFill/>
+          <a:ln w="12700">
+            <a:solidFill>
+              <a:prstClr val="black"/>
+            </a:solidFill>
+          </a:ln>
+        </p:spPr>
+        <p:txBody>
+          <a:bodyPr vert="horz" lIns="91440" tIns="45720" rIns="91440" bIns="45720" rtlCol="0" anchor="ctr"/>
+          <a:lstStyle/>
+          <a:p>
+            <a:endParaRPr lang="en-SG"/>
+          </a:p>
+        </p:txBody>
+      </p:sp>
+      <p:sp>
+        <p:nvSpPr>
+          <p:cNvPr id="5" name="Notes Placeholder 4"/>
+          <p:cNvSpPr>
+            <a:spLocks noGrp="1"/>
+          </p:cNvSpPr>
+          <p:nvPr>
+            <p:ph type="body" sz="quarter" idx="3"/>
+          </p:nvPr>
+        </p:nvSpPr>
+        <p:spPr>
+          <a:xfrm>
+            <a:off x="685800" y="4400550"/>
+            <a:ext cx="5486400" cy="3600450"/>
+          </a:xfrm>
+          <a:prstGeom prst="rect">
+            <a:avLst/>
+          </a:prstGeom>
+        </p:spPr>
+        <p:txBody>
+          <a:bodyPr vert="horz" lIns="91440" tIns="45720" rIns="91440" bIns="45720" rtlCol="0"/>
+          <a:lstStyle/>
+          <a:p>
+            <a:pPr lvl="0"/>
+            <a:r>
+              <a:rPr lang="en-US"/>
+              <a:t>Click to edit Master text styles</a:t>
+            </a:r>
+          </a:p>
+          <a:p>
+            <a:pPr lvl="1"/>
+            <a:r>
+              <a:rPr lang="en-US"/>
+              <a:t>Second level</a:t>
+            </a:r>
+          </a:p>
+          <a:p>
+            <a:pPr lvl="2"/>
+            <a:r>
+              <a:rPr lang="en-US"/>
+              <a:t>Third level</a:t>
+            </a:r>
+          </a:p>
+          <a:p>
+            <a:pPr lvl="3"/>
+            <a:r>
+              <a:rPr lang="en-US"/>
+              <a:t>Fourth level</a:t>
+            </a:r>
+          </a:p>
+          <a:p>
+            <a:pPr lvl="4"/>
+            <a:r>
+              <a:rPr lang="en-US"/>
+              <a:t>Fifth level</a:t>
+            </a:r>
+            <a:endParaRPr lang="en-SG"/>
+          </a:p>
+        </p:txBody>
+      </p:sp>
+      <p:sp>
+        <p:nvSpPr>
+          <p:cNvPr id="6" name="Footer Placeholder 5"/>
+          <p:cNvSpPr>
+            <a:spLocks noGrp="1"/>
+          </p:cNvSpPr>
+          <p:nvPr>
+            <p:ph type="ftr" sz="quarter" idx="4"/>
+          </p:nvPr>
+        </p:nvSpPr>
+        <p:spPr>
+          <a:xfrm>
+            <a:off x="0" y="8685213"/>
+            <a:ext cx="2971800" cy="458787"/>
+          </a:xfrm>
+          <a:prstGeom prst="rect">
+            <a:avLst/>
+          </a:prstGeom>
+        </p:spPr>
+        <p:txBody>
+          <a:bodyPr vert="horz" lIns="91440" tIns="45720" rIns="91440" bIns="45720" rtlCol="0" anchor="b"/>
+          <a:lstStyle>
+            <a:lvl1pPr algn="l">
+              <a:defRPr sz="1200"/>
+            </a:lvl1pPr>
+          </a:lstStyle>
+          <a:p>
+            <a:endParaRPr lang="en-SG"/>
+          </a:p>
+        </p:txBody>
+      </p:sp>
+      <p:sp>
+        <p:nvSpPr>
+          <p:cNvPr id="7" name="Slide Number Placeholder 6"/>
+          <p:cNvSpPr>
+            <a:spLocks noGrp="1"/>
+          </p:cNvSpPr>
+          <p:nvPr>
+            <p:ph type="sldNum" sz="quarter" idx="5"/>
+          </p:nvPr>
+        </p:nvSpPr>
+        <p:spPr>
+          <a:xfrm>
+            <a:off x="3884613" y="8685213"/>
+            <a:ext cx="2971800" cy="458787"/>
+          </a:xfrm>
+          <a:prstGeom prst="rect">
+            <a:avLst/>
+          </a:prstGeom>
+        </p:spPr>
+        <p:txBody>
+          <a:bodyPr vert="horz" lIns="91440" tIns="45720" rIns="91440" bIns="45720" rtlCol="0" anchor="b"/>
+          <a:lstStyle>
+            <a:lvl1pPr algn="r">
+              <a:defRPr sz="1200"/>
+            </a:lvl1pPr>
+          </a:lstStyle>
+          <a:p>
+            <a:fld id="{1AF7C66F-CB69-40F3-9F02-5D7E1421E2E2}" type="slidenum">
+              <a:rPr lang="en-SG" smtClean="0"/>
+              <a:t>‹#›</a:t>
+            </a:fld>
+            <a:endParaRPr lang="en-SG"/>
+          </a:p>
+        </p:txBody>
+      </p:sp>
+    </p:spTree>
+    <p:extLst>
+      <p:ext uri="{BB962C8B-B14F-4D97-AF65-F5344CB8AC3E}">
+        <p14:creationId xmlns:p14="http://schemas.microsoft.com/office/powerpoint/2010/main" val="3994358278"/>
+      </p:ext>
+    </p:extLst>
+  </p:cSld>
+  <p:clrMap bg1="lt1" tx1="dk1" bg2="lt2" tx2="dk2" accent1="accent1" accent2="accent2" accent3="accent3" accent4="accent4" accent5="accent5" accent6="accent6" hlink="hlink" folHlink="folHlink"/>
+  <p:notesStyle>
+    <a:lvl1pPr marL="0" algn="l" defTabSz="914400" rtl="0" eaLnBrk="1" latinLnBrk="0" hangingPunct="1">
+      <a:defRPr sz="1200" kern="1200">
+        <a:solidFill>
+          <a:schemeClr val="tx1"/>
+        </a:solidFill>
+        <a:latin typeface="+mn-lt"/>
+        <a:ea typeface="+mn-ea"/>
+        <a:cs typeface="+mn-cs"/>
+      </a:defRPr>
+    </a:lvl1pPr>
+    <a:lvl2pPr marL="457200" algn="l" defTabSz="914400" rtl="0" eaLnBrk="1" latinLnBrk="0" hangingPunct="1">
+      <a:defRPr sz="1200" kern="1200">
+        <a:solidFill>
+          <a:schemeClr val="tx1"/>
+        </a:solidFill>
+        <a:latin typeface="+mn-lt"/>
+        <a:ea typeface="+mn-ea"/>
+        <a:cs typeface="+mn-cs"/>
+      </a:defRPr>
+    </a:lvl2pPr>
+    <a:lvl3pPr marL="914400" algn="l" defTabSz="914400" rtl="0" eaLnBrk="1" latinLnBrk="0" hangingPunct="1">
+      <a:defRPr sz="1200" kern="1200">
+        <a:solidFill>
+          <a:schemeClr val="tx1"/>
+        </a:solidFill>
+        <a:latin typeface="+mn-lt"/>
+        <a:ea typeface="+mn-ea"/>
+        <a:cs typeface="+mn-cs"/>
+      </a:defRPr>
+    </a:lvl3pPr>
+    <a:lvl4pPr marL="1371600" algn="l" defTabSz="914400" rtl="0" eaLnBrk="1" latinLnBrk="0" hangingPunct="1">
+      <a:defRPr sz="1200" kern="1200">
+        <a:solidFill>
+          <a:schemeClr val="tx1"/>
+        </a:solidFill>
+        <a:latin typeface="+mn-lt"/>
+        <a:ea typeface="+mn-ea"/>
+        <a:cs typeface="+mn-cs"/>
+      </a:defRPr>
+    </a:lvl4pPr>
+    <a:lvl5pPr marL="1828800" algn="l" defTabSz="914400" rtl="0" eaLnBrk="1" latinLnBrk="0" hangingPunct="1">
+      <a:defRPr sz="1200" kern="1200">
+        <a:solidFill>
+          <a:schemeClr val="tx1"/>
+        </a:solidFill>
+        <a:latin typeface="+mn-lt"/>
+        <a:ea typeface="+mn-ea"/>
+        <a:cs typeface="+mn-cs"/>
+      </a:defRPr>
+    </a:lvl5pPr>
+    <a:lvl6pPr marL="2286000" algn="l" defTabSz="914400" rtl="0" eaLnBrk="1" latinLnBrk="0" hangingPunct="1">
+      <a:defRPr sz="1200" kern="1200">
+        <a:solidFill>
+          <a:schemeClr val="tx1"/>
+        </a:solidFill>
+        <a:latin typeface="+mn-lt"/>
+        <a:ea typeface="+mn-ea"/>
+        <a:cs typeface="+mn-cs"/>
+      </a:defRPr>
+    </a:lvl6pPr>
+    <a:lvl7pPr marL="2743200" algn="l" defTabSz="914400" rtl="0" eaLnBrk="1" latinLnBrk="0" hangingPunct="1">
+      <a:defRPr sz="1200" kern="1200">
+        <a:solidFill>
+          <a:schemeClr val="tx1"/>
+        </a:solidFill>
+        <a:latin typeface="+mn-lt"/>
+        <a:ea typeface="+mn-ea"/>
+        <a:cs typeface="+mn-cs"/>
+      </a:defRPr>
+    </a:lvl7pPr>
+    <a:lvl8pPr marL="3200400" algn="l" defTabSz="914400" rtl="0" eaLnBrk="1" latinLnBrk="0" hangingPunct="1">
+      <a:defRPr sz="1200" kern="1200">
+        <a:solidFill>
+          <a:schemeClr val="tx1"/>
+        </a:solidFill>
+        <a:latin typeface="+mn-lt"/>
+        <a:ea typeface="+mn-ea"/>
+        <a:cs typeface="+mn-cs"/>
+      </a:defRPr>
+    </a:lvl8pPr>
+    <a:lvl9pPr marL="3657600" algn="l" defTabSz="914400" rtl="0" eaLnBrk="1" latinLnBrk="0" hangingPunct="1">
+      <a:defRPr sz="1200" kern="1200">
+        <a:solidFill>
+          <a:schemeClr val="tx1"/>
+        </a:solidFill>
+        <a:latin typeface="+mn-lt"/>
+        <a:ea typeface="+mn-ea"/>
+        <a:cs typeface="+mn-cs"/>
+      </a:defRPr>
+    </a:lvl9pPr>
+  </p:notesStyle>
+</p:notesMaster>
+</file>
+
+<file path=ppt/notesSlides/notesSlide1.xml><?xml version="1.0" encoding="utf-8"?>
+<p:notes xmlns:a="http://schemas.openxmlformats.org/drawingml/2006/main" xmlns:r="http://schemas.openxmlformats.org/officeDocument/2006/relationships" xmlns:p="http://schemas.openxmlformats.org/presentationml/2006/main">
+  <p:cSld>
+    <p:spTree>
+      <p:nvGrpSpPr>
+        <p:cNvPr id="1" name=""/>
+        <p:cNvGrpSpPr/>
+        <p:nvPr/>
+      </p:nvGrpSpPr>
+      <p:grpSpPr>
+        <a:xfrm>
+          <a:off x="0" y="0"/>
+          <a:ext cx="0" cy="0"/>
+          <a:chOff x="0" y="0"/>
+          <a:chExt cx="0" cy="0"/>
+        </a:xfrm>
+      </p:grpSpPr>
+      <p:sp>
+        <p:nvSpPr>
+          <p:cNvPr id="2" name="Slide Image Placeholder 1"/>
+          <p:cNvSpPr>
+            <a:spLocks noGrp="1" noRot="1" noChangeAspect="1"/>
+          </p:cNvSpPr>
+          <p:nvPr>
+            <p:ph type="sldImg"/>
+          </p:nvPr>
+        </p:nvSpPr>
+        <p:spPr/>
+      </p:sp>
+      <p:sp>
+        <p:nvSpPr>
+          <p:cNvPr id="3" name="Notes Placeholder 2"/>
+          <p:cNvSpPr>
+            <a:spLocks noGrp="1"/>
+          </p:cNvSpPr>
+          <p:nvPr>
+            <p:ph type="body" idx="1"/>
+          </p:nvPr>
+        </p:nvSpPr>
+        <p:spPr/>
+        <p:txBody>
+          <a:bodyPr/>
+          <a:lstStyle/>
+          <a:p>
+            <a:endParaRPr lang="en-SG" dirty="0"/>
+          </a:p>
+        </p:txBody>
+      </p:sp>
+      <p:sp>
+        <p:nvSpPr>
+          <p:cNvPr id="4" name="Slide Number Placeholder 3"/>
+          <p:cNvSpPr>
+            <a:spLocks noGrp="1"/>
+          </p:cNvSpPr>
+          <p:nvPr>
+            <p:ph type="sldNum" sz="quarter" idx="5"/>
+          </p:nvPr>
+        </p:nvSpPr>
+        <p:spPr/>
+        <p:txBody>
+          <a:bodyPr/>
+          <a:lstStyle/>
+          <a:p>
+            <a:fld id="{A1A7AD2C-A1CB-4D37-A2CF-FED7AB444762}" type="slidenum">
+              <a:rPr lang="en-SG" smtClean="0"/>
+              <a:t>2</a:t>
+            </a:fld>
+            <a:endParaRPr lang="en-SG"/>
+          </a:p>
+        </p:txBody>
+      </p:sp>
+    </p:spTree>
+    <p:extLst>
+      <p:ext uri="{BB962C8B-B14F-4D97-AF65-F5344CB8AC3E}">
+        <p14:creationId xmlns:p14="http://schemas.microsoft.com/office/powerpoint/2010/main" val="1519926775"/>
+      </p:ext>
+    </p:extLst>
+  </p:cSld>
+  <p:clrMapOvr>
+    <a:masterClrMapping/>
+  </p:clrMapOvr>
+</p:notes>
 </file>
 
 <file path=ppt/slideLayouts/slideLayout1.xml><?xml version="1.0" encoding="utf-8"?>
@@ -7223,6 +7661,1045 @@
           <a:chExt cx="0" cy="0"/>
         </a:xfrm>
       </p:grpSpPr>
+      <p:sp>
+        <p:nvSpPr>
+          <p:cNvPr id="2" name="TextBox 1">
+            <a:extLst>
+              <a:ext uri="{FF2B5EF4-FFF2-40B4-BE49-F238E27FC236}">
+                <a16:creationId xmlns:a16="http://schemas.microsoft.com/office/drawing/2014/main" id="{44148C6C-6039-424D-6A60-91A69DCABE03}"/>
+              </a:ext>
+            </a:extLst>
+          </p:cNvPr>
+          <p:cNvSpPr txBox="1"/>
+          <p:nvPr/>
+        </p:nvSpPr>
+        <p:spPr>
+          <a:xfrm>
+            <a:off x="1" y="-58547"/>
+            <a:ext cx="12191999" cy="461665"/>
+          </a:xfrm>
+          <a:prstGeom prst="rect">
+            <a:avLst/>
+          </a:prstGeom>
+          <a:solidFill>
+            <a:schemeClr val="accent1">
+              <a:lumMod val="75000"/>
+            </a:schemeClr>
+          </a:solidFill>
+          <a:ln>
+            <a:solidFill>
+              <a:schemeClr val="tx1"/>
+            </a:solidFill>
+          </a:ln>
+        </p:spPr>
+        <p:txBody>
+          <a:bodyPr wrap="square" rtlCol="0">
+            <a:spAutoFit/>
+          </a:bodyPr>
+          <a:lstStyle/>
+          <a:p>
+            <a:r>
+              <a:rPr lang="en-US" sz="2400" dirty="0">
+                <a:solidFill>
+                  <a:schemeClr val="bg1"/>
+                </a:solidFill>
+              </a:rPr>
+              <a:t>Use Case 1: </a:t>
+            </a:r>
+            <a:r>
+              <a:rPr lang="en-US" sz="2400" dirty="0" err="1">
+                <a:solidFill>
+                  <a:schemeClr val="bg1"/>
+                </a:solidFill>
+              </a:rPr>
+              <a:t>CIDeX</a:t>
+            </a:r>
+            <a:r>
+              <a:rPr lang="en-US" sz="2400" dirty="0">
+                <a:solidFill>
+                  <a:schemeClr val="bg1"/>
+                </a:solidFill>
+              </a:rPr>
+              <a:t> event main venue network monitor [result]</a:t>
+            </a:r>
+            <a:endParaRPr lang="en-SG" sz="2400" dirty="0">
+              <a:solidFill>
+                <a:srgbClr val="FF0000"/>
+              </a:solidFill>
+            </a:endParaRPr>
+          </a:p>
+        </p:txBody>
+      </p:sp>
+      <p:pic>
+        <p:nvPicPr>
+          <p:cNvPr id="3" name="Picture 2" descr="Graphical user interface, text&#10;&#10;Description automatically generated with medium confidence">
+            <a:extLst>
+              <a:ext uri="{FF2B5EF4-FFF2-40B4-BE49-F238E27FC236}">
+                <a16:creationId xmlns:a16="http://schemas.microsoft.com/office/drawing/2014/main" id="{E159DD4E-ECC1-C44B-424E-1C530552851B}"/>
+              </a:ext>
+            </a:extLst>
+          </p:cNvPr>
+          <p:cNvPicPr>
+            <a:picLocks noChangeAspect="1"/>
+          </p:cNvPicPr>
+          <p:nvPr/>
+        </p:nvPicPr>
+        <p:blipFill>
+          <a:blip r:embed="rId3">
+            <a:extLst>
+              <a:ext uri="{28A0092B-C50C-407E-A947-70E740481C1C}">
+                <a14:useLocalDpi xmlns:a14="http://schemas.microsoft.com/office/drawing/2010/main" val="0"/>
+              </a:ext>
+            </a:extLst>
+          </a:blip>
+          <a:stretch>
+            <a:fillRect/>
+          </a:stretch>
+        </p:blipFill>
+        <p:spPr>
+          <a:xfrm>
+            <a:off x="10447732" y="-12288"/>
+            <a:ext cx="1696767" cy="369686"/>
+          </a:xfrm>
+          <a:prstGeom prst="rect">
+            <a:avLst/>
+          </a:prstGeom>
+        </p:spPr>
+      </p:pic>
+      <p:sp>
+        <p:nvSpPr>
+          <p:cNvPr id="4" name="TextBox 3">
+            <a:extLst>
+              <a:ext uri="{FF2B5EF4-FFF2-40B4-BE49-F238E27FC236}">
+                <a16:creationId xmlns:a16="http://schemas.microsoft.com/office/drawing/2014/main" id="{81686E90-A13B-427A-9FC2-B95007B10872}"/>
+              </a:ext>
+            </a:extLst>
+          </p:cNvPr>
+          <p:cNvSpPr txBox="1"/>
+          <p:nvPr/>
+        </p:nvSpPr>
+        <p:spPr>
+          <a:xfrm>
+            <a:off x="5248760" y="711001"/>
+            <a:ext cx="5367423" cy="1446550"/>
+          </a:xfrm>
+          <a:prstGeom prst="rect">
+            <a:avLst/>
+          </a:prstGeom>
+          <a:noFill/>
+        </p:spPr>
+        <p:txBody>
+          <a:bodyPr wrap="square" rtlCol="0">
+            <a:spAutoFit/>
+          </a:bodyPr>
+          <a:lstStyle/>
+          <a:p>
+            <a:pPr algn="just"/>
+            <a:r>
+              <a:rPr lang="en-SG" sz="1600" b="1" dirty="0"/>
+              <a:t>Event monitor result</a:t>
+            </a:r>
+            <a:r>
+              <a:rPr lang="en-SG" sz="1600" dirty="0"/>
+              <a:t>:</a:t>
+            </a:r>
+          </a:p>
+          <a:p>
+            <a:pPr algn="just"/>
+            <a:endParaRPr lang="en-SG" sz="1600" dirty="0"/>
+          </a:p>
+          <a:p>
+            <a:pPr marL="285750" indent="-285750" algn="just">
+              <a:buFont typeface="Arial" panose="020B0604020202020204" pitchFamily="34" charset="0"/>
+              <a:buChar char="•"/>
+            </a:pPr>
+            <a:r>
+              <a:rPr lang="en-SG" sz="1400" dirty="0"/>
+              <a:t>Ping client: 900KB raw ping record [text format].</a:t>
+            </a:r>
+          </a:p>
+          <a:p>
+            <a:pPr marL="285750" indent="-285750" algn="just">
+              <a:buFont typeface="Arial" panose="020B0604020202020204" pitchFamily="34" charset="0"/>
+              <a:buChar char="•"/>
+            </a:pPr>
+            <a:r>
+              <a:rPr lang="en-SG" sz="1400" dirty="0"/>
+              <a:t>Monitor hub: 600K DB raw + </a:t>
+            </a:r>
+            <a:r>
+              <a:rPr lang="en-SG" sz="1400" dirty="0" err="1"/>
+              <a:t>avg</a:t>
+            </a:r>
+            <a:r>
+              <a:rPr lang="en-SG" sz="1400" dirty="0"/>
+              <a:t> data, 1 network interrupt detect and reported.</a:t>
+            </a:r>
+          </a:p>
+          <a:p>
+            <a:pPr marL="285750" indent="-285750" algn="just">
+              <a:buFont typeface="Arial" panose="020B0604020202020204" pitchFamily="34" charset="0"/>
+              <a:buChar char="•"/>
+            </a:pPr>
+            <a:r>
+              <a:rPr lang="en-SG" sz="1400" dirty="0"/>
+              <a:t>Telegram-bot: 197 </a:t>
+            </a:r>
+            <a:r>
+              <a:rPr lang="en-SG" sz="1400" dirty="0" err="1"/>
+              <a:t>avg</a:t>
+            </a:r>
+            <a:r>
+              <a:rPr lang="en-SG" sz="1400" dirty="0"/>
+              <a:t> ping report in the channel.  </a:t>
+            </a:r>
+          </a:p>
+        </p:txBody>
+      </p:sp>
+      <p:pic>
+        <p:nvPicPr>
+          <p:cNvPr id="11" name="Picture 10" descr="A screenshot of a computer&#10;&#10;Description automatically generated with medium confidence">
+            <a:extLst>
+              <a:ext uri="{FF2B5EF4-FFF2-40B4-BE49-F238E27FC236}">
+                <a16:creationId xmlns:a16="http://schemas.microsoft.com/office/drawing/2014/main" id="{202C6361-3E14-6C30-9E23-CDEFB2906507}"/>
+              </a:ext>
+            </a:extLst>
+          </p:cNvPr>
+          <p:cNvPicPr>
+            <a:picLocks noChangeAspect="1"/>
+          </p:cNvPicPr>
+          <p:nvPr/>
+        </p:nvPicPr>
+        <p:blipFill>
+          <a:blip r:embed="rId4">
+            <a:extLst>
+              <a:ext uri="{28A0092B-C50C-407E-A947-70E740481C1C}">
+                <a14:useLocalDpi xmlns:a14="http://schemas.microsoft.com/office/drawing/2010/main" val="0"/>
+              </a:ext>
+            </a:extLst>
+          </a:blip>
+          <a:stretch>
+            <a:fillRect/>
+          </a:stretch>
+        </p:blipFill>
+        <p:spPr>
+          <a:xfrm>
+            <a:off x="307560" y="1108891"/>
+            <a:ext cx="4727588" cy="2560777"/>
+          </a:xfrm>
+          <a:prstGeom prst="rect">
+            <a:avLst/>
+          </a:prstGeom>
+          <a:ln w="3175">
+            <a:solidFill>
+              <a:schemeClr val="tx1"/>
+            </a:solidFill>
+          </a:ln>
+        </p:spPr>
+      </p:pic>
+      <p:pic>
+        <p:nvPicPr>
+          <p:cNvPr id="13" name="Picture 12" descr="A screenshot of a computer&#10;&#10;Description automatically generated with medium confidence">
+            <a:extLst>
+              <a:ext uri="{FF2B5EF4-FFF2-40B4-BE49-F238E27FC236}">
+                <a16:creationId xmlns:a16="http://schemas.microsoft.com/office/drawing/2014/main" id="{8C0A3232-5D8A-AAB5-4F52-03DC6610B8C8}"/>
+              </a:ext>
+            </a:extLst>
+          </p:cNvPr>
+          <p:cNvPicPr>
+            <a:picLocks noChangeAspect="1"/>
+          </p:cNvPicPr>
+          <p:nvPr/>
+        </p:nvPicPr>
+        <p:blipFill>
+          <a:blip r:embed="rId5">
+            <a:extLst>
+              <a:ext uri="{28A0092B-C50C-407E-A947-70E740481C1C}">
+                <a14:useLocalDpi xmlns:a14="http://schemas.microsoft.com/office/drawing/2010/main" val="0"/>
+              </a:ext>
+            </a:extLst>
+          </a:blip>
+          <a:stretch>
+            <a:fillRect/>
+          </a:stretch>
+        </p:blipFill>
+        <p:spPr>
+          <a:xfrm>
+            <a:off x="285544" y="4050028"/>
+            <a:ext cx="4727584" cy="2560776"/>
+          </a:xfrm>
+          <a:prstGeom prst="rect">
+            <a:avLst/>
+          </a:prstGeom>
+          <a:ln w="3175">
+            <a:solidFill>
+              <a:schemeClr val="tx1"/>
+            </a:solidFill>
+          </a:ln>
+        </p:spPr>
+      </p:pic>
+      <p:sp>
+        <p:nvSpPr>
+          <p:cNvPr id="15" name="TextBox 14">
+            <a:extLst>
+              <a:ext uri="{FF2B5EF4-FFF2-40B4-BE49-F238E27FC236}">
+                <a16:creationId xmlns:a16="http://schemas.microsoft.com/office/drawing/2014/main" id="{D87DB038-14DB-C6C1-8F2D-2A641849954B}"/>
+              </a:ext>
+            </a:extLst>
+          </p:cNvPr>
+          <p:cNvSpPr txBox="1"/>
+          <p:nvPr/>
+        </p:nvSpPr>
+        <p:spPr>
+          <a:xfrm>
+            <a:off x="5248760" y="2241717"/>
+            <a:ext cx="4727589" cy="338554"/>
+          </a:xfrm>
+          <a:prstGeom prst="rect">
+            <a:avLst/>
+          </a:prstGeom>
+          <a:noFill/>
+        </p:spPr>
+        <p:txBody>
+          <a:bodyPr wrap="square" rtlCol="0">
+            <a:spAutoFit/>
+          </a:bodyPr>
+          <a:lstStyle/>
+          <a:p>
+            <a:pPr algn="just"/>
+            <a:r>
+              <a:rPr lang="en-SG" sz="1600" b="1" dirty="0"/>
+              <a:t>Network interrupt [16/11/2022] detection result</a:t>
+            </a:r>
+            <a:r>
+              <a:rPr lang="en-SG" sz="1600" dirty="0"/>
+              <a:t>:</a:t>
+            </a:r>
+          </a:p>
+        </p:txBody>
+      </p:sp>
+      <p:pic>
+        <p:nvPicPr>
+          <p:cNvPr id="17" name="Picture 16" descr="A screenshot of a computer&#10;&#10;Description automatically generated with medium confidence">
+            <a:extLst>
+              <a:ext uri="{FF2B5EF4-FFF2-40B4-BE49-F238E27FC236}">
+                <a16:creationId xmlns:a16="http://schemas.microsoft.com/office/drawing/2014/main" id="{BD862745-6C22-4C22-8261-159F4C05667F}"/>
+              </a:ext>
+            </a:extLst>
+          </p:cNvPr>
+          <p:cNvPicPr>
+            <a:picLocks noChangeAspect="1"/>
+          </p:cNvPicPr>
+          <p:nvPr/>
+        </p:nvPicPr>
+        <p:blipFill>
+          <a:blip r:embed="rId6">
+            <a:extLst>
+              <a:ext uri="{28A0092B-C50C-407E-A947-70E740481C1C}">
+                <a14:useLocalDpi xmlns:a14="http://schemas.microsoft.com/office/drawing/2010/main" val="0"/>
+              </a:ext>
+            </a:extLst>
+          </a:blip>
+          <a:stretch>
+            <a:fillRect/>
+          </a:stretch>
+        </p:blipFill>
+        <p:spPr>
+          <a:xfrm>
+            <a:off x="5330049" y="2724900"/>
+            <a:ext cx="4727588" cy="2560777"/>
+          </a:xfrm>
+          <a:prstGeom prst="rect">
+            <a:avLst/>
+          </a:prstGeom>
+          <a:ln w="3175">
+            <a:solidFill>
+              <a:schemeClr val="tx1"/>
+            </a:solidFill>
+          </a:ln>
+        </p:spPr>
+      </p:pic>
+      <p:sp>
+        <p:nvSpPr>
+          <p:cNvPr id="18" name="AutoShape 2">
+            <a:extLst>
+              <a:ext uri="{FF2B5EF4-FFF2-40B4-BE49-F238E27FC236}">
+                <a16:creationId xmlns:a16="http://schemas.microsoft.com/office/drawing/2014/main" id="{5CF00E81-516B-25AF-9B16-C62E0EE85E57}"/>
+              </a:ext>
+            </a:extLst>
+          </p:cNvPr>
+          <p:cNvSpPr>
+            <a:spLocks noChangeAspect="1" noChangeArrowheads="1"/>
+          </p:cNvSpPr>
+          <p:nvPr/>
+        </p:nvSpPr>
+        <p:spPr bwMode="auto">
+          <a:xfrm>
+            <a:off x="5810179" y="4995672"/>
+            <a:ext cx="304800" cy="304800"/>
+          </a:xfrm>
+          <a:prstGeom prst="rect">
+            <a:avLst/>
+          </a:prstGeom>
+          <a:noFill/>
+          <a:extLst>
+            <a:ext uri="{909E8E84-426E-40DD-AFC4-6F175D3DCCD1}">
+              <a14:hiddenFill xmlns:a14="http://schemas.microsoft.com/office/drawing/2010/main">
+                <a:solidFill>
+                  <a:srgbClr val="FFFFFF"/>
+                </a:solidFill>
+              </a14:hiddenFill>
+            </a:ext>
+          </a:extLst>
+        </p:spPr>
+        <p:txBody>
+          <a:bodyPr vert="horz" wrap="square" lIns="91440" tIns="45720" rIns="91440" bIns="45720" numCol="1" anchor="t" anchorCtr="0" compatLnSpc="1">
+            <a:prstTxWarp prst="textNoShape">
+              <a:avLst/>
+            </a:prstTxWarp>
+          </a:bodyPr>
+          <a:lstStyle/>
+          <a:p>
+            <a:endParaRPr lang="en-SG"/>
+          </a:p>
+        </p:txBody>
+      </p:sp>
+      <p:pic>
+        <p:nvPicPr>
+          <p:cNvPr id="20" name="Picture 19" descr="A screenshot of a text message&#10;&#10;Description automatically generated with medium confidence">
+            <a:extLst>
+              <a:ext uri="{FF2B5EF4-FFF2-40B4-BE49-F238E27FC236}">
+                <a16:creationId xmlns:a16="http://schemas.microsoft.com/office/drawing/2014/main" id="{FDECD6E9-8CAD-96A7-2E95-B668AFCD9B0C}"/>
+              </a:ext>
+            </a:extLst>
+          </p:cNvPr>
+          <p:cNvPicPr>
+            <a:picLocks noChangeAspect="1"/>
+          </p:cNvPicPr>
+          <p:nvPr/>
+        </p:nvPicPr>
+        <p:blipFill>
+          <a:blip r:embed="rId7">
+            <a:extLst>
+              <a:ext uri="{28A0092B-C50C-407E-A947-70E740481C1C}">
+                <a14:useLocalDpi xmlns:a14="http://schemas.microsoft.com/office/drawing/2010/main" val="0"/>
+              </a:ext>
+            </a:extLst>
+          </a:blip>
+          <a:stretch>
+            <a:fillRect/>
+          </a:stretch>
+        </p:blipFill>
+        <p:spPr>
+          <a:xfrm>
+            <a:off x="10148854" y="2362393"/>
+            <a:ext cx="1916607" cy="4144894"/>
+          </a:xfrm>
+          <a:prstGeom prst="rect">
+            <a:avLst/>
+          </a:prstGeom>
+          <a:ln>
+            <a:solidFill>
+              <a:schemeClr val="tx1"/>
+            </a:solidFill>
+          </a:ln>
+        </p:spPr>
+      </p:pic>
+      <p:sp>
+        <p:nvSpPr>
+          <p:cNvPr id="21" name="Rectangle 20">
+            <a:extLst>
+              <a:ext uri="{FF2B5EF4-FFF2-40B4-BE49-F238E27FC236}">
+                <a16:creationId xmlns:a16="http://schemas.microsoft.com/office/drawing/2014/main" id="{97A3701D-4301-EEE9-971C-D83B9EC620F3}"/>
+              </a:ext>
+            </a:extLst>
+          </p:cNvPr>
+          <p:cNvSpPr/>
+          <p:nvPr/>
+        </p:nvSpPr>
+        <p:spPr>
+          <a:xfrm>
+            <a:off x="7693843" y="3300984"/>
+            <a:ext cx="448056" cy="621792"/>
+          </a:xfrm>
+          <a:prstGeom prst="rect">
+            <a:avLst/>
+          </a:prstGeom>
+          <a:noFill/>
+          <a:ln>
+            <a:solidFill>
+              <a:srgbClr val="FF0000"/>
+            </a:solidFill>
+            <a:prstDash val="dash"/>
+          </a:ln>
+        </p:spPr>
+        <p:style>
+          <a:lnRef idx="2">
+            <a:schemeClr val="accent1">
+              <a:shade val="50000"/>
+            </a:schemeClr>
+          </a:lnRef>
+          <a:fillRef idx="1">
+            <a:schemeClr val="accent1"/>
+          </a:fillRef>
+          <a:effectRef idx="0">
+            <a:schemeClr val="accent1"/>
+          </a:effectRef>
+          <a:fontRef idx="minor">
+            <a:schemeClr val="lt1"/>
+          </a:fontRef>
+        </p:style>
+        <p:txBody>
+          <a:bodyPr rtlCol="0" anchor="ctr"/>
+          <a:lstStyle/>
+          <a:p>
+            <a:pPr algn="ctr"/>
+            <a:endParaRPr lang="en-SG" dirty="0"/>
+          </a:p>
+        </p:txBody>
+      </p:sp>
+      <p:sp>
+        <p:nvSpPr>
+          <p:cNvPr id="22" name="Rectangle 21">
+            <a:extLst>
+              <a:ext uri="{FF2B5EF4-FFF2-40B4-BE49-F238E27FC236}">
+                <a16:creationId xmlns:a16="http://schemas.microsoft.com/office/drawing/2014/main" id="{02B6B6A3-21FD-1ED4-23FF-1FE4681B758C}"/>
+              </a:ext>
+            </a:extLst>
+          </p:cNvPr>
+          <p:cNvSpPr/>
+          <p:nvPr/>
+        </p:nvSpPr>
+        <p:spPr>
+          <a:xfrm>
+            <a:off x="6194227" y="4151376"/>
+            <a:ext cx="429768" cy="813816"/>
+          </a:xfrm>
+          <a:prstGeom prst="rect">
+            <a:avLst/>
+          </a:prstGeom>
+          <a:noFill/>
+          <a:ln>
+            <a:solidFill>
+              <a:srgbClr val="FF0000"/>
+            </a:solidFill>
+            <a:prstDash val="dash"/>
+          </a:ln>
+        </p:spPr>
+        <p:style>
+          <a:lnRef idx="2">
+            <a:schemeClr val="accent1">
+              <a:shade val="50000"/>
+            </a:schemeClr>
+          </a:lnRef>
+          <a:fillRef idx="1">
+            <a:schemeClr val="accent1"/>
+          </a:fillRef>
+          <a:effectRef idx="0">
+            <a:schemeClr val="accent1"/>
+          </a:effectRef>
+          <a:fontRef idx="minor">
+            <a:schemeClr val="lt1"/>
+          </a:fontRef>
+        </p:style>
+        <p:txBody>
+          <a:bodyPr rtlCol="0" anchor="ctr"/>
+          <a:lstStyle/>
+          <a:p>
+            <a:pPr algn="ctr"/>
+            <a:endParaRPr lang="en-SG" dirty="0"/>
+          </a:p>
+        </p:txBody>
+      </p:sp>
+      <p:sp>
+        <p:nvSpPr>
+          <p:cNvPr id="23" name="Rectangle 22">
+            <a:extLst>
+              <a:ext uri="{FF2B5EF4-FFF2-40B4-BE49-F238E27FC236}">
+                <a16:creationId xmlns:a16="http://schemas.microsoft.com/office/drawing/2014/main" id="{0A1CC5D5-63BB-ABE0-4489-3D5E9FC0320A}"/>
+              </a:ext>
+            </a:extLst>
+          </p:cNvPr>
+          <p:cNvSpPr/>
+          <p:nvPr/>
+        </p:nvSpPr>
+        <p:spPr>
+          <a:xfrm>
+            <a:off x="7840145" y="4189476"/>
+            <a:ext cx="448056" cy="775716"/>
+          </a:xfrm>
+          <a:prstGeom prst="rect">
+            <a:avLst/>
+          </a:prstGeom>
+          <a:noFill/>
+          <a:ln>
+            <a:solidFill>
+              <a:srgbClr val="FF0000"/>
+            </a:solidFill>
+            <a:prstDash val="dash"/>
+          </a:ln>
+        </p:spPr>
+        <p:style>
+          <a:lnRef idx="2">
+            <a:schemeClr val="accent1">
+              <a:shade val="50000"/>
+            </a:schemeClr>
+          </a:lnRef>
+          <a:fillRef idx="1">
+            <a:schemeClr val="accent1"/>
+          </a:fillRef>
+          <a:effectRef idx="0">
+            <a:schemeClr val="accent1"/>
+          </a:effectRef>
+          <a:fontRef idx="minor">
+            <a:schemeClr val="lt1"/>
+          </a:fontRef>
+        </p:style>
+        <p:txBody>
+          <a:bodyPr rtlCol="0" anchor="ctr"/>
+          <a:lstStyle/>
+          <a:p>
+            <a:pPr algn="ctr"/>
+            <a:endParaRPr lang="en-SG" dirty="0"/>
+          </a:p>
+        </p:txBody>
+      </p:sp>
+      <p:sp>
+        <p:nvSpPr>
+          <p:cNvPr id="24" name="Rectangle 23">
+            <a:extLst>
+              <a:ext uri="{FF2B5EF4-FFF2-40B4-BE49-F238E27FC236}">
+                <a16:creationId xmlns:a16="http://schemas.microsoft.com/office/drawing/2014/main" id="{F7C7204F-946B-7013-2BD5-F3C668F4C72E}"/>
+              </a:ext>
+            </a:extLst>
+          </p:cNvPr>
+          <p:cNvSpPr/>
+          <p:nvPr/>
+        </p:nvSpPr>
+        <p:spPr>
+          <a:xfrm>
+            <a:off x="9272707" y="3236212"/>
+            <a:ext cx="429768" cy="813816"/>
+          </a:xfrm>
+          <a:prstGeom prst="rect">
+            <a:avLst/>
+          </a:prstGeom>
+          <a:noFill/>
+          <a:ln>
+            <a:solidFill>
+              <a:srgbClr val="FF0000"/>
+            </a:solidFill>
+            <a:prstDash val="dash"/>
+          </a:ln>
+        </p:spPr>
+        <p:style>
+          <a:lnRef idx="2">
+            <a:schemeClr val="accent1">
+              <a:shade val="50000"/>
+            </a:schemeClr>
+          </a:lnRef>
+          <a:fillRef idx="1">
+            <a:schemeClr val="accent1"/>
+          </a:fillRef>
+          <a:effectRef idx="0">
+            <a:schemeClr val="accent1"/>
+          </a:effectRef>
+          <a:fontRef idx="minor">
+            <a:schemeClr val="lt1"/>
+          </a:fontRef>
+        </p:style>
+        <p:txBody>
+          <a:bodyPr rtlCol="0" anchor="ctr"/>
+          <a:lstStyle/>
+          <a:p>
+            <a:pPr algn="ctr"/>
+            <a:endParaRPr lang="en-SG" dirty="0"/>
+          </a:p>
+        </p:txBody>
+      </p:sp>
+      <p:cxnSp>
+        <p:nvCxnSpPr>
+          <p:cNvPr id="26" name="Connector: Elbow 25">
+            <a:extLst>
+              <a:ext uri="{FF2B5EF4-FFF2-40B4-BE49-F238E27FC236}">
+                <a16:creationId xmlns:a16="http://schemas.microsoft.com/office/drawing/2014/main" id="{F55BA157-E33C-B84C-35FB-19AA980EE433}"/>
+              </a:ext>
+            </a:extLst>
+          </p:cNvPr>
+          <p:cNvCxnSpPr>
+            <a:cxnSpLocks/>
+            <a:stCxn id="22" idx="2"/>
+          </p:cNvCxnSpPr>
+          <p:nvPr/>
+        </p:nvCxnSpPr>
+        <p:spPr>
+          <a:xfrm rot="16200000" flipH="1">
+            <a:off x="7849645" y="3524657"/>
+            <a:ext cx="1024128" cy="3905197"/>
+          </a:xfrm>
+          <a:prstGeom prst="bentConnector2">
+            <a:avLst/>
+          </a:prstGeom>
+          <a:ln>
+            <a:solidFill>
+              <a:srgbClr val="FF0000"/>
+            </a:solidFill>
+            <a:prstDash val="dash"/>
+            <a:tailEnd type="triangle"/>
+          </a:ln>
+        </p:spPr>
+        <p:style>
+          <a:lnRef idx="1">
+            <a:schemeClr val="accent1"/>
+          </a:lnRef>
+          <a:fillRef idx="0">
+            <a:schemeClr val="accent1"/>
+          </a:fillRef>
+          <a:effectRef idx="0">
+            <a:schemeClr val="accent1"/>
+          </a:effectRef>
+          <a:fontRef idx="minor">
+            <a:schemeClr val="tx1"/>
+          </a:fontRef>
+        </p:style>
+      </p:cxnSp>
+      <p:cxnSp>
+        <p:nvCxnSpPr>
+          <p:cNvPr id="28" name="Straight Arrow Connector 27">
+            <a:extLst>
+              <a:ext uri="{FF2B5EF4-FFF2-40B4-BE49-F238E27FC236}">
+                <a16:creationId xmlns:a16="http://schemas.microsoft.com/office/drawing/2014/main" id="{EBEFF42D-C3CB-61E2-2FBD-15E260B80F77}"/>
+              </a:ext>
+            </a:extLst>
+          </p:cNvPr>
+          <p:cNvCxnSpPr>
+            <a:cxnSpLocks/>
+          </p:cNvCxnSpPr>
+          <p:nvPr/>
+        </p:nvCxnSpPr>
+        <p:spPr>
+          <a:xfrm>
+            <a:off x="9504355" y="4050028"/>
+            <a:ext cx="0" cy="1939292"/>
+          </a:xfrm>
+          <a:prstGeom prst="straightConnector1">
+            <a:avLst/>
+          </a:prstGeom>
+          <a:ln>
+            <a:solidFill>
+              <a:srgbClr val="FF0000"/>
+            </a:solidFill>
+            <a:prstDash val="dash"/>
+            <a:tailEnd type="triangle"/>
+          </a:ln>
+        </p:spPr>
+        <p:style>
+          <a:lnRef idx="1">
+            <a:schemeClr val="accent1"/>
+          </a:lnRef>
+          <a:fillRef idx="0">
+            <a:schemeClr val="accent1"/>
+          </a:fillRef>
+          <a:effectRef idx="0">
+            <a:schemeClr val="accent1"/>
+          </a:effectRef>
+          <a:fontRef idx="minor">
+            <a:schemeClr val="tx1"/>
+          </a:fontRef>
+        </p:style>
+      </p:cxnSp>
+      <p:cxnSp>
+        <p:nvCxnSpPr>
+          <p:cNvPr id="34" name="Straight Arrow Connector 33">
+            <a:extLst>
+              <a:ext uri="{FF2B5EF4-FFF2-40B4-BE49-F238E27FC236}">
+                <a16:creationId xmlns:a16="http://schemas.microsoft.com/office/drawing/2014/main" id="{55C0BAC8-68B5-A790-ABB9-4B7EF9175A12}"/>
+              </a:ext>
+            </a:extLst>
+          </p:cNvPr>
+          <p:cNvCxnSpPr>
+            <a:cxnSpLocks/>
+          </p:cNvCxnSpPr>
+          <p:nvPr/>
+        </p:nvCxnSpPr>
+        <p:spPr>
+          <a:xfrm>
+            <a:off x="7910251" y="4950771"/>
+            <a:ext cx="0" cy="1038549"/>
+          </a:xfrm>
+          <a:prstGeom prst="straightConnector1">
+            <a:avLst/>
+          </a:prstGeom>
+          <a:ln>
+            <a:solidFill>
+              <a:srgbClr val="FF0000"/>
+            </a:solidFill>
+            <a:prstDash val="dash"/>
+            <a:tailEnd type="triangle"/>
+          </a:ln>
+        </p:spPr>
+        <p:style>
+          <a:lnRef idx="1">
+            <a:schemeClr val="accent1"/>
+          </a:lnRef>
+          <a:fillRef idx="0">
+            <a:schemeClr val="accent1"/>
+          </a:fillRef>
+          <a:effectRef idx="0">
+            <a:schemeClr val="accent1"/>
+          </a:effectRef>
+          <a:fontRef idx="minor">
+            <a:schemeClr val="tx1"/>
+          </a:fontRef>
+        </p:style>
+      </p:cxnSp>
+      <p:cxnSp>
+        <p:nvCxnSpPr>
+          <p:cNvPr id="38" name="Connector: Elbow 37">
+            <a:extLst>
+              <a:ext uri="{FF2B5EF4-FFF2-40B4-BE49-F238E27FC236}">
+                <a16:creationId xmlns:a16="http://schemas.microsoft.com/office/drawing/2014/main" id="{3E76D107-0B4C-3487-3A5A-F813239FE029}"/>
+              </a:ext>
+            </a:extLst>
+          </p:cNvPr>
+          <p:cNvCxnSpPr>
+            <a:cxnSpLocks/>
+          </p:cNvCxnSpPr>
+          <p:nvPr/>
+        </p:nvCxnSpPr>
+        <p:spPr>
+          <a:xfrm rot="16200000" flipH="1">
+            <a:off x="8123799" y="3648267"/>
+            <a:ext cx="2166821" cy="2130621"/>
+          </a:xfrm>
+          <a:prstGeom prst="bentConnector3">
+            <a:avLst>
+              <a:gd name="adj1" fmla="val 99796"/>
+            </a:avLst>
+          </a:prstGeom>
+          <a:ln>
+            <a:solidFill>
+              <a:srgbClr val="FF0000"/>
+            </a:solidFill>
+            <a:prstDash val="dash"/>
+            <a:tailEnd type="triangle"/>
+          </a:ln>
+        </p:spPr>
+        <p:style>
+          <a:lnRef idx="1">
+            <a:schemeClr val="accent1"/>
+          </a:lnRef>
+          <a:fillRef idx="0">
+            <a:schemeClr val="accent1"/>
+          </a:fillRef>
+          <a:effectRef idx="0">
+            <a:schemeClr val="accent1"/>
+          </a:effectRef>
+          <a:fontRef idx="minor">
+            <a:schemeClr val="tx1"/>
+          </a:fontRef>
+        </p:style>
+      </p:cxnSp>
+      <p:sp>
+        <p:nvSpPr>
+          <p:cNvPr id="46" name="TextBox 45">
+            <a:extLst>
+              <a:ext uri="{FF2B5EF4-FFF2-40B4-BE49-F238E27FC236}">
+                <a16:creationId xmlns:a16="http://schemas.microsoft.com/office/drawing/2014/main" id="{81EBB901-7AE6-F03A-A519-41C66844B203}"/>
+              </a:ext>
+            </a:extLst>
+          </p:cNvPr>
+          <p:cNvSpPr txBox="1"/>
+          <p:nvPr/>
+        </p:nvSpPr>
+        <p:spPr>
+          <a:xfrm>
+            <a:off x="5363765" y="6063688"/>
+            <a:ext cx="4447745" cy="800219"/>
+          </a:xfrm>
+          <a:prstGeom prst="rect">
+            <a:avLst/>
+          </a:prstGeom>
+          <a:noFill/>
+        </p:spPr>
+        <p:txBody>
+          <a:bodyPr wrap="square" rtlCol="0">
+            <a:spAutoFit/>
+          </a:bodyPr>
+          <a:lstStyle/>
+          <a:p>
+            <a:pPr algn="just"/>
+            <a:r>
+              <a:rPr lang="en-SG" sz="1600" dirty="0"/>
+              <a:t>Network interrupt time:</a:t>
+            </a:r>
+          </a:p>
+          <a:p>
+            <a:pPr algn="just"/>
+            <a:r>
+              <a:rPr lang="en-US" sz="1400" dirty="0"/>
+              <a:t>ITU reported the started at 2:16 pm and they started to recover at 2:20pm</a:t>
+            </a:r>
+            <a:r>
+              <a:rPr lang="en-SG" sz="1600" dirty="0"/>
+              <a:t>. </a:t>
+            </a:r>
+          </a:p>
+        </p:txBody>
+      </p:sp>
+      <p:sp>
+        <p:nvSpPr>
+          <p:cNvPr id="47" name="Rectangle 46">
+            <a:extLst>
+              <a:ext uri="{FF2B5EF4-FFF2-40B4-BE49-F238E27FC236}">
+                <a16:creationId xmlns:a16="http://schemas.microsoft.com/office/drawing/2014/main" id="{B4252A64-2B30-8034-E049-708B1800E27D}"/>
+              </a:ext>
+            </a:extLst>
+          </p:cNvPr>
+          <p:cNvSpPr/>
+          <p:nvPr/>
+        </p:nvSpPr>
+        <p:spPr>
+          <a:xfrm>
+            <a:off x="3026664" y="4434840"/>
+            <a:ext cx="182880" cy="713232"/>
+          </a:xfrm>
+          <a:prstGeom prst="rect">
+            <a:avLst/>
+          </a:prstGeom>
+          <a:noFill/>
+          <a:ln>
+            <a:solidFill>
+              <a:srgbClr val="FF0000"/>
+            </a:solidFill>
+            <a:prstDash val="sysDash"/>
+          </a:ln>
+        </p:spPr>
+        <p:style>
+          <a:lnRef idx="2">
+            <a:schemeClr val="accent1">
+              <a:shade val="50000"/>
+            </a:schemeClr>
+          </a:lnRef>
+          <a:fillRef idx="1">
+            <a:schemeClr val="accent1"/>
+          </a:fillRef>
+          <a:effectRef idx="0">
+            <a:schemeClr val="accent1"/>
+          </a:effectRef>
+          <a:fontRef idx="minor">
+            <a:schemeClr val="lt1"/>
+          </a:fontRef>
+        </p:style>
+        <p:txBody>
+          <a:bodyPr rtlCol="0" anchor="ctr"/>
+          <a:lstStyle/>
+          <a:p>
+            <a:pPr algn="ctr"/>
+            <a:endParaRPr lang="en-SG" dirty="0"/>
+          </a:p>
+        </p:txBody>
+      </p:sp>
+      <p:sp>
+        <p:nvSpPr>
+          <p:cNvPr id="49" name="TextBox 48">
+            <a:extLst>
+              <a:ext uri="{FF2B5EF4-FFF2-40B4-BE49-F238E27FC236}">
+                <a16:creationId xmlns:a16="http://schemas.microsoft.com/office/drawing/2014/main" id="{EE0410FA-5167-7552-2F0D-82DC82B37232}"/>
+              </a:ext>
+            </a:extLst>
+          </p:cNvPr>
+          <p:cNvSpPr txBox="1"/>
+          <p:nvPr/>
+        </p:nvSpPr>
+        <p:spPr>
+          <a:xfrm>
+            <a:off x="307560" y="697921"/>
+            <a:ext cx="4508722" cy="338554"/>
+          </a:xfrm>
+          <a:prstGeom prst="rect">
+            <a:avLst/>
+          </a:prstGeom>
+          <a:noFill/>
+        </p:spPr>
+        <p:txBody>
+          <a:bodyPr wrap="square">
+            <a:spAutoFit/>
+          </a:bodyPr>
+          <a:lstStyle/>
+          <a:p>
+            <a:r>
+              <a:rPr lang="en-SG" sz="1600" dirty="0"/>
+              <a:t>Event day-1 [15/11/2022] entire ping latency chart: </a:t>
+            </a:r>
+          </a:p>
+        </p:txBody>
+      </p:sp>
+      <p:sp>
+        <p:nvSpPr>
+          <p:cNvPr id="50" name="TextBox 49">
+            <a:extLst>
+              <a:ext uri="{FF2B5EF4-FFF2-40B4-BE49-F238E27FC236}">
+                <a16:creationId xmlns:a16="http://schemas.microsoft.com/office/drawing/2014/main" id="{78693D23-A6AB-49EE-D748-DFE53F8E437E}"/>
+              </a:ext>
+            </a:extLst>
+          </p:cNvPr>
+          <p:cNvSpPr txBox="1"/>
+          <p:nvPr/>
+        </p:nvSpPr>
+        <p:spPr>
+          <a:xfrm>
+            <a:off x="204190" y="3669668"/>
+            <a:ext cx="6144768" cy="338554"/>
+          </a:xfrm>
+          <a:prstGeom prst="rect">
+            <a:avLst/>
+          </a:prstGeom>
+          <a:noFill/>
+        </p:spPr>
+        <p:txBody>
+          <a:bodyPr wrap="square">
+            <a:spAutoFit/>
+          </a:bodyPr>
+          <a:lstStyle/>
+          <a:p>
+            <a:r>
+              <a:rPr lang="en-SG" sz="1600" dirty="0"/>
+              <a:t>Event day-2 [16/11/2022] entire ping latency chart: </a:t>
+            </a:r>
+          </a:p>
+        </p:txBody>
+      </p:sp>
+    </p:spTree>
+    <p:extLst>
+      <p:ext uri="{BB962C8B-B14F-4D97-AF65-F5344CB8AC3E}">
+        <p14:creationId xmlns:p14="http://schemas.microsoft.com/office/powerpoint/2010/main" val="4179204438"/>
+      </p:ext>
+    </p:extLst>
+  </p:cSld>
+  <p:clrMapOvr>
+    <a:masterClrMapping/>
+  </p:clrMapOvr>
+</p:sld>
+</file>
+
+<file path=ppt/slides/slide3.xml><?xml version="1.0" encoding="utf-8"?>
+<p:sld xmlns:a="http://schemas.openxmlformats.org/drawingml/2006/main" xmlns:r="http://schemas.openxmlformats.org/officeDocument/2006/relationships" xmlns:p="http://schemas.openxmlformats.org/presentationml/2006/main">
+  <p:cSld>
+    <p:spTree>
+      <p:nvGrpSpPr>
+        <p:cNvPr id="1" name=""/>
+        <p:cNvGrpSpPr/>
+        <p:nvPr/>
+      </p:nvGrpSpPr>
+      <p:grpSpPr>
+        <a:xfrm>
+          <a:off x="0" y="0"/>
+          <a:ext cx="0" cy="0"/>
+          <a:chOff x="0" y="0"/>
+          <a:chExt cx="0" cy="0"/>
+        </a:xfrm>
+      </p:grpSpPr>
     </p:spTree>
     <p:extLst>
       <p:ext uri="{BB962C8B-B14F-4D97-AF65-F5344CB8AC3E}">
@@ -7529,4 +9006,319 @@
     </a:ext>
   </a:extLst>
 </a:theme>
+</file>
+
+<file path=ppt/theme/theme2.xml><?xml version="1.0" encoding="utf-8"?>
+<a:theme xmlns:a="http://schemas.openxmlformats.org/drawingml/2006/main" name="Office Theme">
+  <a:themeElements>
+    <a:clrScheme name="Office">
+      <a:dk1>
+        <a:sysClr val="windowText" lastClr="000000"/>
+      </a:dk1>
+      <a:lt1>
+        <a:sysClr val="window" lastClr="FFFFFF"/>
+      </a:lt1>
+      <a:dk2>
+        <a:srgbClr val="0E2841"/>
+      </a:dk2>
+      <a:lt2>
+        <a:srgbClr val="E8E8E8"/>
+      </a:lt2>
+      <a:accent1>
+        <a:srgbClr val="156082"/>
+      </a:accent1>
+      <a:accent2>
+        <a:srgbClr val="E97132"/>
+      </a:accent2>
+      <a:accent3>
+        <a:srgbClr val="196B24"/>
+      </a:accent3>
+      <a:accent4>
+        <a:srgbClr val="0F9ED5"/>
+      </a:accent4>
+      <a:accent5>
+        <a:srgbClr val="A02B93"/>
+      </a:accent5>
+      <a:accent6>
+        <a:srgbClr val="4EA72E"/>
+      </a:accent6>
+      <a:hlink>
+        <a:srgbClr val="467886"/>
+      </a:hlink>
+      <a:folHlink>
+        <a:srgbClr val="96607D"/>
+      </a:folHlink>
+    </a:clrScheme>
+    <a:fontScheme name="Office">
+      <a:majorFont>
+        <a:latin typeface="Aptos Display" panose="02110004020202020204"/>
+        <a:ea typeface=""/>
+        <a:cs typeface=""/>
+        <a:font script="Jpan" typeface="游ゴシック Light"/>
+        <a:font script="Hang" typeface="맑은 고딕"/>
+        <a:font script="Hans" typeface="等线 Light"/>
+        <a:font script="Hant" typeface="新細明體"/>
+        <a:font script="Arab" typeface="Times New Roman"/>
+        <a:font script="Hebr" typeface="Times New Roman"/>
+        <a:font script="Thai" typeface="Angsana New"/>
+        <a:font script="Ethi" typeface="Nyala"/>
+        <a:font script="Beng" typeface="Vrinda"/>
+        <a:font script="Gujr" typeface="Shruti"/>
+        <a:font script="Khmr" typeface="MoolBoran"/>
+        <a:font script="Knda" typeface="Tunga"/>
+        <a:font script="Guru" typeface="Raavi"/>
+        <a:font script="Cans" typeface="Euphemia"/>
+        <a:font script="Cher" typeface="Plantagenet Cherokee"/>
+        <a:font script="Yiii" typeface="Microsoft Yi Baiti"/>
+        <a:font script="Tibt" typeface="Microsoft Himalaya"/>
+        <a:font script="Thaa" typeface="MV Boli"/>
+        <a:font script="Deva" typeface="Mangal"/>
+        <a:font script="Telu" typeface="Gautami"/>
+        <a:font script="Taml" typeface="Latha"/>
+        <a:font script="Syrc" typeface="Estrangelo Edessa"/>
+        <a:font script="Orya" typeface="Kalinga"/>
+        <a:font script="Mlym" typeface="Kartika"/>
+        <a:font script="Laoo" typeface="DokChampa"/>
+        <a:font script="Sinh" typeface="Iskoola Pota"/>
+        <a:font script="Mong" typeface="Mongolian Baiti"/>
+        <a:font script="Viet" typeface="Times New Roman"/>
+        <a:font script="Uigh" typeface="Microsoft Uighur"/>
+        <a:font script="Geor" typeface="Sylfaen"/>
+        <a:font script="Armn" typeface="Arial"/>
+        <a:font script="Bugi" typeface="Leelawadee UI"/>
+        <a:font script="Bopo" typeface="Microsoft JhengHei"/>
+        <a:font script="Java" typeface="Javanese Text"/>
+        <a:font script="Lisu" typeface="Segoe UI"/>
+        <a:font script="Mymr" typeface="Myanmar Text"/>
+        <a:font script="Nkoo" typeface="Ebrima"/>
+        <a:font script="Olck" typeface="Nirmala UI"/>
+        <a:font script="Osma" typeface="Ebrima"/>
+        <a:font script="Phag" typeface="Phagspa"/>
+        <a:font script="Syrn" typeface="Estrangelo Edessa"/>
+        <a:font script="Syrj" typeface="Estrangelo Edessa"/>
+        <a:font script="Syre" typeface="Estrangelo Edessa"/>
+        <a:font script="Sora" typeface="Nirmala UI"/>
+        <a:font script="Tale" typeface="Microsoft Tai Le"/>
+        <a:font script="Talu" typeface="Microsoft New Tai Lue"/>
+        <a:font script="Tfng" typeface="Ebrima"/>
+      </a:majorFont>
+      <a:minorFont>
+        <a:latin typeface="Aptos" panose="02110004020202020204"/>
+        <a:ea typeface=""/>
+        <a:cs typeface=""/>
+        <a:font script="Jpan" typeface="游ゴシック"/>
+        <a:font script="Hang" typeface="맑은 고딕"/>
+        <a:font script="Hans" typeface="等线"/>
+        <a:font script="Hant" typeface="新細明體"/>
+        <a:font script="Arab" typeface="Arial"/>
+        <a:font script="Hebr" typeface="Arial"/>
+        <a:font script="Thai" typeface="Cordia New"/>
+        <a:font script="Ethi" typeface="Nyala"/>
+        <a:font script="Beng" typeface="Vrinda"/>
+        <a:font script="Gujr" typeface="Shruti"/>
+        <a:font script="Khmr" typeface="DaunPenh"/>
+        <a:font script="Knda" typeface="Tunga"/>
+        <a:font script="Guru" typeface="Raavi"/>
+        <a:font script="Cans" typeface="Euphemia"/>
+        <a:font script="Cher" typeface="Plantagenet Cherokee"/>
+        <a:font script="Yiii" typeface="Microsoft Yi Baiti"/>
+        <a:font script="Tibt" typeface="Microsoft Himalaya"/>
+        <a:font script="Thaa" typeface="MV Boli"/>
+        <a:font script="Deva" typeface="Mangal"/>
+        <a:font script="Telu" typeface="Gautami"/>
+        <a:font script="Taml" typeface="Latha"/>
+        <a:font script="Syrc" typeface="Estrangelo Edessa"/>
+        <a:font script="Orya" typeface="Kalinga"/>
+        <a:font script="Mlym" typeface="Kartika"/>
+        <a:font script="Laoo" typeface="DokChampa"/>
+        <a:font script="Sinh" typeface="Iskoola Pota"/>
+        <a:font script="Mong" typeface="Mongolian Baiti"/>
+        <a:font script="Viet" typeface="Arial"/>
+        <a:font script="Uigh" typeface="Microsoft Uighur"/>
+        <a:font script="Geor" typeface="Sylfaen"/>
+        <a:font script="Armn" typeface="Arial"/>
+        <a:font script="Bugi" typeface="Leelawadee UI"/>
+        <a:font script="Bopo" typeface="Microsoft JhengHei"/>
+        <a:font script="Java" typeface="Javanese Text"/>
+        <a:font script="Lisu" typeface="Segoe UI"/>
+        <a:font script="Mymr" typeface="Myanmar Text"/>
+        <a:font script="Nkoo" typeface="Ebrima"/>
+        <a:font script="Olck" typeface="Nirmala UI"/>
+        <a:font script="Osma" typeface="Ebrima"/>
+        <a:font script="Phag" typeface="Phagspa"/>
+        <a:font script="Syrn" typeface="Estrangelo Edessa"/>
+        <a:font script="Syrj" typeface="Estrangelo Edessa"/>
+        <a:font script="Syre" typeface="Estrangelo Edessa"/>
+        <a:font script="Sora" typeface="Nirmala UI"/>
+        <a:font script="Tale" typeface="Microsoft Tai Le"/>
+        <a:font script="Talu" typeface="Microsoft New Tai Lue"/>
+        <a:font script="Tfng" typeface="Ebrima"/>
+      </a:minorFont>
+    </a:fontScheme>
+    <a:fmtScheme name="Office">
+      <a:fillStyleLst>
+        <a:solidFill>
+          <a:schemeClr val="phClr"/>
+        </a:solidFill>
+        <a:gradFill rotWithShape="1">
+          <a:gsLst>
+            <a:gs pos="0">
+              <a:schemeClr val="phClr">
+                <a:lumMod val="110000"/>
+                <a:satMod val="105000"/>
+                <a:tint val="67000"/>
+              </a:schemeClr>
+            </a:gs>
+            <a:gs pos="50000">
+              <a:schemeClr val="phClr">
+                <a:lumMod val="105000"/>
+                <a:satMod val="103000"/>
+                <a:tint val="73000"/>
+              </a:schemeClr>
+            </a:gs>
+            <a:gs pos="100000">
+              <a:schemeClr val="phClr">
+                <a:lumMod val="105000"/>
+                <a:satMod val="109000"/>
+                <a:tint val="81000"/>
+              </a:schemeClr>
+            </a:gs>
+          </a:gsLst>
+          <a:lin ang="5400000" scaled="0"/>
+        </a:gradFill>
+        <a:gradFill rotWithShape="1">
+          <a:gsLst>
+            <a:gs pos="0">
+              <a:schemeClr val="phClr">
+                <a:satMod val="103000"/>
+                <a:lumMod val="102000"/>
+                <a:tint val="94000"/>
+              </a:schemeClr>
+            </a:gs>
+            <a:gs pos="50000">
+              <a:schemeClr val="phClr">
+                <a:satMod val="110000"/>
+                <a:lumMod val="100000"/>
+                <a:shade val="100000"/>
+              </a:schemeClr>
+            </a:gs>
+            <a:gs pos="100000">
+              <a:schemeClr val="phClr">
+                <a:lumMod val="99000"/>
+                <a:satMod val="120000"/>
+                <a:shade val="78000"/>
+              </a:schemeClr>
+            </a:gs>
+          </a:gsLst>
+          <a:lin ang="5400000" scaled="0"/>
+        </a:gradFill>
+      </a:fillStyleLst>
+      <a:lnStyleLst>
+        <a:ln w="12700" cap="flat" cmpd="sng" algn="ctr">
+          <a:solidFill>
+            <a:schemeClr val="phClr"/>
+          </a:solidFill>
+          <a:prstDash val="solid"/>
+          <a:miter lim="800000"/>
+        </a:ln>
+        <a:ln w="19050" cap="flat" cmpd="sng" algn="ctr">
+          <a:solidFill>
+            <a:schemeClr val="phClr"/>
+          </a:solidFill>
+          <a:prstDash val="solid"/>
+          <a:miter lim="800000"/>
+        </a:ln>
+        <a:ln w="25400" cap="flat" cmpd="sng" algn="ctr">
+          <a:solidFill>
+            <a:schemeClr val="phClr"/>
+          </a:solidFill>
+          <a:prstDash val="solid"/>
+          <a:miter lim="800000"/>
+        </a:ln>
+      </a:lnStyleLst>
+      <a:effectStyleLst>
+        <a:effectStyle>
+          <a:effectLst/>
+        </a:effectStyle>
+        <a:effectStyle>
+          <a:effectLst/>
+        </a:effectStyle>
+        <a:effectStyle>
+          <a:effectLst>
+            <a:outerShdw blurRad="57150" dist="19050" dir="5400000" algn="ctr" rotWithShape="0">
+              <a:srgbClr val="000000">
+                <a:alpha val="63000"/>
+              </a:srgbClr>
+            </a:outerShdw>
+          </a:effectLst>
+        </a:effectStyle>
+      </a:effectStyleLst>
+      <a:bgFillStyleLst>
+        <a:solidFill>
+          <a:schemeClr val="phClr"/>
+        </a:solidFill>
+        <a:solidFill>
+          <a:schemeClr val="phClr">
+            <a:tint val="95000"/>
+            <a:satMod val="170000"/>
+          </a:schemeClr>
+        </a:solidFill>
+        <a:gradFill rotWithShape="1">
+          <a:gsLst>
+            <a:gs pos="0">
+              <a:schemeClr val="phClr">
+                <a:tint val="93000"/>
+                <a:satMod val="150000"/>
+                <a:shade val="98000"/>
+                <a:lumMod val="102000"/>
+              </a:schemeClr>
+            </a:gs>
+            <a:gs pos="50000">
+              <a:schemeClr val="phClr">
+                <a:tint val="98000"/>
+                <a:satMod val="130000"/>
+                <a:shade val="90000"/>
+                <a:lumMod val="103000"/>
+              </a:schemeClr>
+            </a:gs>
+            <a:gs pos="100000">
+              <a:schemeClr val="phClr">
+                <a:shade val="63000"/>
+                <a:satMod val="120000"/>
+              </a:schemeClr>
+            </a:gs>
+          </a:gsLst>
+          <a:lin ang="5400000" scaled="0"/>
+        </a:gradFill>
+      </a:bgFillStyleLst>
+    </a:fmtScheme>
+  </a:themeElements>
+  <a:objectDefaults>
+    <a:lnDef>
+      <a:spPr/>
+      <a:bodyPr/>
+      <a:lstStyle/>
+      <a:style>
+        <a:lnRef idx="2">
+          <a:schemeClr val="accent1"/>
+        </a:lnRef>
+        <a:fillRef idx="0">
+          <a:schemeClr val="accent1"/>
+        </a:fillRef>
+        <a:effectRef idx="1">
+          <a:schemeClr val="accent1"/>
+        </a:effectRef>
+        <a:fontRef idx="minor">
+          <a:schemeClr val="tx1"/>
+        </a:fontRef>
+      </a:style>
+    </a:lnDef>
+  </a:objectDefaults>
+  <a:extraClrSchemeLst/>
+  <a:extLst>
+    <a:ext uri="{05A4C25C-085E-4340-85A3-A5531E510DB2}">
+      <thm15:themeFamily xmlns:thm15="http://schemas.microsoft.com/office/thememl/2012/main" name="Office Theme" id="{2E142A2C-CD16-42D6-873A-C26D2A0506FA}" vid="{1BDDFF52-6CD6-40A5-AB3C-68EB2F1E4D0A}"/>
+    </a:ext>
+  </a:extLst>
+</a:theme>
 </file>